--- a/images/theory_analysis/OIDC/OIDC.pptx
+++ b/images/theory_analysis/OIDC/OIDC.pptx
@@ -213,7 +213,7 @@
           <a:p>
             <a:fld id="{6CD5550B-26C4-49A9-A5BA-636EF7BE6CE9}" type="datetimeFigureOut">
               <a:rPr lang="ko-KR" altLang="en-US" smtClean="0"/>
-              <a:t>2020-06-23</a:t>
+              <a:t>2021-04-10</a:t>
             </a:fld>
             <a:endParaRPr lang="ko-KR" altLang="en-US"/>
           </a:p>
@@ -659,7 +659,7 @@
           <a:p>
             <a:fld id="{FB30EDBD-1C2D-4C1E-B459-B60219FAB484}" type="datetimeFigureOut">
               <a:rPr lang="ko-KR" altLang="en-US" smtClean="0"/>
-              <a:t>2020-06-23</a:t>
+              <a:t>2021-04-10</a:t>
             </a:fld>
             <a:endParaRPr lang="ko-KR" altLang="en-US"/>
           </a:p>
@@ -822,7 +822,7 @@
           <a:p>
             <a:fld id="{FB30EDBD-1C2D-4C1E-B459-B60219FAB484}" type="datetimeFigureOut">
               <a:rPr lang="ko-KR" altLang="en-US" smtClean="0"/>
-              <a:t>2020-06-23</a:t>
+              <a:t>2021-04-10</a:t>
             </a:fld>
             <a:endParaRPr lang="ko-KR" altLang="en-US"/>
           </a:p>
@@ -995,7 +995,7 @@
           <a:p>
             <a:fld id="{FB30EDBD-1C2D-4C1E-B459-B60219FAB484}" type="datetimeFigureOut">
               <a:rPr lang="ko-KR" altLang="en-US" smtClean="0"/>
-              <a:t>2020-06-23</a:t>
+              <a:t>2021-04-10</a:t>
             </a:fld>
             <a:endParaRPr lang="ko-KR" altLang="en-US"/>
           </a:p>
@@ -1158,7 +1158,7 @@
           <a:p>
             <a:fld id="{FB30EDBD-1C2D-4C1E-B459-B60219FAB484}" type="datetimeFigureOut">
               <a:rPr lang="ko-KR" altLang="en-US" smtClean="0"/>
-              <a:t>2020-06-23</a:t>
+              <a:t>2021-04-10</a:t>
             </a:fld>
             <a:endParaRPr lang="ko-KR" altLang="en-US"/>
           </a:p>
@@ -1398,7 +1398,7 @@
           <a:p>
             <a:fld id="{FB30EDBD-1C2D-4C1E-B459-B60219FAB484}" type="datetimeFigureOut">
               <a:rPr lang="ko-KR" altLang="en-US" smtClean="0"/>
-              <a:t>2020-06-23</a:t>
+              <a:t>2021-04-10</a:t>
             </a:fld>
             <a:endParaRPr lang="ko-KR" altLang="en-US"/>
           </a:p>
@@ -1678,7 +1678,7 @@
           <a:p>
             <a:fld id="{FB30EDBD-1C2D-4C1E-B459-B60219FAB484}" type="datetimeFigureOut">
               <a:rPr lang="ko-KR" altLang="en-US" smtClean="0"/>
-              <a:t>2020-06-23</a:t>
+              <a:t>2021-04-10</a:t>
             </a:fld>
             <a:endParaRPr lang="ko-KR" altLang="en-US"/>
           </a:p>
@@ -2092,7 +2092,7 @@
           <a:p>
             <a:fld id="{FB30EDBD-1C2D-4C1E-B459-B60219FAB484}" type="datetimeFigureOut">
               <a:rPr lang="ko-KR" altLang="en-US" smtClean="0"/>
-              <a:t>2020-06-23</a:t>
+              <a:t>2021-04-10</a:t>
             </a:fld>
             <a:endParaRPr lang="ko-KR" altLang="en-US"/>
           </a:p>
@@ -2204,7 +2204,7 @@
           <a:p>
             <a:fld id="{FB30EDBD-1C2D-4C1E-B459-B60219FAB484}" type="datetimeFigureOut">
               <a:rPr lang="ko-KR" altLang="en-US" smtClean="0"/>
-              <a:t>2020-06-23</a:t>
+              <a:t>2021-04-10</a:t>
             </a:fld>
             <a:endParaRPr lang="ko-KR" altLang="en-US"/>
           </a:p>
@@ -2294,7 +2294,7 @@
           <a:p>
             <a:fld id="{FB30EDBD-1C2D-4C1E-B459-B60219FAB484}" type="datetimeFigureOut">
               <a:rPr lang="ko-KR" altLang="en-US" smtClean="0"/>
-              <a:t>2020-06-23</a:t>
+              <a:t>2021-04-10</a:t>
             </a:fld>
             <a:endParaRPr lang="ko-KR" altLang="en-US"/>
           </a:p>
@@ -2564,7 +2564,7 @@
           <a:p>
             <a:fld id="{FB30EDBD-1C2D-4C1E-B459-B60219FAB484}" type="datetimeFigureOut">
               <a:rPr lang="ko-KR" altLang="en-US" smtClean="0"/>
-              <a:t>2020-06-23</a:t>
+              <a:t>2021-04-10</a:t>
             </a:fld>
             <a:endParaRPr lang="ko-KR" altLang="en-US"/>
           </a:p>
@@ -2811,7 +2811,7 @@
           <a:p>
             <a:fld id="{FB30EDBD-1C2D-4C1E-B459-B60219FAB484}" type="datetimeFigureOut">
               <a:rPr lang="ko-KR" altLang="en-US" smtClean="0"/>
-              <a:t>2020-06-23</a:t>
+              <a:t>2021-04-10</a:t>
             </a:fld>
             <a:endParaRPr lang="ko-KR" altLang="en-US"/>
           </a:p>
@@ -3017,7 +3017,7 @@
           <a:p>
             <a:fld id="{FB30EDBD-1C2D-4C1E-B459-B60219FAB484}" type="datetimeFigureOut">
               <a:rPr lang="ko-KR" altLang="en-US" smtClean="0"/>
-              <a:t>2020-06-23</a:t>
+              <a:t>2021-04-10</a:t>
             </a:fld>
             <a:endParaRPr lang="ko-KR" altLang="en-US"/>
           </a:p>
@@ -3690,6 +3690,13 @@
             <a:r>
               <a:rPr lang="en-US" altLang="ko-KR" sz="1000"/>
               <a:t>Resource Server</a:t>
+            </a:r>
+          </a:p>
+          <a:p>
+            <a:pPr algn="ctr"/>
+            <a:r>
+              <a:rPr lang="en-US" altLang="ko-KR" sz="1000"/>
+              <a:t>(API Server)</a:t>
             </a:r>
             <a:endParaRPr lang="ko-KR" altLang="en-US" sz="1000"/>
           </a:p>

--- a/images/theory_analysis/OIDC/OIDC.pptx
+++ b/images/theory_analysis/OIDC/OIDC.pptx
@@ -5,10 +5,16 @@
     <p:sldMasterId id="2147483648" r:id="rId1"/>
   </p:sldMasterIdLst>
   <p:notesMasterIdLst>
-    <p:notesMasterId r:id="rId3"/>
+    <p:notesMasterId r:id="rId9"/>
   </p:notesMasterIdLst>
   <p:sldIdLst>
-    <p:sldId id="366" r:id="rId2"/>
+    <p:sldId id="368" r:id="rId2"/>
+    <p:sldId id="372" r:id="rId3"/>
+    <p:sldId id="370" r:id="rId4"/>
+    <p:sldId id="369" r:id="rId5"/>
+    <p:sldId id="371" r:id="rId6"/>
+    <p:sldId id="366" r:id="rId7"/>
+    <p:sldId id="373" r:id="rId8"/>
   </p:sldIdLst>
   <p:sldSz cx="9144000" cy="5143500" type="screen16x9"/>
   <p:notesSz cx="6858000" cy="9144000"/>
@@ -213,7 +219,7 @@
           <a:p>
             <a:fld id="{6CD5550B-26C4-49A9-A5BA-636EF7BE6CE9}" type="datetimeFigureOut">
               <a:rPr lang="ko-KR" altLang="en-US" smtClean="0"/>
-              <a:t>2021-04-10</a:t>
+              <a:t>2021-04-12</a:t>
             </a:fld>
             <a:endParaRPr lang="ko-KR" altLang="en-US"/>
           </a:p>
@@ -659,7 +665,7 @@
           <a:p>
             <a:fld id="{FB30EDBD-1C2D-4C1E-B459-B60219FAB484}" type="datetimeFigureOut">
               <a:rPr lang="ko-KR" altLang="en-US" smtClean="0"/>
-              <a:t>2021-04-10</a:t>
+              <a:t>2021-04-12</a:t>
             </a:fld>
             <a:endParaRPr lang="ko-KR" altLang="en-US"/>
           </a:p>
@@ -822,7 +828,7 @@
           <a:p>
             <a:fld id="{FB30EDBD-1C2D-4C1E-B459-B60219FAB484}" type="datetimeFigureOut">
               <a:rPr lang="ko-KR" altLang="en-US" smtClean="0"/>
-              <a:t>2021-04-10</a:t>
+              <a:t>2021-04-12</a:t>
             </a:fld>
             <a:endParaRPr lang="ko-KR" altLang="en-US"/>
           </a:p>
@@ -995,7 +1001,7 @@
           <a:p>
             <a:fld id="{FB30EDBD-1C2D-4C1E-B459-B60219FAB484}" type="datetimeFigureOut">
               <a:rPr lang="ko-KR" altLang="en-US" smtClean="0"/>
-              <a:t>2021-04-10</a:t>
+              <a:t>2021-04-12</a:t>
             </a:fld>
             <a:endParaRPr lang="ko-KR" altLang="en-US"/>
           </a:p>
@@ -1158,7 +1164,7 @@
           <a:p>
             <a:fld id="{FB30EDBD-1C2D-4C1E-B459-B60219FAB484}" type="datetimeFigureOut">
               <a:rPr lang="ko-KR" altLang="en-US" smtClean="0"/>
-              <a:t>2021-04-10</a:t>
+              <a:t>2021-04-12</a:t>
             </a:fld>
             <a:endParaRPr lang="ko-KR" altLang="en-US"/>
           </a:p>
@@ -1398,7 +1404,7 @@
           <a:p>
             <a:fld id="{FB30EDBD-1C2D-4C1E-B459-B60219FAB484}" type="datetimeFigureOut">
               <a:rPr lang="ko-KR" altLang="en-US" smtClean="0"/>
-              <a:t>2021-04-10</a:t>
+              <a:t>2021-04-12</a:t>
             </a:fld>
             <a:endParaRPr lang="ko-KR" altLang="en-US"/>
           </a:p>
@@ -1678,7 +1684,7 @@
           <a:p>
             <a:fld id="{FB30EDBD-1C2D-4C1E-B459-B60219FAB484}" type="datetimeFigureOut">
               <a:rPr lang="ko-KR" altLang="en-US" smtClean="0"/>
-              <a:t>2021-04-10</a:t>
+              <a:t>2021-04-12</a:t>
             </a:fld>
             <a:endParaRPr lang="ko-KR" altLang="en-US"/>
           </a:p>
@@ -2092,7 +2098,7 @@
           <a:p>
             <a:fld id="{FB30EDBD-1C2D-4C1E-B459-B60219FAB484}" type="datetimeFigureOut">
               <a:rPr lang="ko-KR" altLang="en-US" smtClean="0"/>
-              <a:t>2021-04-10</a:t>
+              <a:t>2021-04-12</a:t>
             </a:fld>
             <a:endParaRPr lang="ko-KR" altLang="en-US"/>
           </a:p>
@@ -2204,7 +2210,7 @@
           <a:p>
             <a:fld id="{FB30EDBD-1C2D-4C1E-B459-B60219FAB484}" type="datetimeFigureOut">
               <a:rPr lang="ko-KR" altLang="en-US" smtClean="0"/>
-              <a:t>2021-04-10</a:t>
+              <a:t>2021-04-12</a:t>
             </a:fld>
             <a:endParaRPr lang="ko-KR" altLang="en-US"/>
           </a:p>
@@ -2294,7 +2300,7 @@
           <a:p>
             <a:fld id="{FB30EDBD-1C2D-4C1E-B459-B60219FAB484}" type="datetimeFigureOut">
               <a:rPr lang="ko-KR" altLang="en-US" smtClean="0"/>
-              <a:t>2021-04-10</a:t>
+              <a:t>2021-04-12</a:t>
             </a:fld>
             <a:endParaRPr lang="ko-KR" altLang="en-US"/>
           </a:p>
@@ -2564,7 +2570,7 @@
           <a:p>
             <a:fld id="{FB30EDBD-1C2D-4C1E-B459-B60219FAB484}" type="datetimeFigureOut">
               <a:rPr lang="ko-KR" altLang="en-US" smtClean="0"/>
-              <a:t>2021-04-10</a:t>
+              <a:t>2021-04-12</a:t>
             </a:fld>
             <a:endParaRPr lang="ko-KR" altLang="en-US"/>
           </a:p>
@@ -2811,7 +2817,7 @@
           <a:p>
             <a:fld id="{FB30EDBD-1C2D-4C1E-B459-B60219FAB484}" type="datetimeFigureOut">
               <a:rPr lang="ko-KR" altLang="en-US" smtClean="0"/>
-              <a:t>2021-04-10</a:t>
+              <a:t>2021-04-12</a:t>
             </a:fld>
             <a:endParaRPr lang="ko-KR" altLang="en-US"/>
           </a:p>
@@ -3017,7 +3023,7 @@
           <a:p>
             <a:fld id="{FB30EDBD-1C2D-4C1E-B459-B60219FAB484}" type="datetimeFigureOut">
               <a:rPr lang="ko-KR" altLang="en-US" smtClean="0"/>
-              <a:t>2021-04-10</a:t>
+              <a:t>2021-04-12</a:t>
             </a:fld>
             <a:endParaRPr lang="ko-KR" altLang="en-US"/>
           </a:p>
@@ -3389,6 +3395,58 @@
       </p:grpSpPr>
       <p:sp>
         <p:nvSpPr>
+          <p:cNvPr id="18" name="사각형: 둥근 모서리 17">
+            <a:extLst>
+              <a:ext uri="{FF2B5EF4-FFF2-40B4-BE49-F238E27FC236}">
+                <a16:creationId xmlns:a16="http://schemas.microsoft.com/office/drawing/2014/main" id="{5F78915D-3565-4B21-9A83-09C98ABE9ACC}"/>
+              </a:ext>
+            </a:extLst>
+          </p:cNvPr>
+          <p:cNvSpPr/>
+          <p:nvPr/>
+        </p:nvSpPr>
+        <p:spPr>
+          <a:xfrm>
+            <a:off x="4716016" y="2257225"/>
+            <a:ext cx="3417668" cy="1618875"/>
+          </a:xfrm>
+          <a:prstGeom prst="roundRect">
+            <a:avLst>
+              <a:gd name="adj" fmla="val 2733"/>
+            </a:avLst>
+          </a:prstGeom>
+          <a:ln>
+            <a:prstDash val="dash"/>
+          </a:ln>
+        </p:spPr>
+        <p:style>
+          <a:lnRef idx="2">
+            <a:schemeClr val="dk1"/>
+          </a:lnRef>
+          <a:fillRef idx="1">
+            <a:schemeClr val="lt1"/>
+          </a:fillRef>
+          <a:effectRef idx="0">
+            <a:schemeClr val="dk1"/>
+          </a:effectRef>
+          <a:fontRef idx="minor">
+            <a:schemeClr val="dk1"/>
+          </a:fontRef>
+        </p:style>
+        <p:txBody>
+          <a:bodyPr rtlCol="0" anchor="b"/>
+          <a:lstStyle/>
+          <a:p>
+            <a:pPr algn="r"/>
+            <a:r>
+              <a:rPr lang="en-US" altLang="ko-KR" sz="1200" b="1"/>
+              <a:t>Identity Provider</a:t>
+            </a:r>
+          </a:p>
+        </p:txBody>
+      </p:sp>
+      <p:sp>
+        <p:nvSpPr>
           <p:cNvPr id="2" name="제목 1"/>
           <p:cNvSpPr>
             <a:spLocks noGrp="1"/>
@@ -3410,8 +3468,12 @@
           <a:lstStyle/>
           <a:p>
             <a:r>
-              <a:rPr lang="en-US" altLang="ko-KR" sz="3600"/>
-              <a:t>OIDC Flow - Access Token, ID Token</a:t>
+              <a:rPr lang="en-US" altLang="ko-KR" sz="3600" dirty="0" err="1"/>
+              <a:t>OAuth</a:t>
+            </a:r>
+            <a:r>
+              <a:rPr lang="en-US" altLang="ko-KR" sz="3600" dirty="0"/>
+              <a:t> 2.0 Component</a:t>
             </a:r>
             <a:endParaRPr lang="ko-KR" altLang="en-US" sz="3600" dirty="0"/>
           </a:p>
@@ -3431,8 +3493,8 @@
         </p:nvSpPr>
         <p:spPr>
           <a:xfrm>
-            <a:off x="508114" y="771550"/>
-            <a:ext cx="1183566" cy="360040"/>
+            <a:off x="1043608" y="2355726"/>
+            <a:ext cx="1471598" cy="504056"/>
           </a:xfrm>
           <a:prstGeom prst="roundRect">
             <a:avLst>
@@ -3460,17 +3522,25 @@
           <a:p>
             <a:pPr algn="ctr"/>
             <a:r>
-              <a:rPr lang="en-US" altLang="ko-KR" sz="1000"/>
+              <a:rPr lang="en-US" altLang="ko-KR" sz="1200" dirty="0"/>
               <a:t>User</a:t>
             </a:r>
           </a:p>
           <a:p>
             <a:pPr algn="ctr"/>
             <a:r>
-              <a:rPr lang="en-US" altLang="ko-KR" sz="1000"/>
+              <a:rPr lang="en-US" altLang="ko-KR" sz="1200" dirty="0">
+                <a:solidFill>
+                  <a:schemeClr val="tx1"/>
+                </a:solidFill>
+              </a:rPr>
               <a:t>(Resource Owner)</a:t>
             </a:r>
-            <a:endParaRPr lang="ko-KR" altLang="en-US" sz="1000"/>
+            <a:endParaRPr lang="ko-KR" altLang="en-US" sz="1200" dirty="0">
+              <a:solidFill>
+                <a:schemeClr val="tx1"/>
+              </a:solidFill>
+            </a:endParaRPr>
           </a:p>
         </p:txBody>
       </p:sp>
@@ -3488,8 +3558,8 @@
         </p:nvSpPr>
         <p:spPr>
           <a:xfrm>
-            <a:off x="2272310" y="771550"/>
-            <a:ext cx="1183566" cy="360040"/>
+            <a:off x="2956386" y="2355726"/>
+            <a:ext cx="1471598" cy="504056"/>
           </a:xfrm>
           <a:prstGeom prst="roundRect">
             <a:avLst>
@@ -3517,17 +3587,16 @@
           <a:p>
             <a:pPr algn="ctr"/>
             <a:r>
-              <a:rPr lang="en-US" altLang="ko-KR" sz="1000"/>
+              <a:rPr lang="en-US" altLang="ko-KR" sz="1200"/>
               <a:t>User Agent</a:t>
             </a:r>
           </a:p>
           <a:p>
             <a:pPr algn="ctr"/>
             <a:r>
-              <a:rPr lang="en-US" altLang="ko-KR" sz="1000"/>
-              <a:t>(Browser)</a:t>
-            </a:r>
-            <a:endParaRPr lang="ko-KR" altLang="en-US" sz="1000"/>
+              <a:rPr lang="en-US" altLang="ko-KR" sz="1200"/>
+              <a:t>(Web Browser)</a:t>
+            </a:r>
           </a:p>
         </p:txBody>
       </p:sp>
@@ -3545,8 +3614,8 @@
         </p:nvSpPr>
         <p:spPr>
           <a:xfrm>
-            <a:off x="4036506" y="771550"/>
-            <a:ext cx="1183566" cy="360040"/>
+            <a:off x="4797156" y="1419622"/>
+            <a:ext cx="1471598" cy="504056"/>
           </a:xfrm>
           <a:prstGeom prst="roundRect">
             <a:avLst>
@@ -3574,17 +3643,17 @@
           <a:p>
             <a:pPr algn="ctr"/>
             <a:r>
-              <a:rPr lang="en-US" altLang="ko-KR" sz="1000"/>
+              <a:rPr lang="en-US" altLang="ko-KR" sz="1200"/>
               <a:t>Application</a:t>
             </a:r>
           </a:p>
           <a:p>
             <a:pPr algn="ctr"/>
             <a:r>
-              <a:rPr lang="en-US" altLang="ko-KR" sz="1000"/>
+              <a:rPr lang="en-US" altLang="ko-KR" sz="1200"/>
               <a:t>(Web Server)</a:t>
             </a:r>
-            <a:endParaRPr lang="ko-KR" altLang="en-US" sz="1000"/>
+            <a:endParaRPr lang="ko-KR" altLang="en-US" sz="1200"/>
           </a:p>
         </p:txBody>
       </p:sp>
@@ -3602,8 +3671,8 @@
         </p:nvSpPr>
         <p:spPr>
           <a:xfrm>
-            <a:off x="5800702" y="771550"/>
-            <a:ext cx="1183566" cy="360040"/>
+            <a:off x="4797156" y="3291830"/>
+            <a:ext cx="1471598" cy="504056"/>
           </a:xfrm>
           <a:prstGeom prst="roundRect">
             <a:avLst>
@@ -3631,26 +3700,157 @@
           <a:p>
             <a:pPr algn="ctr"/>
             <a:r>
-              <a:rPr lang="en-US" altLang="ko-KR" sz="1000"/>
-              <a:t>Authorization</a:t>
-            </a:r>
-          </a:p>
-          <a:p>
-            <a:pPr algn="ctr"/>
-            <a:r>
-              <a:rPr lang="en-US" altLang="ko-KR" sz="1000"/>
-              <a:t>Server</a:t>
-            </a:r>
-            <a:endParaRPr lang="ko-KR" altLang="en-US" sz="1000"/>
+              <a:rPr lang="en-US" altLang="ko-KR" sz="1200"/>
+              <a:t>Authorization Server</a:t>
+            </a:r>
           </a:p>
         </p:txBody>
       </p:sp>
+      <p:cxnSp>
+        <p:nvCxnSpPr>
+          <p:cNvPr id="54" name="직선 화살표 연결선 53">
+            <a:extLst>
+              <a:ext uri="{FF2B5EF4-FFF2-40B4-BE49-F238E27FC236}">
+                <a16:creationId xmlns:a16="http://schemas.microsoft.com/office/drawing/2014/main" id="{7DA70A64-B7A7-4AFC-BF95-321F5BF555B1}"/>
+              </a:ext>
+            </a:extLst>
+          </p:cNvPr>
+          <p:cNvCxnSpPr>
+            <a:stCxn id="3" idx="3"/>
+            <a:endCxn id="19" idx="1"/>
+          </p:cNvCxnSpPr>
+          <p:nvPr/>
+        </p:nvCxnSpPr>
+        <p:spPr>
+          <a:xfrm>
+            <a:off x="2515206" y="2607754"/>
+            <a:ext cx="441180" cy="0"/>
+          </a:xfrm>
+          <a:prstGeom prst="straightConnector1">
+            <a:avLst/>
+          </a:prstGeom>
+          <a:ln w="19050">
+            <a:solidFill>
+              <a:schemeClr val="tx1"/>
+            </a:solidFill>
+            <a:headEnd type="none" w="med" len="med"/>
+            <a:tailEnd type="none" w="med" len="med"/>
+          </a:ln>
+        </p:spPr>
+        <p:style>
+          <a:lnRef idx="1">
+            <a:schemeClr val="accent1"/>
+          </a:lnRef>
+          <a:fillRef idx="0">
+            <a:schemeClr val="accent1"/>
+          </a:fillRef>
+          <a:effectRef idx="0">
+            <a:schemeClr val="accent1"/>
+          </a:effectRef>
+          <a:fontRef idx="minor">
+            <a:schemeClr val="tx1"/>
+          </a:fontRef>
+        </p:style>
+      </p:cxnSp>
+      <p:cxnSp>
+        <p:nvCxnSpPr>
+          <p:cNvPr id="55" name="직선 화살표 연결선 54">
+            <a:extLst>
+              <a:ext uri="{FF2B5EF4-FFF2-40B4-BE49-F238E27FC236}">
+                <a16:creationId xmlns:a16="http://schemas.microsoft.com/office/drawing/2014/main" id="{7DA70A64-B7A7-4AFC-BF95-321F5BF555B1}"/>
+              </a:ext>
+            </a:extLst>
+          </p:cNvPr>
+          <p:cNvCxnSpPr>
+            <a:stCxn id="19" idx="3"/>
+            <a:endCxn id="20" idx="1"/>
+          </p:cNvCxnSpPr>
+          <p:nvPr/>
+        </p:nvCxnSpPr>
+        <p:spPr>
+          <a:xfrm flipV="1">
+            <a:off x="4427984" y="1671650"/>
+            <a:ext cx="369172" cy="936104"/>
+          </a:xfrm>
+          <a:prstGeom prst="straightConnector1">
+            <a:avLst/>
+          </a:prstGeom>
+          <a:ln w="19050">
+            <a:solidFill>
+              <a:schemeClr val="tx1"/>
+            </a:solidFill>
+            <a:headEnd type="none" w="med" len="med"/>
+            <a:tailEnd type="none" w="med" len="med"/>
+          </a:ln>
+        </p:spPr>
+        <p:style>
+          <a:lnRef idx="1">
+            <a:schemeClr val="accent1"/>
+          </a:lnRef>
+          <a:fillRef idx="0">
+            <a:schemeClr val="accent1"/>
+          </a:fillRef>
+          <a:effectRef idx="0">
+            <a:schemeClr val="accent1"/>
+          </a:effectRef>
+          <a:fontRef idx="minor">
+            <a:schemeClr val="tx1"/>
+          </a:fontRef>
+        </p:style>
+      </p:cxnSp>
+      <p:cxnSp>
+        <p:nvCxnSpPr>
+          <p:cNvPr id="56" name="직선 화살표 연결선 55">
+            <a:extLst>
+              <a:ext uri="{FF2B5EF4-FFF2-40B4-BE49-F238E27FC236}">
+                <a16:creationId xmlns:a16="http://schemas.microsoft.com/office/drawing/2014/main" id="{7DA70A64-B7A7-4AFC-BF95-321F5BF555B1}"/>
+              </a:ext>
+            </a:extLst>
+          </p:cNvPr>
+          <p:cNvCxnSpPr>
+            <a:cxnSpLocks/>
+            <a:stCxn id="19" idx="3"/>
+            <a:endCxn id="21" idx="1"/>
+          </p:cNvCxnSpPr>
+          <p:nvPr/>
+        </p:nvCxnSpPr>
+        <p:spPr>
+          <a:xfrm>
+            <a:off x="4427984" y="2607754"/>
+            <a:ext cx="369172" cy="936104"/>
+          </a:xfrm>
+          <a:prstGeom prst="straightConnector1">
+            <a:avLst/>
+          </a:prstGeom>
+          <a:ln w="19050">
+            <a:solidFill>
+              <a:schemeClr val="tx1"/>
+            </a:solidFill>
+            <a:headEnd type="none" w="med" len="med"/>
+            <a:tailEnd type="none" w="med" len="med"/>
+          </a:ln>
+        </p:spPr>
+        <p:style>
+          <a:lnRef idx="1">
+            <a:schemeClr val="accent1"/>
+          </a:lnRef>
+          <a:fillRef idx="0">
+            <a:schemeClr val="accent1"/>
+          </a:fillRef>
+          <a:effectRef idx="0">
+            <a:schemeClr val="accent1"/>
+          </a:effectRef>
+          <a:fontRef idx="minor">
+            <a:schemeClr val="tx1"/>
+          </a:fontRef>
+        </p:style>
+      </p:cxnSp>
       <p:sp>
         <p:nvSpPr>
-          <p:cNvPr id="22" name="사각형: 둥근 모서리 21">
+          <p:cNvPr id="16" name="사각형: 둥근 모서리 15">
             <a:extLst>
               <a:ext uri="{FF2B5EF4-FFF2-40B4-BE49-F238E27FC236}">
-                <a16:creationId xmlns:a16="http://schemas.microsoft.com/office/drawing/2014/main" id="{97A5B4CE-CBA4-48F1-B07F-646FF8B5033F}"/>
+                <a16:creationId xmlns:a16="http://schemas.microsoft.com/office/drawing/2014/main" id="{74CD556F-44EE-4CC1-99D4-89FCCEC525F9}"/>
               </a:ext>
             </a:extLst>
           </p:cNvPr>
@@ -3659,8 +3859,8 @@
         </p:nvSpPr>
         <p:spPr>
           <a:xfrm>
-            <a:off x="7564898" y="771550"/>
-            <a:ext cx="1183566" cy="360040"/>
+            <a:off x="6588224" y="2335344"/>
+            <a:ext cx="1471598" cy="504056"/>
           </a:xfrm>
           <a:prstGeom prst="roundRect">
             <a:avLst>
@@ -3688,15 +3888,349 @@
           <a:p>
             <a:pPr algn="ctr"/>
             <a:r>
+              <a:rPr lang="en-US" altLang="ko-KR" sz="1200"/>
+              <a:t>Resource Server</a:t>
+            </a:r>
+          </a:p>
+          <a:p>
+            <a:pPr algn="ctr"/>
+            <a:r>
+              <a:rPr lang="en-US" altLang="ko-KR" sz="1200"/>
+              <a:t>(User Info)</a:t>
+            </a:r>
+            <a:endParaRPr lang="ko-KR" altLang="en-US" sz="1200"/>
+          </a:p>
+        </p:txBody>
+      </p:sp>
+      <p:cxnSp>
+        <p:nvCxnSpPr>
+          <p:cNvPr id="17" name="직선 화살표 연결선 16">
+            <a:extLst>
+              <a:ext uri="{FF2B5EF4-FFF2-40B4-BE49-F238E27FC236}">
+                <a16:creationId xmlns:a16="http://schemas.microsoft.com/office/drawing/2014/main" id="{21E1B971-8849-4A43-B1E2-A6AE12F36C70}"/>
+              </a:ext>
+            </a:extLst>
+          </p:cNvPr>
+          <p:cNvCxnSpPr>
+            <a:cxnSpLocks/>
+            <a:stCxn id="16" idx="1"/>
+          </p:cNvCxnSpPr>
+          <p:nvPr/>
+        </p:nvCxnSpPr>
+        <p:spPr>
+          <a:xfrm flipH="1">
+            <a:off x="6268754" y="2587372"/>
+            <a:ext cx="319470" cy="884478"/>
+          </a:xfrm>
+          <a:prstGeom prst="straightConnector1">
+            <a:avLst/>
+          </a:prstGeom>
+          <a:ln w="19050">
+            <a:solidFill>
+              <a:schemeClr val="tx1"/>
+            </a:solidFill>
+            <a:headEnd type="none" w="med" len="med"/>
+            <a:tailEnd type="none" w="med" len="med"/>
+          </a:ln>
+        </p:spPr>
+        <p:style>
+          <a:lnRef idx="1">
+            <a:schemeClr val="accent1"/>
+          </a:lnRef>
+          <a:fillRef idx="0">
+            <a:schemeClr val="accent1"/>
+          </a:fillRef>
+          <a:effectRef idx="0">
+            <a:schemeClr val="accent1"/>
+          </a:effectRef>
+          <a:fontRef idx="minor">
+            <a:schemeClr val="tx1"/>
+          </a:fontRef>
+        </p:style>
+      </p:cxnSp>
+    </p:spTree>
+    <p:extLst>
+      <p:ext uri="{BB962C8B-B14F-4D97-AF65-F5344CB8AC3E}">
+        <p14:creationId xmlns:p14="http://schemas.microsoft.com/office/powerpoint/2010/main" val="1951662845"/>
+      </p:ext>
+    </p:extLst>
+  </p:cSld>
+  <p:clrMapOvr>
+    <a:masterClrMapping/>
+  </p:clrMapOvr>
+</p:sld>
+</file>
+
+<file path=ppt/slides/slide2.xml><?xml version="1.0" encoding="utf-8"?>
+<p:sld xmlns:a="http://schemas.openxmlformats.org/drawingml/2006/main" xmlns:r="http://schemas.openxmlformats.org/officeDocument/2006/relationships" xmlns:p="http://schemas.openxmlformats.org/presentationml/2006/main">
+  <p:cSld>
+    <p:spTree>
+      <p:nvGrpSpPr>
+        <p:cNvPr id="1" name=""/>
+        <p:cNvGrpSpPr/>
+        <p:nvPr/>
+      </p:nvGrpSpPr>
+      <p:grpSpPr>
+        <a:xfrm>
+          <a:off x="0" y="0"/>
+          <a:ext cx="0" cy="0"/>
+          <a:chOff x="0" y="0"/>
+          <a:chExt cx="0" cy="0"/>
+        </a:xfrm>
+      </p:grpSpPr>
+      <p:sp>
+        <p:nvSpPr>
+          <p:cNvPr id="2" name="제목 1"/>
+          <p:cNvSpPr>
+            <a:spLocks noGrp="1"/>
+          </p:cNvSpPr>
+          <p:nvPr>
+            <p:ph type="title"/>
+          </p:nvPr>
+        </p:nvSpPr>
+        <p:spPr>
+          <a:xfrm>
+            <a:off x="457200" y="-20538"/>
+            <a:ext cx="8229600" cy="720080"/>
+          </a:xfrm>
+        </p:spPr>
+        <p:txBody>
+          <a:bodyPr>
+            <a:normAutofit/>
+          </a:bodyPr>
+          <a:lstStyle/>
+          <a:p>
+            <a:r>
+              <a:rPr lang="en-US" altLang="ko-KR" sz="3600"/>
+              <a:t>OIDC Flow - Access Token, ID Token</a:t>
+            </a:r>
+            <a:endParaRPr lang="ko-KR" altLang="en-US" sz="3600" dirty="0"/>
+          </a:p>
+        </p:txBody>
+      </p:sp>
+      <p:sp>
+        <p:nvSpPr>
+          <p:cNvPr id="3" name="사각형: 둥근 모서리 2">
+            <a:extLst>
+              <a:ext uri="{FF2B5EF4-FFF2-40B4-BE49-F238E27FC236}">
+                <a16:creationId xmlns:a16="http://schemas.microsoft.com/office/drawing/2014/main" id="{F682A8B3-51E9-4E66-93BF-AC13CF953E0F}"/>
+              </a:ext>
+            </a:extLst>
+          </p:cNvPr>
+          <p:cNvSpPr/>
+          <p:nvPr/>
+        </p:nvSpPr>
+        <p:spPr>
+          <a:xfrm>
+            <a:off x="508114" y="771550"/>
+            <a:ext cx="1183566" cy="360040"/>
+          </a:xfrm>
+          <a:prstGeom prst="roundRect">
+            <a:avLst>
+              <a:gd name="adj" fmla="val 0"/>
+            </a:avLst>
+          </a:prstGeom>
+        </p:spPr>
+        <p:style>
+          <a:lnRef idx="2">
+            <a:schemeClr val="dk1"/>
+          </a:lnRef>
+          <a:fillRef idx="1">
+            <a:schemeClr val="lt1"/>
+          </a:fillRef>
+          <a:effectRef idx="0">
+            <a:schemeClr val="dk1"/>
+          </a:effectRef>
+          <a:fontRef idx="minor">
+            <a:schemeClr val="dk1"/>
+          </a:fontRef>
+        </p:style>
+        <p:txBody>
+          <a:bodyPr rtlCol="0" anchor="ctr"/>
+          <a:lstStyle/>
+          <a:p>
+            <a:pPr algn="ctr"/>
+            <a:r>
               <a:rPr lang="en-US" altLang="ko-KR" sz="1000"/>
-              <a:t>Resource Server</a:t>
+              <a:t>User</a:t>
             </a:r>
           </a:p>
           <a:p>
             <a:pPr algn="ctr"/>
             <a:r>
               <a:rPr lang="en-US" altLang="ko-KR" sz="1000"/>
-              <a:t>(API Server)</a:t>
+              <a:t>(Resource Owner)</a:t>
+            </a:r>
+            <a:endParaRPr lang="ko-KR" altLang="en-US" sz="1000"/>
+          </a:p>
+        </p:txBody>
+      </p:sp>
+      <p:sp>
+        <p:nvSpPr>
+          <p:cNvPr id="19" name="사각형: 둥근 모서리 18">
+            <a:extLst>
+              <a:ext uri="{FF2B5EF4-FFF2-40B4-BE49-F238E27FC236}">
+                <a16:creationId xmlns:a16="http://schemas.microsoft.com/office/drawing/2014/main" id="{0E51AB21-06DD-4D1C-881B-AB9AF29BE15E}"/>
+              </a:ext>
+            </a:extLst>
+          </p:cNvPr>
+          <p:cNvSpPr/>
+          <p:nvPr/>
+        </p:nvSpPr>
+        <p:spPr>
+          <a:xfrm>
+            <a:off x="2272310" y="771550"/>
+            <a:ext cx="1183566" cy="360040"/>
+          </a:xfrm>
+          <a:prstGeom prst="roundRect">
+            <a:avLst>
+              <a:gd name="adj" fmla="val 0"/>
+            </a:avLst>
+          </a:prstGeom>
+        </p:spPr>
+        <p:style>
+          <a:lnRef idx="2">
+            <a:schemeClr val="dk1"/>
+          </a:lnRef>
+          <a:fillRef idx="1">
+            <a:schemeClr val="lt1"/>
+          </a:fillRef>
+          <a:effectRef idx="0">
+            <a:schemeClr val="dk1"/>
+          </a:effectRef>
+          <a:fontRef idx="minor">
+            <a:schemeClr val="dk1"/>
+          </a:fontRef>
+        </p:style>
+        <p:txBody>
+          <a:bodyPr rtlCol="0" anchor="ctr"/>
+          <a:lstStyle/>
+          <a:p>
+            <a:pPr algn="ctr"/>
+            <a:r>
+              <a:rPr lang="en-US" altLang="ko-KR" sz="1000"/>
+              <a:t>User Agent</a:t>
+            </a:r>
+          </a:p>
+          <a:p>
+            <a:pPr algn="ctr"/>
+            <a:r>
+              <a:rPr lang="en-US" altLang="ko-KR" sz="1000"/>
+              <a:t>(Browser)</a:t>
+            </a:r>
+            <a:endParaRPr lang="ko-KR" altLang="en-US" sz="1000"/>
+          </a:p>
+        </p:txBody>
+      </p:sp>
+      <p:sp>
+        <p:nvSpPr>
+          <p:cNvPr id="20" name="사각형: 둥근 모서리 19">
+            <a:extLst>
+              <a:ext uri="{FF2B5EF4-FFF2-40B4-BE49-F238E27FC236}">
+                <a16:creationId xmlns:a16="http://schemas.microsoft.com/office/drawing/2014/main" id="{1E98CDC1-9222-4883-B10A-81B66E8DC4B0}"/>
+              </a:ext>
+            </a:extLst>
+          </p:cNvPr>
+          <p:cNvSpPr/>
+          <p:nvPr/>
+        </p:nvSpPr>
+        <p:spPr>
+          <a:xfrm>
+            <a:off x="4036506" y="771550"/>
+            <a:ext cx="1183566" cy="360040"/>
+          </a:xfrm>
+          <a:prstGeom prst="roundRect">
+            <a:avLst>
+              <a:gd name="adj" fmla="val 0"/>
+            </a:avLst>
+          </a:prstGeom>
+        </p:spPr>
+        <p:style>
+          <a:lnRef idx="2">
+            <a:schemeClr val="dk1"/>
+          </a:lnRef>
+          <a:fillRef idx="1">
+            <a:schemeClr val="lt1"/>
+          </a:fillRef>
+          <a:effectRef idx="0">
+            <a:schemeClr val="dk1"/>
+          </a:effectRef>
+          <a:fontRef idx="minor">
+            <a:schemeClr val="dk1"/>
+          </a:fontRef>
+        </p:style>
+        <p:txBody>
+          <a:bodyPr rtlCol="0" anchor="ctr"/>
+          <a:lstStyle/>
+          <a:p>
+            <a:pPr algn="ctr"/>
+            <a:r>
+              <a:rPr lang="en-US" altLang="ko-KR" sz="1000"/>
+              <a:t>Application</a:t>
+            </a:r>
+          </a:p>
+          <a:p>
+            <a:pPr algn="ctr"/>
+            <a:r>
+              <a:rPr lang="en-US" altLang="ko-KR" sz="1000"/>
+              <a:t>(Web Server)</a:t>
+            </a:r>
+            <a:endParaRPr lang="ko-KR" altLang="en-US" sz="1000"/>
+          </a:p>
+        </p:txBody>
+      </p:sp>
+      <p:sp>
+        <p:nvSpPr>
+          <p:cNvPr id="21" name="사각형: 둥근 모서리 20">
+            <a:extLst>
+              <a:ext uri="{FF2B5EF4-FFF2-40B4-BE49-F238E27FC236}">
+                <a16:creationId xmlns:a16="http://schemas.microsoft.com/office/drawing/2014/main" id="{79835011-8977-4FDA-B1B6-1DD7DB8C2468}"/>
+              </a:ext>
+            </a:extLst>
+          </p:cNvPr>
+          <p:cNvSpPr/>
+          <p:nvPr/>
+        </p:nvSpPr>
+        <p:spPr>
+          <a:xfrm>
+            <a:off x="5800702" y="771550"/>
+            <a:ext cx="1183566" cy="360040"/>
+          </a:xfrm>
+          <a:prstGeom prst="roundRect">
+            <a:avLst>
+              <a:gd name="adj" fmla="val 0"/>
+            </a:avLst>
+          </a:prstGeom>
+        </p:spPr>
+        <p:style>
+          <a:lnRef idx="2">
+            <a:schemeClr val="dk1"/>
+          </a:lnRef>
+          <a:fillRef idx="1">
+            <a:schemeClr val="lt1"/>
+          </a:fillRef>
+          <a:effectRef idx="0">
+            <a:schemeClr val="dk1"/>
+          </a:effectRef>
+          <a:fontRef idx="minor">
+            <a:schemeClr val="dk1"/>
+          </a:fontRef>
+        </p:style>
+        <p:txBody>
+          <a:bodyPr rtlCol="0" anchor="ctr"/>
+          <a:lstStyle/>
+          <a:p>
+            <a:pPr algn="ctr"/>
+            <a:r>
+              <a:rPr lang="en-US" altLang="ko-KR" sz="1000"/>
+              <a:t>Authorization</a:t>
+            </a:r>
+          </a:p>
+          <a:p>
+            <a:pPr algn="ctr"/>
+            <a:r>
+              <a:rPr lang="en-US" altLang="ko-KR" sz="1000"/>
+              <a:t>Server</a:t>
             </a:r>
             <a:endParaRPr lang="ko-KR" altLang="en-US" sz="1000"/>
           </a:p>
@@ -3852,50 +4386,6 @@
         <p:spPr>
           <a:xfrm>
             <a:off x="6392485" y="1131590"/>
-            <a:ext cx="0" cy="3744416"/>
-          </a:xfrm>
-          <a:prstGeom prst="line">
-            <a:avLst/>
-          </a:prstGeom>
-          <a:ln w="19050">
-            <a:solidFill>
-              <a:schemeClr val="tx1"/>
-            </a:solidFill>
-          </a:ln>
-        </p:spPr>
-        <p:style>
-          <a:lnRef idx="1">
-            <a:schemeClr val="accent1"/>
-          </a:lnRef>
-          <a:fillRef idx="0">
-            <a:schemeClr val="accent1"/>
-          </a:fillRef>
-          <a:effectRef idx="0">
-            <a:schemeClr val="accent1"/>
-          </a:effectRef>
-          <a:fontRef idx="minor">
-            <a:schemeClr val="tx1"/>
-          </a:fontRef>
-        </p:style>
-      </p:cxnSp>
-      <p:cxnSp>
-        <p:nvCxnSpPr>
-          <p:cNvPr id="41" name="직선 연결선 40">
-            <a:extLst>
-              <a:ext uri="{FF2B5EF4-FFF2-40B4-BE49-F238E27FC236}">
-                <a16:creationId xmlns:a16="http://schemas.microsoft.com/office/drawing/2014/main" id="{27F6A3AB-03BA-45EF-9D8B-53D3EB078AA5}"/>
-              </a:ext>
-            </a:extLst>
-          </p:cNvPr>
-          <p:cNvCxnSpPr>
-            <a:cxnSpLocks/>
-            <a:stCxn id="22" idx="2"/>
-          </p:cNvCxnSpPr>
-          <p:nvPr/>
-        </p:nvCxnSpPr>
-        <p:spPr>
-          <a:xfrm>
-            <a:off x="8156681" y="1131590"/>
             <a:ext cx="0" cy="3744416"/>
           </a:xfrm>
           <a:prstGeom prst="line">
@@ -5147,7 +5637,7 @@
               </a:r>
               <a:r>
                 <a:rPr lang="en-US" altLang="ko-KR" sz="900"/>
-                <a:t> &amp; Access Token &amp; (&amp; Refresh Token)</a:t>
+                <a:t> (&amp; Access Token, Refresh Token)</a:t>
               </a:r>
               <a:endParaRPr lang="ko-KR" altLang="en-US" sz="900" dirty="0"/>
             </a:p>
@@ -5157,7 +5647,5904 @@
     </p:spTree>
     <p:extLst>
       <p:ext uri="{BB962C8B-B14F-4D97-AF65-F5344CB8AC3E}">
+        <p14:creationId xmlns:p14="http://schemas.microsoft.com/office/powerpoint/2010/main" val="1973200533"/>
+      </p:ext>
+    </p:extLst>
+  </p:cSld>
+  <p:clrMapOvr>
+    <a:masterClrMapping/>
+  </p:clrMapOvr>
+</p:sld>
+</file>
+
+<file path=ppt/slides/slide3.xml><?xml version="1.0" encoding="utf-8"?>
+<p:sld xmlns:a="http://schemas.openxmlformats.org/drawingml/2006/main" xmlns:r="http://schemas.openxmlformats.org/officeDocument/2006/relationships" xmlns:p="http://schemas.openxmlformats.org/presentationml/2006/main">
+  <p:cSld>
+    <p:spTree>
+      <p:nvGrpSpPr>
+        <p:cNvPr id="1" name=""/>
+        <p:cNvGrpSpPr/>
+        <p:nvPr/>
+      </p:nvGrpSpPr>
+      <p:grpSpPr>
+        <a:xfrm>
+          <a:off x="0" y="0"/>
+          <a:ext cx="0" cy="0"/>
+          <a:chOff x="0" y="0"/>
+          <a:chExt cx="0" cy="0"/>
+        </a:xfrm>
+      </p:grpSpPr>
+    </p:spTree>
+    <p:extLst>
+      <p:ext uri="{BB962C8B-B14F-4D97-AF65-F5344CB8AC3E}">
+        <p14:creationId xmlns:p14="http://schemas.microsoft.com/office/powerpoint/2010/main" val="861198485"/>
+      </p:ext>
+    </p:extLst>
+  </p:cSld>
+  <p:clrMapOvr>
+    <a:masterClrMapping/>
+  </p:clrMapOvr>
+</p:sld>
+</file>
+
+<file path=ppt/slides/slide4.xml><?xml version="1.0" encoding="utf-8"?>
+<p:sld xmlns:a="http://schemas.openxmlformats.org/drawingml/2006/main" xmlns:r="http://schemas.openxmlformats.org/officeDocument/2006/relationships" xmlns:p="http://schemas.openxmlformats.org/presentationml/2006/main">
+  <p:cSld>
+    <p:spTree>
+      <p:nvGrpSpPr>
+        <p:cNvPr id="1" name=""/>
+        <p:cNvGrpSpPr/>
+        <p:nvPr/>
+      </p:nvGrpSpPr>
+      <p:grpSpPr>
+        <a:xfrm>
+          <a:off x="0" y="0"/>
+          <a:ext cx="0" cy="0"/>
+          <a:chOff x="0" y="0"/>
+          <a:chExt cx="0" cy="0"/>
+        </a:xfrm>
+      </p:grpSpPr>
+      <p:sp>
+        <p:nvSpPr>
+          <p:cNvPr id="13" name="사각형: 둥근 모서리 12">
+            <a:extLst>
+              <a:ext uri="{FF2B5EF4-FFF2-40B4-BE49-F238E27FC236}">
+                <a16:creationId xmlns:a16="http://schemas.microsoft.com/office/drawing/2014/main" id="{3F4B8E58-7E66-4106-A564-5EAF9C968AE3}"/>
+              </a:ext>
+            </a:extLst>
+          </p:cNvPr>
+          <p:cNvSpPr/>
+          <p:nvPr/>
+        </p:nvSpPr>
+        <p:spPr>
+          <a:xfrm>
+            <a:off x="4716016" y="2257225"/>
+            <a:ext cx="3417668" cy="1618875"/>
+          </a:xfrm>
+          <a:prstGeom prst="roundRect">
+            <a:avLst>
+              <a:gd name="adj" fmla="val 2733"/>
+            </a:avLst>
+          </a:prstGeom>
+          <a:ln>
+            <a:prstDash val="dash"/>
+          </a:ln>
+        </p:spPr>
+        <p:style>
+          <a:lnRef idx="2">
+            <a:schemeClr val="dk1"/>
+          </a:lnRef>
+          <a:fillRef idx="1">
+            <a:schemeClr val="lt1"/>
+          </a:fillRef>
+          <a:effectRef idx="0">
+            <a:schemeClr val="dk1"/>
+          </a:effectRef>
+          <a:fontRef idx="minor">
+            <a:schemeClr val="dk1"/>
+          </a:fontRef>
+        </p:style>
+        <p:txBody>
+          <a:bodyPr rtlCol="0" anchor="b"/>
+          <a:lstStyle/>
+          <a:p>
+            <a:pPr algn="r"/>
+            <a:endParaRPr lang="en-US" altLang="ko-KR" sz="1200"/>
+          </a:p>
+          <a:p>
+            <a:pPr algn="r"/>
+            <a:r>
+              <a:rPr lang="en-US" altLang="ko-KR" sz="1200"/>
+              <a:t>Service Provider</a:t>
+            </a:r>
+            <a:endParaRPr lang="ko-KR" altLang="en-US" sz="1200"/>
+          </a:p>
+        </p:txBody>
+      </p:sp>
+      <p:sp>
+        <p:nvSpPr>
+          <p:cNvPr id="2" name="제목 1"/>
+          <p:cNvSpPr>
+            <a:spLocks noGrp="1"/>
+          </p:cNvSpPr>
+          <p:nvPr>
+            <p:ph type="title"/>
+          </p:nvPr>
+        </p:nvSpPr>
+        <p:spPr>
+          <a:xfrm>
+            <a:off x="457200" y="-20538"/>
+            <a:ext cx="8229600" cy="720080"/>
+          </a:xfrm>
+        </p:spPr>
+        <p:txBody>
+          <a:bodyPr>
+            <a:normAutofit/>
+          </a:bodyPr>
+          <a:lstStyle/>
+          <a:p>
+            <a:r>
+              <a:rPr lang="en-US" altLang="ko-KR" sz="3600" dirty="0" err="1"/>
+              <a:t>OAuth</a:t>
+            </a:r>
+            <a:r>
+              <a:rPr lang="en-US" altLang="ko-KR" sz="3600" dirty="0"/>
+              <a:t> 2.0 Component</a:t>
+            </a:r>
+            <a:endParaRPr lang="ko-KR" altLang="en-US" sz="3600" dirty="0"/>
+          </a:p>
+        </p:txBody>
+      </p:sp>
+      <p:sp>
+        <p:nvSpPr>
+          <p:cNvPr id="3" name="사각형: 둥근 모서리 2">
+            <a:extLst>
+              <a:ext uri="{FF2B5EF4-FFF2-40B4-BE49-F238E27FC236}">
+                <a16:creationId xmlns:a16="http://schemas.microsoft.com/office/drawing/2014/main" id="{F682A8B3-51E9-4E66-93BF-AC13CF953E0F}"/>
+              </a:ext>
+            </a:extLst>
+          </p:cNvPr>
+          <p:cNvSpPr/>
+          <p:nvPr/>
+        </p:nvSpPr>
+        <p:spPr>
+          <a:xfrm>
+            <a:off x="1043608" y="2355726"/>
+            <a:ext cx="1471598" cy="504056"/>
+          </a:xfrm>
+          <a:prstGeom prst="roundRect">
+            <a:avLst>
+              <a:gd name="adj" fmla="val 0"/>
+            </a:avLst>
+          </a:prstGeom>
+        </p:spPr>
+        <p:style>
+          <a:lnRef idx="2">
+            <a:schemeClr val="dk1"/>
+          </a:lnRef>
+          <a:fillRef idx="1">
+            <a:schemeClr val="lt1"/>
+          </a:fillRef>
+          <a:effectRef idx="0">
+            <a:schemeClr val="dk1"/>
+          </a:effectRef>
+          <a:fontRef idx="minor">
+            <a:schemeClr val="dk1"/>
+          </a:fontRef>
+        </p:style>
+        <p:txBody>
+          <a:bodyPr rtlCol="0" anchor="ctr"/>
+          <a:lstStyle/>
+          <a:p>
+            <a:pPr algn="ctr"/>
+            <a:r>
+              <a:rPr lang="en-US" altLang="ko-KR" sz="1200" dirty="0"/>
+              <a:t>User</a:t>
+            </a:r>
+          </a:p>
+          <a:p>
+            <a:pPr algn="ctr"/>
+            <a:r>
+              <a:rPr lang="en-US" altLang="ko-KR" sz="1200" dirty="0"/>
+              <a:t>(Resource Owner)</a:t>
+            </a:r>
+            <a:endParaRPr lang="ko-KR" altLang="en-US" sz="1200" dirty="0"/>
+          </a:p>
+        </p:txBody>
+      </p:sp>
+      <p:sp>
+        <p:nvSpPr>
+          <p:cNvPr id="19" name="사각형: 둥근 모서리 18">
+            <a:extLst>
+              <a:ext uri="{FF2B5EF4-FFF2-40B4-BE49-F238E27FC236}">
+                <a16:creationId xmlns:a16="http://schemas.microsoft.com/office/drawing/2014/main" id="{0E51AB21-06DD-4D1C-881B-AB9AF29BE15E}"/>
+              </a:ext>
+            </a:extLst>
+          </p:cNvPr>
+          <p:cNvSpPr/>
+          <p:nvPr/>
+        </p:nvSpPr>
+        <p:spPr>
+          <a:xfrm>
+            <a:off x="2956386" y="2355726"/>
+            <a:ext cx="1471598" cy="504056"/>
+          </a:xfrm>
+          <a:prstGeom prst="roundRect">
+            <a:avLst>
+              <a:gd name="adj" fmla="val 0"/>
+            </a:avLst>
+          </a:prstGeom>
+        </p:spPr>
+        <p:style>
+          <a:lnRef idx="2">
+            <a:schemeClr val="dk1"/>
+          </a:lnRef>
+          <a:fillRef idx="1">
+            <a:schemeClr val="lt1"/>
+          </a:fillRef>
+          <a:effectRef idx="0">
+            <a:schemeClr val="dk1"/>
+          </a:effectRef>
+          <a:fontRef idx="minor">
+            <a:schemeClr val="dk1"/>
+          </a:fontRef>
+        </p:style>
+        <p:txBody>
+          <a:bodyPr rtlCol="0" anchor="ctr"/>
+          <a:lstStyle/>
+          <a:p>
+            <a:pPr algn="ctr"/>
+            <a:r>
+              <a:rPr lang="en-US" altLang="ko-KR" sz="1200"/>
+              <a:t>User Agent</a:t>
+            </a:r>
+          </a:p>
+          <a:p>
+            <a:pPr algn="ctr"/>
+            <a:r>
+              <a:rPr lang="en-US" altLang="ko-KR" sz="1200"/>
+              <a:t>(Web Browser)</a:t>
+            </a:r>
+            <a:endParaRPr lang="ko-KR" altLang="en-US" sz="1200"/>
+          </a:p>
+        </p:txBody>
+      </p:sp>
+      <p:sp>
+        <p:nvSpPr>
+          <p:cNvPr id="20" name="사각형: 둥근 모서리 19">
+            <a:extLst>
+              <a:ext uri="{FF2B5EF4-FFF2-40B4-BE49-F238E27FC236}">
+                <a16:creationId xmlns:a16="http://schemas.microsoft.com/office/drawing/2014/main" id="{1E98CDC1-9222-4883-B10A-81B66E8DC4B0}"/>
+              </a:ext>
+            </a:extLst>
+          </p:cNvPr>
+          <p:cNvSpPr/>
+          <p:nvPr/>
+        </p:nvSpPr>
+        <p:spPr>
+          <a:xfrm>
+            <a:off x="4797156" y="1419622"/>
+            <a:ext cx="1471598" cy="504056"/>
+          </a:xfrm>
+          <a:prstGeom prst="roundRect">
+            <a:avLst>
+              <a:gd name="adj" fmla="val 0"/>
+            </a:avLst>
+          </a:prstGeom>
+        </p:spPr>
+        <p:style>
+          <a:lnRef idx="2">
+            <a:schemeClr val="dk1"/>
+          </a:lnRef>
+          <a:fillRef idx="1">
+            <a:schemeClr val="lt1"/>
+          </a:fillRef>
+          <a:effectRef idx="0">
+            <a:schemeClr val="dk1"/>
+          </a:effectRef>
+          <a:fontRef idx="minor">
+            <a:schemeClr val="dk1"/>
+          </a:fontRef>
+        </p:style>
+        <p:txBody>
+          <a:bodyPr rtlCol="0" anchor="ctr"/>
+          <a:lstStyle/>
+          <a:p>
+            <a:pPr algn="ctr"/>
+            <a:r>
+              <a:rPr lang="en-US" altLang="ko-KR" sz="1200"/>
+              <a:t>Application</a:t>
+            </a:r>
+          </a:p>
+          <a:p>
+            <a:pPr algn="ctr"/>
+            <a:r>
+              <a:rPr lang="en-US" altLang="ko-KR" sz="1200"/>
+              <a:t>(Web Server)</a:t>
+            </a:r>
+            <a:endParaRPr lang="ko-KR" altLang="en-US" sz="1200"/>
+          </a:p>
+        </p:txBody>
+      </p:sp>
+      <p:sp>
+        <p:nvSpPr>
+          <p:cNvPr id="21" name="사각형: 둥근 모서리 20">
+            <a:extLst>
+              <a:ext uri="{FF2B5EF4-FFF2-40B4-BE49-F238E27FC236}">
+                <a16:creationId xmlns:a16="http://schemas.microsoft.com/office/drawing/2014/main" id="{79835011-8977-4FDA-B1B6-1DD7DB8C2468}"/>
+              </a:ext>
+            </a:extLst>
+          </p:cNvPr>
+          <p:cNvSpPr/>
+          <p:nvPr/>
+        </p:nvSpPr>
+        <p:spPr>
+          <a:xfrm>
+            <a:off x="4797156" y="3147814"/>
+            <a:ext cx="1471598" cy="648072"/>
+          </a:xfrm>
+          <a:prstGeom prst="roundRect">
+            <a:avLst>
+              <a:gd name="adj" fmla="val 0"/>
+            </a:avLst>
+          </a:prstGeom>
+        </p:spPr>
+        <p:style>
+          <a:lnRef idx="2">
+            <a:schemeClr val="dk1"/>
+          </a:lnRef>
+          <a:fillRef idx="1">
+            <a:schemeClr val="lt1"/>
+          </a:fillRef>
+          <a:effectRef idx="0">
+            <a:schemeClr val="dk1"/>
+          </a:effectRef>
+          <a:fontRef idx="minor">
+            <a:schemeClr val="dk1"/>
+          </a:fontRef>
+        </p:style>
+        <p:txBody>
+          <a:bodyPr rtlCol="0" anchor="ctr"/>
+          <a:lstStyle/>
+          <a:p>
+            <a:pPr algn="ctr"/>
+            <a:r>
+              <a:rPr lang="en-US" altLang="ko-KR" sz="1200"/>
+              <a:t>Identity Provider</a:t>
+            </a:r>
+          </a:p>
+          <a:p>
+            <a:pPr algn="ctr"/>
+            <a:r>
+              <a:rPr lang="en-US" altLang="ko-KR" sz="1200"/>
+              <a:t>(Authorization</a:t>
+            </a:r>
+          </a:p>
+          <a:p>
+            <a:pPr algn="ctr"/>
+            <a:r>
+              <a:rPr lang="en-US" altLang="ko-KR" sz="1200"/>
+              <a:t>Server)</a:t>
+            </a:r>
+            <a:endParaRPr lang="ko-KR" altLang="en-US" sz="1200"/>
+          </a:p>
+        </p:txBody>
+      </p:sp>
+      <p:sp>
+        <p:nvSpPr>
+          <p:cNvPr id="22" name="사각형: 둥근 모서리 21">
+            <a:extLst>
+              <a:ext uri="{FF2B5EF4-FFF2-40B4-BE49-F238E27FC236}">
+                <a16:creationId xmlns:a16="http://schemas.microsoft.com/office/drawing/2014/main" id="{97A5B4CE-CBA4-48F1-B07F-646FF8B5033F}"/>
+              </a:ext>
+            </a:extLst>
+          </p:cNvPr>
+          <p:cNvSpPr/>
+          <p:nvPr/>
+        </p:nvSpPr>
+        <p:spPr>
+          <a:xfrm>
+            <a:off x="6588224" y="2335344"/>
+            <a:ext cx="1471598" cy="504056"/>
+          </a:xfrm>
+          <a:prstGeom prst="roundRect">
+            <a:avLst>
+              <a:gd name="adj" fmla="val 0"/>
+            </a:avLst>
+          </a:prstGeom>
+        </p:spPr>
+        <p:style>
+          <a:lnRef idx="2">
+            <a:schemeClr val="dk1"/>
+          </a:lnRef>
+          <a:fillRef idx="1">
+            <a:schemeClr val="lt1"/>
+          </a:fillRef>
+          <a:effectRef idx="0">
+            <a:schemeClr val="dk1"/>
+          </a:effectRef>
+          <a:fontRef idx="minor">
+            <a:schemeClr val="dk1"/>
+          </a:fontRef>
+        </p:style>
+        <p:txBody>
+          <a:bodyPr rtlCol="0" anchor="ctr"/>
+          <a:lstStyle/>
+          <a:p>
+            <a:pPr algn="ctr"/>
+            <a:r>
+              <a:rPr lang="en-US" altLang="ko-KR" sz="1200"/>
+              <a:t>Authorization Info</a:t>
+            </a:r>
+          </a:p>
+          <a:p>
+            <a:pPr algn="ctr"/>
+            <a:r>
+              <a:rPr lang="en-US" altLang="ko-KR" sz="1200"/>
+              <a:t>(Resource Server)</a:t>
+            </a:r>
+          </a:p>
+        </p:txBody>
+      </p:sp>
+      <p:cxnSp>
+        <p:nvCxnSpPr>
+          <p:cNvPr id="54" name="직선 화살표 연결선 53">
+            <a:extLst>
+              <a:ext uri="{FF2B5EF4-FFF2-40B4-BE49-F238E27FC236}">
+                <a16:creationId xmlns:a16="http://schemas.microsoft.com/office/drawing/2014/main" id="{7DA70A64-B7A7-4AFC-BF95-321F5BF555B1}"/>
+              </a:ext>
+            </a:extLst>
+          </p:cNvPr>
+          <p:cNvCxnSpPr>
+            <a:stCxn id="3" idx="3"/>
+            <a:endCxn id="19" idx="1"/>
+          </p:cNvCxnSpPr>
+          <p:nvPr/>
+        </p:nvCxnSpPr>
+        <p:spPr>
+          <a:xfrm>
+            <a:off x="2515206" y="2607754"/>
+            <a:ext cx="441180" cy="0"/>
+          </a:xfrm>
+          <a:prstGeom prst="straightConnector1">
+            <a:avLst/>
+          </a:prstGeom>
+          <a:ln w="19050">
+            <a:solidFill>
+              <a:schemeClr val="tx1"/>
+            </a:solidFill>
+            <a:headEnd type="none" w="med" len="med"/>
+            <a:tailEnd type="none" w="med" len="med"/>
+          </a:ln>
+        </p:spPr>
+        <p:style>
+          <a:lnRef idx="1">
+            <a:schemeClr val="accent1"/>
+          </a:lnRef>
+          <a:fillRef idx="0">
+            <a:schemeClr val="accent1"/>
+          </a:fillRef>
+          <a:effectRef idx="0">
+            <a:schemeClr val="accent1"/>
+          </a:effectRef>
+          <a:fontRef idx="minor">
+            <a:schemeClr val="tx1"/>
+          </a:fontRef>
+        </p:style>
+      </p:cxnSp>
+      <p:cxnSp>
+        <p:nvCxnSpPr>
+          <p:cNvPr id="55" name="직선 화살표 연결선 54">
+            <a:extLst>
+              <a:ext uri="{FF2B5EF4-FFF2-40B4-BE49-F238E27FC236}">
+                <a16:creationId xmlns:a16="http://schemas.microsoft.com/office/drawing/2014/main" id="{7DA70A64-B7A7-4AFC-BF95-321F5BF555B1}"/>
+              </a:ext>
+            </a:extLst>
+          </p:cNvPr>
+          <p:cNvCxnSpPr>
+            <a:stCxn id="19" idx="3"/>
+            <a:endCxn id="20" idx="1"/>
+          </p:cNvCxnSpPr>
+          <p:nvPr/>
+        </p:nvCxnSpPr>
+        <p:spPr>
+          <a:xfrm flipV="1">
+            <a:off x="4427984" y="1671650"/>
+            <a:ext cx="369172" cy="936104"/>
+          </a:xfrm>
+          <a:prstGeom prst="straightConnector1">
+            <a:avLst/>
+          </a:prstGeom>
+          <a:ln w="19050">
+            <a:solidFill>
+              <a:schemeClr val="tx1"/>
+            </a:solidFill>
+            <a:headEnd type="none" w="med" len="med"/>
+            <a:tailEnd type="none" w="med" len="med"/>
+          </a:ln>
+        </p:spPr>
+        <p:style>
+          <a:lnRef idx="1">
+            <a:schemeClr val="accent1"/>
+          </a:lnRef>
+          <a:fillRef idx="0">
+            <a:schemeClr val="accent1"/>
+          </a:fillRef>
+          <a:effectRef idx="0">
+            <a:schemeClr val="accent1"/>
+          </a:effectRef>
+          <a:fontRef idx="minor">
+            <a:schemeClr val="tx1"/>
+          </a:fontRef>
+        </p:style>
+      </p:cxnSp>
+      <p:cxnSp>
+        <p:nvCxnSpPr>
+          <p:cNvPr id="56" name="직선 화살표 연결선 55">
+            <a:extLst>
+              <a:ext uri="{FF2B5EF4-FFF2-40B4-BE49-F238E27FC236}">
+                <a16:creationId xmlns:a16="http://schemas.microsoft.com/office/drawing/2014/main" id="{7DA70A64-B7A7-4AFC-BF95-321F5BF555B1}"/>
+              </a:ext>
+            </a:extLst>
+          </p:cNvPr>
+          <p:cNvCxnSpPr>
+            <a:cxnSpLocks/>
+            <a:stCxn id="19" idx="3"/>
+            <a:endCxn id="21" idx="1"/>
+          </p:cNvCxnSpPr>
+          <p:nvPr/>
+        </p:nvCxnSpPr>
+        <p:spPr>
+          <a:xfrm>
+            <a:off x="4427984" y="2607754"/>
+            <a:ext cx="369172" cy="864096"/>
+          </a:xfrm>
+          <a:prstGeom prst="straightConnector1">
+            <a:avLst/>
+          </a:prstGeom>
+          <a:ln w="19050">
+            <a:solidFill>
+              <a:schemeClr val="tx1"/>
+            </a:solidFill>
+            <a:headEnd type="none" w="med" len="med"/>
+            <a:tailEnd type="none" w="med" len="med"/>
+          </a:ln>
+        </p:spPr>
+        <p:style>
+          <a:lnRef idx="1">
+            <a:schemeClr val="accent1"/>
+          </a:lnRef>
+          <a:fillRef idx="0">
+            <a:schemeClr val="accent1"/>
+          </a:fillRef>
+          <a:effectRef idx="0">
+            <a:schemeClr val="accent1"/>
+          </a:effectRef>
+          <a:fontRef idx="minor">
+            <a:schemeClr val="tx1"/>
+          </a:fontRef>
+        </p:style>
+      </p:cxnSp>
+      <p:cxnSp>
+        <p:nvCxnSpPr>
+          <p:cNvPr id="60" name="직선 화살표 연결선 59">
+            <a:extLst>
+              <a:ext uri="{FF2B5EF4-FFF2-40B4-BE49-F238E27FC236}">
+                <a16:creationId xmlns:a16="http://schemas.microsoft.com/office/drawing/2014/main" id="{7DA70A64-B7A7-4AFC-BF95-321F5BF555B1}"/>
+              </a:ext>
+            </a:extLst>
+          </p:cNvPr>
+          <p:cNvCxnSpPr>
+            <a:cxnSpLocks/>
+            <a:stCxn id="22" idx="1"/>
+            <a:endCxn id="21" idx="3"/>
+          </p:cNvCxnSpPr>
+          <p:nvPr/>
+        </p:nvCxnSpPr>
+        <p:spPr>
+          <a:xfrm flipH="1">
+            <a:off x="6268754" y="2587372"/>
+            <a:ext cx="319470" cy="884478"/>
+          </a:xfrm>
+          <a:prstGeom prst="straightConnector1">
+            <a:avLst/>
+          </a:prstGeom>
+          <a:ln w="19050">
+            <a:solidFill>
+              <a:schemeClr val="tx1"/>
+            </a:solidFill>
+            <a:headEnd type="none" w="med" len="med"/>
+            <a:tailEnd type="none" w="med" len="med"/>
+          </a:ln>
+        </p:spPr>
+        <p:style>
+          <a:lnRef idx="1">
+            <a:schemeClr val="accent1"/>
+          </a:lnRef>
+          <a:fillRef idx="0">
+            <a:schemeClr val="accent1"/>
+          </a:fillRef>
+          <a:effectRef idx="0">
+            <a:schemeClr val="accent1"/>
+          </a:effectRef>
+          <a:fontRef idx="minor">
+            <a:schemeClr val="tx1"/>
+          </a:fontRef>
+        </p:style>
+      </p:cxnSp>
+    </p:spTree>
+    <p:extLst>
+      <p:ext uri="{BB962C8B-B14F-4D97-AF65-F5344CB8AC3E}">
+        <p14:creationId xmlns:p14="http://schemas.microsoft.com/office/powerpoint/2010/main" val="567019268"/>
+      </p:ext>
+    </p:extLst>
+  </p:cSld>
+  <p:clrMapOvr>
+    <a:masterClrMapping/>
+  </p:clrMapOvr>
+</p:sld>
+</file>
+
+<file path=ppt/slides/slide5.xml><?xml version="1.0" encoding="utf-8"?>
+<p:sld xmlns:a="http://schemas.openxmlformats.org/drawingml/2006/main" xmlns:r="http://schemas.openxmlformats.org/officeDocument/2006/relationships" xmlns:p="http://schemas.openxmlformats.org/presentationml/2006/main">
+  <p:cSld>
+    <p:spTree>
+      <p:nvGrpSpPr>
+        <p:cNvPr id="1" name=""/>
+        <p:cNvGrpSpPr/>
+        <p:nvPr/>
+      </p:nvGrpSpPr>
+      <p:grpSpPr>
+        <a:xfrm>
+          <a:off x="0" y="0"/>
+          <a:ext cx="0" cy="0"/>
+          <a:chOff x="0" y="0"/>
+          <a:chExt cx="0" cy="0"/>
+        </a:xfrm>
+      </p:grpSpPr>
+      <p:sp>
+        <p:nvSpPr>
+          <p:cNvPr id="2" name="제목 1"/>
+          <p:cNvSpPr>
+            <a:spLocks noGrp="1"/>
+          </p:cNvSpPr>
+          <p:nvPr>
+            <p:ph type="title"/>
+          </p:nvPr>
+        </p:nvSpPr>
+        <p:spPr>
+          <a:xfrm>
+            <a:off x="457200" y="-20538"/>
+            <a:ext cx="8229600" cy="720080"/>
+          </a:xfrm>
+        </p:spPr>
+        <p:txBody>
+          <a:bodyPr>
+            <a:normAutofit/>
+          </a:bodyPr>
+          <a:lstStyle/>
+          <a:p>
+            <a:r>
+              <a:rPr lang="en-US" altLang="ko-KR" sz="3600"/>
+              <a:t>OIDC Flow - Access Token, ID Token</a:t>
+            </a:r>
+            <a:endParaRPr lang="ko-KR" altLang="en-US" sz="3600" dirty="0"/>
+          </a:p>
+        </p:txBody>
+      </p:sp>
+      <p:sp>
+        <p:nvSpPr>
+          <p:cNvPr id="3" name="사각형: 둥근 모서리 2">
+            <a:extLst>
+              <a:ext uri="{FF2B5EF4-FFF2-40B4-BE49-F238E27FC236}">
+                <a16:creationId xmlns:a16="http://schemas.microsoft.com/office/drawing/2014/main" id="{F682A8B3-51E9-4E66-93BF-AC13CF953E0F}"/>
+              </a:ext>
+            </a:extLst>
+          </p:cNvPr>
+          <p:cNvSpPr/>
+          <p:nvPr/>
+        </p:nvSpPr>
+        <p:spPr>
+          <a:xfrm>
+            <a:off x="508114" y="771550"/>
+            <a:ext cx="1183566" cy="360040"/>
+          </a:xfrm>
+          <a:prstGeom prst="roundRect">
+            <a:avLst>
+              <a:gd name="adj" fmla="val 0"/>
+            </a:avLst>
+          </a:prstGeom>
+        </p:spPr>
+        <p:style>
+          <a:lnRef idx="2">
+            <a:schemeClr val="dk1"/>
+          </a:lnRef>
+          <a:fillRef idx="1">
+            <a:schemeClr val="lt1"/>
+          </a:fillRef>
+          <a:effectRef idx="0">
+            <a:schemeClr val="dk1"/>
+          </a:effectRef>
+          <a:fontRef idx="minor">
+            <a:schemeClr val="dk1"/>
+          </a:fontRef>
+        </p:style>
+        <p:txBody>
+          <a:bodyPr rtlCol="0" anchor="ctr"/>
+          <a:lstStyle/>
+          <a:p>
+            <a:pPr algn="ctr"/>
+            <a:r>
+              <a:rPr lang="en-US" altLang="ko-KR" sz="1000"/>
+              <a:t>User</a:t>
+            </a:r>
+          </a:p>
+          <a:p>
+            <a:pPr algn="ctr"/>
+            <a:r>
+              <a:rPr lang="en-US" altLang="ko-KR" sz="1000"/>
+              <a:t>(Resource Owner)</a:t>
+            </a:r>
+            <a:endParaRPr lang="ko-KR" altLang="en-US" sz="1000"/>
+          </a:p>
+        </p:txBody>
+      </p:sp>
+      <p:sp>
+        <p:nvSpPr>
+          <p:cNvPr id="19" name="사각형: 둥근 모서리 18">
+            <a:extLst>
+              <a:ext uri="{FF2B5EF4-FFF2-40B4-BE49-F238E27FC236}">
+                <a16:creationId xmlns:a16="http://schemas.microsoft.com/office/drawing/2014/main" id="{0E51AB21-06DD-4D1C-881B-AB9AF29BE15E}"/>
+              </a:ext>
+            </a:extLst>
+          </p:cNvPr>
+          <p:cNvSpPr/>
+          <p:nvPr/>
+        </p:nvSpPr>
+        <p:spPr>
+          <a:xfrm>
+            <a:off x="2272310" y="771550"/>
+            <a:ext cx="1183566" cy="360040"/>
+          </a:xfrm>
+          <a:prstGeom prst="roundRect">
+            <a:avLst>
+              <a:gd name="adj" fmla="val 0"/>
+            </a:avLst>
+          </a:prstGeom>
+        </p:spPr>
+        <p:style>
+          <a:lnRef idx="2">
+            <a:schemeClr val="dk1"/>
+          </a:lnRef>
+          <a:fillRef idx="1">
+            <a:schemeClr val="lt1"/>
+          </a:fillRef>
+          <a:effectRef idx="0">
+            <a:schemeClr val="dk1"/>
+          </a:effectRef>
+          <a:fontRef idx="minor">
+            <a:schemeClr val="dk1"/>
+          </a:fontRef>
+        </p:style>
+        <p:txBody>
+          <a:bodyPr rtlCol="0" anchor="ctr"/>
+          <a:lstStyle/>
+          <a:p>
+            <a:pPr algn="ctr"/>
+            <a:r>
+              <a:rPr lang="en-US" altLang="ko-KR" sz="1000"/>
+              <a:t>User Agent</a:t>
+            </a:r>
+          </a:p>
+          <a:p>
+            <a:pPr algn="ctr"/>
+            <a:r>
+              <a:rPr lang="en-US" altLang="ko-KR" sz="1000"/>
+              <a:t>(Browser)</a:t>
+            </a:r>
+            <a:endParaRPr lang="ko-KR" altLang="en-US" sz="1000"/>
+          </a:p>
+        </p:txBody>
+      </p:sp>
+      <p:sp>
+        <p:nvSpPr>
+          <p:cNvPr id="20" name="사각형: 둥근 모서리 19">
+            <a:extLst>
+              <a:ext uri="{FF2B5EF4-FFF2-40B4-BE49-F238E27FC236}">
+                <a16:creationId xmlns:a16="http://schemas.microsoft.com/office/drawing/2014/main" id="{1E98CDC1-9222-4883-B10A-81B66E8DC4B0}"/>
+              </a:ext>
+            </a:extLst>
+          </p:cNvPr>
+          <p:cNvSpPr/>
+          <p:nvPr/>
+        </p:nvSpPr>
+        <p:spPr>
+          <a:xfrm>
+            <a:off x="4036506" y="771550"/>
+            <a:ext cx="1183566" cy="360040"/>
+          </a:xfrm>
+          <a:prstGeom prst="roundRect">
+            <a:avLst>
+              <a:gd name="adj" fmla="val 0"/>
+            </a:avLst>
+          </a:prstGeom>
+        </p:spPr>
+        <p:style>
+          <a:lnRef idx="2">
+            <a:schemeClr val="dk1"/>
+          </a:lnRef>
+          <a:fillRef idx="1">
+            <a:schemeClr val="lt1"/>
+          </a:fillRef>
+          <a:effectRef idx="0">
+            <a:schemeClr val="dk1"/>
+          </a:effectRef>
+          <a:fontRef idx="minor">
+            <a:schemeClr val="dk1"/>
+          </a:fontRef>
+        </p:style>
+        <p:txBody>
+          <a:bodyPr rtlCol="0" anchor="ctr"/>
+          <a:lstStyle/>
+          <a:p>
+            <a:pPr algn="ctr"/>
+            <a:r>
+              <a:rPr lang="en-US" altLang="ko-KR" sz="1000"/>
+              <a:t>Application</a:t>
+            </a:r>
+          </a:p>
+          <a:p>
+            <a:pPr algn="ctr"/>
+            <a:r>
+              <a:rPr lang="en-US" altLang="ko-KR" sz="1000"/>
+              <a:t>(Web Server)</a:t>
+            </a:r>
+            <a:endParaRPr lang="ko-KR" altLang="en-US" sz="1000"/>
+          </a:p>
+        </p:txBody>
+      </p:sp>
+      <p:sp>
+        <p:nvSpPr>
+          <p:cNvPr id="21" name="사각형: 둥근 모서리 20">
+            <a:extLst>
+              <a:ext uri="{FF2B5EF4-FFF2-40B4-BE49-F238E27FC236}">
+                <a16:creationId xmlns:a16="http://schemas.microsoft.com/office/drawing/2014/main" id="{79835011-8977-4FDA-B1B6-1DD7DB8C2468}"/>
+              </a:ext>
+            </a:extLst>
+          </p:cNvPr>
+          <p:cNvSpPr/>
+          <p:nvPr/>
+        </p:nvSpPr>
+        <p:spPr>
+          <a:xfrm>
+            <a:off x="5800702" y="771550"/>
+            <a:ext cx="1183566" cy="360040"/>
+          </a:xfrm>
+          <a:prstGeom prst="roundRect">
+            <a:avLst>
+              <a:gd name="adj" fmla="val 0"/>
+            </a:avLst>
+          </a:prstGeom>
+        </p:spPr>
+        <p:style>
+          <a:lnRef idx="2">
+            <a:schemeClr val="dk1"/>
+          </a:lnRef>
+          <a:fillRef idx="1">
+            <a:schemeClr val="lt1"/>
+          </a:fillRef>
+          <a:effectRef idx="0">
+            <a:schemeClr val="dk1"/>
+          </a:effectRef>
+          <a:fontRef idx="minor">
+            <a:schemeClr val="dk1"/>
+          </a:fontRef>
+        </p:style>
+        <p:txBody>
+          <a:bodyPr rtlCol="0" anchor="ctr"/>
+          <a:lstStyle/>
+          <a:p>
+            <a:pPr algn="ctr"/>
+            <a:r>
+              <a:rPr lang="en-US" altLang="ko-KR" sz="1000"/>
+              <a:t>Authorization</a:t>
+            </a:r>
+          </a:p>
+          <a:p>
+            <a:pPr algn="ctr"/>
+            <a:r>
+              <a:rPr lang="en-US" altLang="ko-KR" sz="1000"/>
+              <a:t>Server</a:t>
+            </a:r>
+            <a:endParaRPr lang="ko-KR" altLang="en-US" sz="1000"/>
+          </a:p>
+        </p:txBody>
+      </p:sp>
+      <p:sp>
+        <p:nvSpPr>
+          <p:cNvPr id="22" name="사각형: 둥근 모서리 21">
+            <a:extLst>
+              <a:ext uri="{FF2B5EF4-FFF2-40B4-BE49-F238E27FC236}">
+                <a16:creationId xmlns:a16="http://schemas.microsoft.com/office/drawing/2014/main" id="{97A5B4CE-CBA4-48F1-B07F-646FF8B5033F}"/>
+              </a:ext>
+            </a:extLst>
+          </p:cNvPr>
+          <p:cNvSpPr/>
+          <p:nvPr/>
+        </p:nvSpPr>
+        <p:spPr>
+          <a:xfrm>
+            <a:off x="7564898" y="771550"/>
+            <a:ext cx="1183566" cy="360040"/>
+          </a:xfrm>
+          <a:prstGeom prst="roundRect">
+            <a:avLst>
+              <a:gd name="adj" fmla="val 0"/>
+            </a:avLst>
+          </a:prstGeom>
+        </p:spPr>
+        <p:style>
+          <a:lnRef idx="2">
+            <a:schemeClr val="dk1"/>
+          </a:lnRef>
+          <a:fillRef idx="1">
+            <a:schemeClr val="lt1"/>
+          </a:fillRef>
+          <a:effectRef idx="0">
+            <a:schemeClr val="dk1"/>
+          </a:effectRef>
+          <a:fontRef idx="minor">
+            <a:schemeClr val="dk1"/>
+          </a:fontRef>
+        </p:style>
+        <p:txBody>
+          <a:bodyPr rtlCol="0" anchor="ctr"/>
+          <a:lstStyle/>
+          <a:p>
+            <a:pPr algn="ctr"/>
+            <a:r>
+              <a:rPr lang="en-US" altLang="ko-KR" sz="1000"/>
+              <a:t>Resource Server</a:t>
+            </a:r>
+          </a:p>
+          <a:p>
+            <a:pPr algn="ctr"/>
+            <a:r>
+              <a:rPr lang="en-US" altLang="ko-KR" sz="1000"/>
+              <a:t>(API Server)</a:t>
+            </a:r>
+            <a:endParaRPr lang="ko-KR" altLang="en-US" sz="1000"/>
+          </a:p>
+        </p:txBody>
+      </p:sp>
+      <p:cxnSp>
+        <p:nvCxnSpPr>
+          <p:cNvPr id="23" name="직선 연결선 22">
+            <a:extLst>
+              <a:ext uri="{FF2B5EF4-FFF2-40B4-BE49-F238E27FC236}">
+                <a16:creationId xmlns:a16="http://schemas.microsoft.com/office/drawing/2014/main" id="{CF38B8A0-1401-4E3B-9FC0-9ED096701E61}"/>
+              </a:ext>
+            </a:extLst>
+          </p:cNvPr>
+          <p:cNvCxnSpPr>
+            <a:cxnSpLocks/>
+            <a:stCxn id="3" idx="2"/>
+          </p:cNvCxnSpPr>
+          <p:nvPr/>
+        </p:nvCxnSpPr>
+        <p:spPr>
+          <a:xfrm>
+            <a:off x="1099897" y="1131590"/>
+            <a:ext cx="0" cy="3744416"/>
+          </a:xfrm>
+          <a:prstGeom prst="line">
+            <a:avLst/>
+          </a:prstGeom>
+          <a:ln w="19050">
+            <a:solidFill>
+              <a:schemeClr val="tx1"/>
+            </a:solidFill>
+          </a:ln>
+        </p:spPr>
+        <p:style>
+          <a:lnRef idx="1">
+            <a:schemeClr val="accent1"/>
+          </a:lnRef>
+          <a:fillRef idx="0">
+            <a:schemeClr val="accent1"/>
+          </a:fillRef>
+          <a:effectRef idx="0">
+            <a:schemeClr val="accent1"/>
+          </a:effectRef>
+          <a:fontRef idx="minor">
+            <a:schemeClr val="tx1"/>
+          </a:fontRef>
+        </p:style>
+      </p:cxnSp>
+      <p:cxnSp>
+        <p:nvCxnSpPr>
+          <p:cNvPr id="30" name="직선 연결선 29">
+            <a:extLst>
+              <a:ext uri="{FF2B5EF4-FFF2-40B4-BE49-F238E27FC236}">
+                <a16:creationId xmlns:a16="http://schemas.microsoft.com/office/drawing/2014/main" id="{5E45002D-6183-4784-BB3F-133D35EEE2BB}"/>
+              </a:ext>
+            </a:extLst>
+          </p:cNvPr>
+          <p:cNvCxnSpPr>
+            <a:cxnSpLocks/>
+            <a:stCxn id="19" idx="2"/>
+          </p:cNvCxnSpPr>
+          <p:nvPr/>
+        </p:nvCxnSpPr>
+        <p:spPr>
+          <a:xfrm flipH="1">
+            <a:off x="2863091" y="1131590"/>
+            <a:ext cx="1002" cy="3744416"/>
+          </a:xfrm>
+          <a:prstGeom prst="line">
+            <a:avLst/>
+          </a:prstGeom>
+          <a:ln w="19050">
+            <a:solidFill>
+              <a:schemeClr val="tx1"/>
+            </a:solidFill>
+          </a:ln>
+        </p:spPr>
+        <p:style>
+          <a:lnRef idx="1">
+            <a:schemeClr val="accent1"/>
+          </a:lnRef>
+          <a:fillRef idx="0">
+            <a:schemeClr val="accent1"/>
+          </a:fillRef>
+          <a:effectRef idx="0">
+            <a:schemeClr val="accent1"/>
+          </a:effectRef>
+          <a:fontRef idx="minor">
+            <a:schemeClr val="tx1"/>
+          </a:fontRef>
+        </p:style>
+      </p:cxnSp>
+      <p:cxnSp>
+        <p:nvCxnSpPr>
+          <p:cNvPr id="33" name="직선 연결선 32">
+            <a:extLst>
+              <a:ext uri="{FF2B5EF4-FFF2-40B4-BE49-F238E27FC236}">
+                <a16:creationId xmlns:a16="http://schemas.microsoft.com/office/drawing/2014/main" id="{71C2B82A-843B-4122-8D52-8C4F14103FA8}"/>
+              </a:ext>
+            </a:extLst>
+          </p:cNvPr>
+          <p:cNvCxnSpPr>
+            <a:cxnSpLocks/>
+            <a:stCxn id="20" idx="2"/>
+          </p:cNvCxnSpPr>
+          <p:nvPr/>
+        </p:nvCxnSpPr>
+        <p:spPr>
+          <a:xfrm flipH="1">
+            <a:off x="4628212" y="1131590"/>
+            <a:ext cx="77" cy="3744416"/>
+          </a:xfrm>
+          <a:prstGeom prst="line">
+            <a:avLst/>
+          </a:prstGeom>
+          <a:ln w="19050">
+            <a:solidFill>
+              <a:schemeClr val="tx1"/>
+            </a:solidFill>
+          </a:ln>
+        </p:spPr>
+        <p:style>
+          <a:lnRef idx="1">
+            <a:schemeClr val="accent1"/>
+          </a:lnRef>
+          <a:fillRef idx="0">
+            <a:schemeClr val="accent1"/>
+          </a:fillRef>
+          <a:effectRef idx="0">
+            <a:schemeClr val="accent1"/>
+          </a:effectRef>
+          <a:fontRef idx="minor">
+            <a:schemeClr val="tx1"/>
+          </a:fontRef>
+        </p:style>
+      </p:cxnSp>
+      <p:cxnSp>
+        <p:nvCxnSpPr>
+          <p:cNvPr id="36" name="직선 연결선 35">
+            <a:extLst>
+              <a:ext uri="{FF2B5EF4-FFF2-40B4-BE49-F238E27FC236}">
+                <a16:creationId xmlns:a16="http://schemas.microsoft.com/office/drawing/2014/main" id="{772E8AA5-3AB5-4A92-A6C6-31B4125C65A0}"/>
+              </a:ext>
+            </a:extLst>
+          </p:cNvPr>
+          <p:cNvCxnSpPr>
+            <a:cxnSpLocks/>
+            <a:stCxn id="21" idx="2"/>
+          </p:cNvCxnSpPr>
+          <p:nvPr/>
+        </p:nvCxnSpPr>
+        <p:spPr>
+          <a:xfrm>
+            <a:off x="6392485" y="1131590"/>
+            <a:ext cx="0" cy="3744416"/>
+          </a:xfrm>
+          <a:prstGeom prst="line">
+            <a:avLst/>
+          </a:prstGeom>
+          <a:ln w="19050">
+            <a:solidFill>
+              <a:schemeClr val="tx1"/>
+            </a:solidFill>
+          </a:ln>
+        </p:spPr>
+        <p:style>
+          <a:lnRef idx="1">
+            <a:schemeClr val="accent1"/>
+          </a:lnRef>
+          <a:fillRef idx="0">
+            <a:schemeClr val="accent1"/>
+          </a:fillRef>
+          <a:effectRef idx="0">
+            <a:schemeClr val="accent1"/>
+          </a:effectRef>
+          <a:fontRef idx="minor">
+            <a:schemeClr val="tx1"/>
+          </a:fontRef>
+        </p:style>
+      </p:cxnSp>
+      <p:cxnSp>
+        <p:nvCxnSpPr>
+          <p:cNvPr id="41" name="직선 연결선 40">
+            <a:extLst>
+              <a:ext uri="{FF2B5EF4-FFF2-40B4-BE49-F238E27FC236}">
+                <a16:creationId xmlns:a16="http://schemas.microsoft.com/office/drawing/2014/main" id="{27F6A3AB-03BA-45EF-9D8B-53D3EB078AA5}"/>
+              </a:ext>
+            </a:extLst>
+          </p:cNvPr>
+          <p:cNvCxnSpPr>
+            <a:cxnSpLocks/>
+            <a:stCxn id="22" idx="2"/>
+          </p:cNvCxnSpPr>
+          <p:nvPr/>
+        </p:nvCxnSpPr>
+        <p:spPr>
+          <a:xfrm>
+            <a:off x="8156681" y="1131590"/>
+            <a:ext cx="0" cy="3744416"/>
+          </a:xfrm>
+          <a:prstGeom prst="line">
+            <a:avLst/>
+          </a:prstGeom>
+          <a:ln w="19050">
+            <a:solidFill>
+              <a:schemeClr val="tx1"/>
+            </a:solidFill>
+          </a:ln>
+        </p:spPr>
+        <p:style>
+          <a:lnRef idx="1">
+            <a:schemeClr val="accent1"/>
+          </a:lnRef>
+          <a:fillRef idx="0">
+            <a:schemeClr val="accent1"/>
+          </a:fillRef>
+          <a:effectRef idx="0">
+            <a:schemeClr val="accent1"/>
+          </a:effectRef>
+          <a:fontRef idx="minor">
+            <a:schemeClr val="tx1"/>
+          </a:fontRef>
+        </p:style>
+      </p:cxnSp>
+      <p:grpSp>
+        <p:nvGrpSpPr>
+          <p:cNvPr id="47" name="그룹 46">
+            <a:extLst>
+              <a:ext uri="{FF2B5EF4-FFF2-40B4-BE49-F238E27FC236}">
+                <a16:creationId xmlns:a16="http://schemas.microsoft.com/office/drawing/2014/main" id="{E3BB676B-A04A-46BB-A9BD-CA1B62AED92B}"/>
+              </a:ext>
+            </a:extLst>
+          </p:cNvPr>
+          <p:cNvGrpSpPr/>
+          <p:nvPr/>
+        </p:nvGrpSpPr>
+        <p:grpSpPr>
+          <a:xfrm>
+            <a:off x="1099896" y="1188790"/>
+            <a:ext cx="1764197" cy="230832"/>
+            <a:chOff x="1099896" y="1044774"/>
+            <a:chExt cx="1764197" cy="230832"/>
+          </a:xfrm>
+        </p:grpSpPr>
+        <p:cxnSp>
+          <p:nvCxnSpPr>
+            <p:cNvPr id="45" name="직선 화살표 연결선 44">
+              <a:extLst>
+                <a:ext uri="{FF2B5EF4-FFF2-40B4-BE49-F238E27FC236}">
+                  <a16:creationId xmlns:a16="http://schemas.microsoft.com/office/drawing/2014/main" id="{7DA70A64-B7A7-4AFC-BF95-321F5BF555B1}"/>
+                </a:ext>
+              </a:extLst>
+            </p:cNvPr>
+            <p:cNvCxnSpPr/>
+            <p:nvPr/>
+          </p:nvCxnSpPr>
+          <p:spPr>
+            <a:xfrm>
+              <a:off x="1099897" y="1275606"/>
+              <a:ext cx="1764196" cy="0"/>
+            </a:xfrm>
+            <a:prstGeom prst="straightConnector1">
+              <a:avLst/>
+            </a:prstGeom>
+            <a:ln w="19050">
+              <a:solidFill>
+                <a:schemeClr val="tx1"/>
+              </a:solidFill>
+              <a:headEnd type="none" w="med" len="med"/>
+              <a:tailEnd type="arrow" w="med" len="med"/>
+            </a:ln>
+          </p:spPr>
+          <p:style>
+            <a:lnRef idx="1">
+              <a:schemeClr val="accent1"/>
+            </a:lnRef>
+            <a:fillRef idx="0">
+              <a:schemeClr val="accent1"/>
+            </a:fillRef>
+            <a:effectRef idx="0">
+              <a:schemeClr val="accent1"/>
+            </a:effectRef>
+            <a:fontRef idx="minor">
+              <a:schemeClr val="tx1"/>
+            </a:fontRef>
+          </p:style>
+        </p:cxnSp>
+        <p:sp>
+          <p:nvSpPr>
+            <p:cNvPr id="46" name="TextBox 45">
+              <a:extLst>
+                <a:ext uri="{FF2B5EF4-FFF2-40B4-BE49-F238E27FC236}">
+                  <a16:creationId xmlns:a16="http://schemas.microsoft.com/office/drawing/2014/main" id="{31320D19-CFB6-4C35-A360-5C2725A9C005}"/>
+                </a:ext>
+              </a:extLst>
+            </p:cNvPr>
+            <p:cNvSpPr txBox="1"/>
+            <p:nvPr/>
+          </p:nvSpPr>
+          <p:spPr>
+            <a:xfrm>
+              <a:off x="1099896" y="1044774"/>
+              <a:ext cx="1764187" cy="230832"/>
+            </a:xfrm>
+            <a:prstGeom prst="rect">
+              <a:avLst/>
+            </a:prstGeom>
+            <a:noFill/>
+          </p:spPr>
+          <p:txBody>
+            <a:bodyPr wrap="square" rtlCol="0" anchor="ctr">
+              <a:spAutoFit/>
+            </a:bodyPr>
+            <a:lstStyle/>
+            <a:p>
+              <a:pPr algn="ctr"/>
+              <a:r>
+                <a:rPr lang="en-US" altLang="ko-KR" sz="900"/>
+                <a:t>1. Enter URL</a:t>
+              </a:r>
+              <a:endParaRPr lang="ko-KR" altLang="en-US" sz="900"/>
+            </a:p>
+          </p:txBody>
+        </p:sp>
+      </p:grpSp>
+      <p:grpSp>
+        <p:nvGrpSpPr>
+          <p:cNvPr id="48" name="그룹 47">
+            <a:extLst>
+              <a:ext uri="{FF2B5EF4-FFF2-40B4-BE49-F238E27FC236}">
+                <a16:creationId xmlns:a16="http://schemas.microsoft.com/office/drawing/2014/main" id="{EAFBC0F5-80D5-4A60-A12A-346D9948C032}"/>
+              </a:ext>
+            </a:extLst>
+          </p:cNvPr>
+          <p:cNvGrpSpPr/>
+          <p:nvPr/>
+        </p:nvGrpSpPr>
+        <p:grpSpPr>
+          <a:xfrm>
+            <a:off x="2864081" y="1419622"/>
+            <a:ext cx="1764197" cy="230832"/>
+            <a:chOff x="1099896" y="1044774"/>
+            <a:chExt cx="1764197" cy="230832"/>
+          </a:xfrm>
+        </p:grpSpPr>
+        <p:cxnSp>
+          <p:nvCxnSpPr>
+            <p:cNvPr id="49" name="직선 화살표 연결선 48">
+              <a:extLst>
+                <a:ext uri="{FF2B5EF4-FFF2-40B4-BE49-F238E27FC236}">
+                  <a16:creationId xmlns:a16="http://schemas.microsoft.com/office/drawing/2014/main" id="{3B709BA7-8290-4557-AF33-ED4F7E8812ED}"/>
+                </a:ext>
+              </a:extLst>
+            </p:cNvPr>
+            <p:cNvCxnSpPr/>
+            <p:nvPr/>
+          </p:nvCxnSpPr>
+          <p:spPr>
+            <a:xfrm>
+              <a:off x="1099897" y="1275606"/>
+              <a:ext cx="1764196" cy="0"/>
+            </a:xfrm>
+            <a:prstGeom prst="straightConnector1">
+              <a:avLst/>
+            </a:prstGeom>
+            <a:ln w="19050">
+              <a:solidFill>
+                <a:schemeClr val="tx1"/>
+              </a:solidFill>
+              <a:headEnd type="none" w="med" len="med"/>
+              <a:tailEnd type="arrow" w="med" len="med"/>
+            </a:ln>
+          </p:spPr>
+          <p:style>
+            <a:lnRef idx="1">
+              <a:schemeClr val="accent1"/>
+            </a:lnRef>
+            <a:fillRef idx="0">
+              <a:schemeClr val="accent1"/>
+            </a:fillRef>
+            <a:effectRef idx="0">
+              <a:schemeClr val="accent1"/>
+            </a:effectRef>
+            <a:fontRef idx="minor">
+              <a:schemeClr val="tx1"/>
+            </a:fontRef>
+          </p:style>
+        </p:cxnSp>
+        <p:sp>
+          <p:nvSpPr>
+            <p:cNvPr id="50" name="TextBox 49">
+              <a:extLst>
+                <a:ext uri="{FF2B5EF4-FFF2-40B4-BE49-F238E27FC236}">
+                  <a16:creationId xmlns:a16="http://schemas.microsoft.com/office/drawing/2014/main" id="{9207FD93-EFBF-47E4-A844-1B1F49D86DB7}"/>
+                </a:ext>
+              </a:extLst>
+            </p:cNvPr>
+            <p:cNvSpPr txBox="1"/>
+            <p:nvPr/>
+          </p:nvSpPr>
+          <p:spPr>
+            <a:xfrm>
+              <a:off x="1099896" y="1044774"/>
+              <a:ext cx="1764187" cy="230832"/>
+            </a:xfrm>
+            <a:prstGeom prst="rect">
+              <a:avLst/>
+            </a:prstGeom>
+            <a:noFill/>
+          </p:spPr>
+          <p:txBody>
+            <a:bodyPr wrap="square" rtlCol="0" anchor="ctr">
+              <a:spAutoFit/>
+            </a:bodyPr>
+            <a:lstStyle/>
+            <a:p>
+              <a:pPr algn="ctr"/>
+              <a:r>
+                <a:rPr lang="en-US" altLang="ko-KR" sz="900" dirty="0"/>
+                <a:t>2. </a:t>
+              </a:r>
+              <a:r>
+                <a:rPr lang="en-US" altLang="ko-KR" sz="900" dirty="0" err="1"/>
+                <a:t>Goto</a:t>
+              </a:r>
+              <a:r>
+                <a:rPr lang="en-US" altLang="ko-KR" sz="900" dirty="0"/>
+                <a:t> URL</a:t>
+              </a:r>
+              <a:endParaRPr lang="ko-KR" altLang="en-US" sz="900" dirty="0"/>
+            </a:p>
+          </p:txBody>
+        </p:sp>
+      </p:grpSp>
+      <p:grpSp>
+        <p:nvGrpSpPr>
+          <p:cNvPr id="51" name="그룹 50">
+            <a:extLst>
+              <a:ext uri="{FF2B5EF4-FFF2-40B4-BE49-F238E27FC236}">
+                <a16:creationId xmlns:a16="http://schemas.microsoft.com/office/drawing/2014/main" id="{E78E7DB9-7A22-4F16-9950-ECFA5F3D4150}"/>
+              </a:ext>
+            </a:extLst>
+          </p:cNvPr>
+          <p:cNvGrpSpPr/>
+          <p:nvPr/>
+        </p:nvGrpSpPr>
+        <p:grpSpPr>
+          <a:xfrm>
+            <a:off x="2864081" y="1641996"/>
+            <a:ext cx="1764197" cy="369332"/>
+            <a:chOff x="1099896" y="932508"/>
+            <a:chExt cx="1764197" cy="369332"/>
+          </a:xfrm>
+        </p:grpSpPr>
+        <p:cxnSp>
+          <p:nvCxnSpPr>
+            <p:cNvPr id="52" name="직선 화살표 연결선 51">
+              <a:extLst>
+                <a:ext uri="{FF2B5EF4-FFF2-40B4-BE49-F238E27FC236}">
+                  <a16:creationId xmlns:a16="http://schemas.microsoft.com/office/drawing/2014/main" id="{737C3D9E-DD8A-4406-910A-4D607E2EBF1F}"/>
+                </a:ext>
+              </a:extLst>
+            </p:cNvPr>
+            <p:cNvCxnSpPr/>
+            <p:nvPr/>
+          </p:nvCxnSpPr>
+          <p:spPr>
+            <a:xfrm>
+              <a:off x="1099897" y="1275606"/>
+              <a:ext cx="1764196" cy="0"/>
+            </a:xfrm>
+            <a:prstGeom prst="straightConnector1">
+              <a:avLst/>
+            </a:prstGeom>
+            <a:ln w="19050">
+              <a:solidFill>
+                <a:schemeClr val="tx1"/>
+              </a:solidFill>
+              <a:headEnd type="arrow" w="med" len="med"/>
+              <a:tailEnd type="none" w="med" len="med"/>
+            </a:ln>
+          </p:spPr>
+          <p:style>
+            <a:lnRef idx="1">
+              <a:schemeClr val="accent1"/>
+            </a:lnRef>
+            <a:fillRef idx="0">
+              <a:schemeClr val="accent1"/>
+            </a:fillRef>
+            <a:effectRef idx="0">
+              <a:schemeClr val="accent1"/>
+            </a:effectRef>
+            <a:fontRef idx="minor">
+              <a:schemeClr val="tx1"/>
+            </a:fontRef>
+          </p:style>
+        </p:cxnSp>
+        <p:sp>
+          <p:nvSpPr>
+            <p:cNvPr id="53" name="TextBox 52">
+              <a:extLst>
+                <a:ext uri="{FF2B5EF4-FFF2-40B4-BE49-F238E27FC236}">
+                  <a16:creationId xmlns:a16="http://schemas.microsoft.com/office/drawing/2014/main" id="{970114FF-E1D7-493F-9A33-71AC3EB2CD96}"/>
+                </a:ext>
+              </a:extLst>
+            </p:cNvPr>
+            <p:cNvSpPr txBox="1"/>
+            <p:nvPr/>
+          </p:nvSpPr>
+          <p:spPr>
+            <a:xfrm>
+              <a:off x="1099896" y="932508"/>
+              <a:ext cx="1764187" cy="369332"/>
+            </a:xfrm>
+            <a:prstGeom prst="rect">
+              <a:avLst/>
+            </a:prstGeom>
+            <a:noFill/>
+          </p:spPr>
+          <p:txBody>
+            <a:bodyPr wrap="square" rtlCol="0" anchor="ctr">
+              <a:spAutoFit/>
+            </a:bodyPr>
+            <a:lstStyle/>
+            <a:p>
+              <a:pPr algn="ctr"/>
+              <a:r>
+                <a:rPr lang="en-US" altLang="ko-KR" sz="900"/>
+                <a:t>3. Redirect to Auth Server with Scope and App URL</a:t>
+              </a:r>
+              <a:endParaRPr lang="ko-KR" altLang="en-US" sz="900"/>
+            </a:p>
+          </p:txBody>
+        </p:sp>
+      </p:grpSp>
+      <p:grpSp>
+        <p:nvGrpSpPr>
+          <p:cNvPr id="57" name="그룹 56">
+            <a:extLst>
+              <a:ext uri="{FF2B5EF4-FFF2-40B4-BE49-F238E27FC236}">
+                <a16:creationId xmlns:a16="http://schemas.microsoft.com/office/drawing/2014/main" id="{5A8411E5-A9E9-4E36-B89B-25648DB82851}"/>
+              </a:ext>
+            </a:extLst>
+          </p:cNvPr>
+          <p:cNvGrpSpPr/>
+          <p:nvPr/>
+        </p:nvGrpSpPr>
+        <p:grpSpPr>
+          <a:xfrm>
+            <a:off x="2864081" y="2048644"/>
+            <a:ext cx="3528388" cy="230832"/>
+            <a:chOff x="1099896" y="1044774"/>
+            <a:chExt cx="1764197" cy="230832"/>
+          </a:xfrm>
+        </p:grpSpPr>
+        <p:cxnSp>
+          <p:nvCxnSpPr>
+            <p:cNvPr id="58" name="직선 화살표 연결선 57">
+              <a:extLst>
+                <a:ext uri="{FF2B5EF4-FFF2-40B4-BE49-F238E27FC236}">
+                  <a16:creationId xmlns:a16="http://schemas.microsoft.com/office/drawing/2014/main" id="{7080B2E9-6D6B-43B4-8519-32D04C6545D6}"/>
+                </a:ext>
+              </a:extLst>
+            </p:cNvPr>
+            <p:cNvCxnSpPr/>
+            <p:nvPr/>
+          </p:nvCxnSpPr>
+          <p:spPr>
+            <a:xfrm>
+              <a:off x="1099897" y="1275606"/>
+              <a:ext cx="1764196" cy="0"/>
+            </a:xfrm>
+            <a:prstGeom prst="straightConnector1">
+              <a:avLst/>
+            </a:prstGeom>
+            <a:ln w="19050">
+              <a:solidFill>
+                <a:schemeClr val="tx1"/>
+              </a:solidFill>
+              <a:headEnd type="none" w="med" len="med"/>
+              <a:tailEnd type="arrow" w="med" len="med"/>
+            </a:ln>
+          </p:spPr>
+          <p:style>
+            <a:lnRef idx="1">
+              <a:schemeClr val="accent1"/>
+            </a:lnRef>
+            <a:fillRef idx="0">
+              <a:schemeClr val="accent1"/>
+            </a:fillRef>
+            <a:effectRef idx="0">
+              <a:schemeClr val="accent1"/>
+            </a:effectRef>
+            <a:fontRef idx="minor">
+              <a:schemeClr val="tx1"/>
+            </a:fontRef>
+          </p:style>
+        </p:cxnSp>
+        <p:sp>
+          <p:nvSpPr>
+            <p:cNvPr id="59" name="TextBox 58">
+              <a:extLst>
+                <a:ext uri="{FF2B5EF4-FFF2-40B4-BE49-F238E27FC236}">
+                  <a16:creationId xmlns:a16="http://schemas.microsoft.com/office/drawing/2014/main" id="{6C6D28AC-42F8-4727-B049-E98805DBEC34}"/>
+                </a:ext>
+              </a:extLst>
+            </p:cNvPr>
+            <p:cNvSpPr txBox="1"/>
+            <p:nvPr/>
+          </p:nvSpPr>
+          <p:spPr>
+            <a:xfrm>
+              <a:off x="1099896" y="1044774"/>
+              <a:ext cx="1764187" cy="230832"/>
+            </a:xfrm>
+            <a:prstGeom prst="rect">
+              <a:avLst/>
+            </a:prstGeom>
+            <a:noFill/>
+          </p:spPr>
+          <p:txBody>
+            <a:bodyPr wrap="square" rtlCol="0" anchor="ctr">
+              <a:spAutoFit/>
+            </a:bodyPr>
+            <a:lstStyle/>
+            <a:p>
+              <a:pPr algn="ctr"/>
+              <a:r>
+                <a:rPr lang="en-US" altLang="ko-KR" sz="900"/>
+                <a:t>4. Goto Auth Server with Scope and App URL</a:t>
+              </a:r>
+              <a:endParaRPr lang="ko-KR" altLang="en-US" sz="900"/>
+            </a:p>
+          </p:txBody>
+        </p:sp>
+      </p:grpSp>
+      <p:grpSp>
+        <p:nvGrpSpPr>
+          <p:cNvPr id="61" name="그룹 60">
+            <a:extLst>
+              <a:ext uri="{FF2B5EF4-FFF2-40B4-BE49-F238E27FC236}">
+                <a16:creationId xmlns:a16="http://schemas.microsoft.com/office/drawing/2014/main" id="{DD2B2FB0-94BB-4A5E-A589-6984AA294FEE}"/>
+              </a:ext>
+            </a:extLst>
+          </p:cNvPr>
+          <p:cNvGrpSpPr/>
+          <p:nvPr/>
+        </p:nvGrpSpPr>
+        <p:grpSpPr>
+          <a:xfrm>
+            <a:off x="2864081" y="2336676"/>
+            <a:ext cx="3528366" cy="230832"/>
+            <a:chOff x="1099896" y="1044774"/>
+            <a:chExt cx="1764197" cy="230832"/>
+          </a:xfrm>
+        </p:grpSpPr>
+        <p:cxnSp>
+          <p:nvCxnSpPr>
+            <p:cNvPr id="62" name="직선 화살표 연결선 61">
+              <a:extLst>
+                <a:ext uri="{FF2B5EF4-FFF2-40B4-BE49-F238E27FC236}">
+                  <a16:creationId xmlns:a16="http://schemas.microsoft.com/office/drawing/2014/main" id="{9FB015E7-91E7-400D-A123-A976DF82F65D}"/>
+                </a:ext>
+              </a:extLst>
+            </p:cNvPr>
+            <p:cNvCxnSpPr/>
+            <p:nvPr/>
+          </p:nvCxnSpPr>
+          <p:spPr>
+            <a:xfrm>
+              <a:off x="1099897" y="1275606"/>
+              <a:ext cx="1764196" cy="0"/>
+            </a:xfrm>
+            <a:prstGeom prst="straightConnector1">
+              <a:avLst/>
+            </a:prstGeom>
+            <a:ln w="19050">
+              <a:solidFill>
+                <a:schemeClr val="tx1"/>
+              </a:solidFill>
+              <a:headEnd type="arrow" w="med" len="med"/>
+              <a:tailEnd type="none" w="med" len="med"/>
+            </a:ln>
+          </p:spPr>
+          <p:style>
+            <a:lnRef idx="1">
+              <a:schemeClr val="accent1"/>
+            </a:lnRef>
+            <a:fillRef idx="0">
+              <a:schemeClr val="accent1"/>
+            </a:fillRef>
+            <a:effectRef idx="0">
+              <a:schemeClr val="accent1"/>
+            </a:effectRef>
+            <a:fontRef idx="minor">
+              <a:schemeClr val="tx1"/>
+            </a:fontRef>
+          </p:style>
+        </p:cxnSp>
+        <p:sp>
+          <p:nvSpPr>
+            <p:cNvPr id="63" name="TextBox 62">
+              <a:extLst>
+                <a:ext uri="{FF2B5EF4-FFF2-40B4-BE49-F238E27FC236}">
+                  <a16:creationId xmlns:a16="http://schemas.microsoft.com/office/drawing/2014/main" id="{F8E64580-FDE6-4924-88A9-1AE155603782}"/>
+                </a:ext>
+              </a:extLst>
+            </p:cNvPr>
+            <p:cNvSpPr txBox="1"/>
+            <p:nvPr/>
+          </p:nvSpPr>
+          <p:spPr>
+            <a:xfrm>
+              <a:off x="1099896" y="1044774"/>
+              <a:ext cx="1764187" cy="230832"/>
+            </a:xfrm>
+            <a:prstGeom prst="rect">
+              <a:avLst/>
+            </a:prstGeom>
+            <a:noFill/>
+          </p:spPr>
+          <p:txBody>
+            <a:bodyPr wrap="square" rtlCol="0" anchor="ctr">
+              <a:spAutoFit/>
+            </a:bodyPr>
+            <a:lstStyle/>
+            <a:p>
+              <a:pPr algn="ctr"/>
+              <a:r>
+                <a:rPr lang="en-US" altLang="ko-KR" sz="900"/>
+                <a:t>5. Present Authorization UI</a:t>
+              </a:r>
+              <a:endParaRPr lang="ko-KR" altLang="en-US" sz="900"/>
+            </a:p>
+          </p:txBody>
+        </p:sp>
+      </p:grpSp>
+      <p:grpSp>
+        <p:nvGrpSpPr>
+          <p:cNvPr id="64" name="그룹 63">
+            <a:extLst>
+              <a:ext uri="{FF2B5EF4-FFF2-40B4-BE49-F238E27FC236}">
+                <a16:creationId xmlns:a16="http://schemas.microsoft.com/office/drawing/2014/main" id="{597B8C85-295D-4C92-9310-7320E17DDA59}"/>
+              </a:ext>
+            </a:extLst>
+          </p:cNvPr>
+          <p:cNvGrpSpPr/>
+          <p:nvPr/>
+        </p:nvGrpSpPr>
+        <p:grpSpPr>
+          <a:xfrm>
+            <a:off x="1099897" y="2624708"/>
+            <a:ext cx="1764184" cy="230832"/>
+            <a:chOff x="1099896" y="1044774"/>
+            <a:chExt cx="1764197" cy="230832"/>
+          </a:xfrm>
+        </p:grpSpPr>
+        <p:cxnSp>
+          <p:nvCxnSpPr>
+            <p:cNvPr id="65" name="직선 화살표 연결선 64">
+              <a:extLst>
+                <a:ext uri="{FF2B5EF4-FFF2-40B4-BE49-F238E27FC236}">
+                  <a16:creationId xmlns:a16="http://schemas.microsoft.com/office/drawing/2014/main" id="{716E46BF-9231-4EBA-9EDB-0F6CDE9F93DF}"/>
+                </a:ext>
+              </a:extLst>
+            </p:cNvPr>
+            <p:cNvCxnSpPr/>
+            <p:nvPr/>
+          </p:nvCxnSpPr>
+          <p:spPr>
+            <a:xfrm>
+              <a:off x="1099897" y="1275606"/>
+              <a:ext cx="1764196" cy="0"/>
+            </a:xfrm>
+            <a:prstGeom prst="straightConnector1">
+              <a:avLst/>
+            </a:prstGeom>
+            <a:ln w="19050">
+              <a:solidFill>
+                <a:schemeClr val="tx1"/>
+              </a:solidFill>
+              <a:headEnd type="arrow" w="med" len="med"/>
+              <a:tailEnd type="none" w="med" len="med"/>
+            </a:ln>
+          </p:spPr>
+          <p:style>
+            <a:lnRef idx="1">
+              <a:schemeClr val="accent1"/>
+            </a:lnRef>
+            <a:fillRef idx="0">
+              <a:schemeClr val="accent1"/>
+            </a:fillRef>
+            <a:effectRef idx="0">
+              <a:schemeClr val="accent1"/>
+            </a:effectRef>
+            <a:fontRef idx="minor">
+              <a:schemeClr val="tx1"/>
+            </a:fontRef>
+          </p:style>
+        </p:cxnSp>
+        <p:sp>
+          <p:nvSpPr>
+            <p:cNvPr id="66" name="TextBox 65">
+              <a:extLst>
+                <a:ext uri="{FF2B5EF4-FFF2-40B4-BE49-F238E27FC236}">
+                  <a16:creationId xmlns:a16="http://schemas.microsoft.com/office/drawing/2014/main" id="{AEF921D0-D2FC-4BE9-AB63-E2462AA435CB}"/>
+                </a:ext>
+              </a:extLst>
+            </p:cNvPr>
+            <p:cNvSpPr txBox="1"/>
+            <p:nvPr/>
+          </p:nvSpPr>
+          <p:spPr>
+            <a:xfrm>
+              <a:off x="1099896" y="1044774"/>
+              <a:ext cx="1764187" cy="230832"/>
+            </a:xfrm>
+            <a:prstGeom prst="rect">
+              <a:avLst/>
+            </a:prstGeom>
+            <a:noFill/>
+          </p:spPr>
+          <p:txBody>
+            <a:bodyPr wrap="square" rtlCol="0" anchor="ctr">
+              <a:spAutoFit/>
+            </a:bodyPr>
+            <a:lstStyle/>
+            <a:p>
+              <a:pPr algn="ctr"/>
+              <a:r>
+                <a:rPr lang="en-US" altLang="ko-KR" sz="900"/>
+                <a:t>6. Show Authorization UI</a:t>
+              </a:r>
+              <a:endParaRPr lang="ko-KR" altLang="en-US" sz="900"/>
+            </a:p>
+          </p:txBody>
+        </p:sp>
+      </p:grpSp>
+      <p:grpSp>
+        <p:nvGrpSpPr>
+          <p:cNvPr id="67" name="그룹 66">
+            <a:extLst>
+              <a:ext uri="{FF2B5EF4-FFF2-40B4-BE49-F238E27FC236}">
+                <a16:creationId xmlns:a16="http://schemas.microsoft.com/office/drawing/2014/main" id="{8FB4A4B0-DE36-47FC-9BAE-7A0347C8CB49}"/>
+              </a:ext>
+            </a:extLst>
+          </p:cNvPr>
+          <p:cNvGrpSpPr/>
+          <p:nvPr/>
+        </p:nvGrpSpPr>
+        <p:grpSpPr>
+          <a:xfrm>
+            <a:off x="1099896" y="2918344"/>
+            <a:ext cx="1764197" cy="230832"/>
+            <a:chOff x="1099896" y="1044774"/>
+            <a:chExt cx="1764197" cy="230832"/>
+          </a:xfrm>
+        </p:grpSpPr>
+        <p:cxnSp>
+          <p:nvCxnSpPr>
+            <p:cNvPr id="68" name="직선 화살표 연결선 67">
+              <a:extLst>
+                <a:ext uri="{FF2B5EF4-FFF2-40B4-BE49-F238E27FC236}">
+                  <a16:creationId xmlns:a16="http://schemas.microsoft.com/office/drawing/2014/main" id="{44F9F2A3-37EA-44FC-8E45-AB5318C717E0}"/>
+                </a:ext>
+              </a:extLst>
+            </p:cNvPr>
+            <p:cNvCxnSpPr/>
+            <p:nvPr/>
+          </p:nvCxnSpPr>
+          <p:spPr>
+            <a:xfrm>
+              <a:off x="1099897" y="1275606"/>
+              <a:ext cx="1764196" cy="0"/>
+            </a:xfrm>
+            <a:prstGeom prst="straightConnector1">
+              <a:avLst/>
+            </a:prstGeom>
+            <a:ln w="19050">
+              <a:solidFill>
+                <a:schemeClr val="tx1"/>
+              </a:solidFill>
+              <a:headEnd type="none" w="med" len="med"/>
+              <a:tailEnd type="arrow" w="med" len="med"/>
+            </a:ln>
+          </p:spPr>
+          <p:style>
+            <a:lnRef idx="1">
+              <a:schemeClr val="accent1"/>
+            </a:lnRef>
+            <a:fillRef idx="0">
+              <a:schemeClr val="accent1"/>
+            </a:fillRef>
+            <a:effectRef idx="0">
+              <a:schemeClr val="accent1"/>
+            </a:effectRef>
+            <a:fontRef idx="minor">
+              <a:schemeClr val="tx1"/>
+            </a:fontRef>
+          </p:style>
+        </p:cxnSp>
+        <p:sp>
+          <p:nvSpPr>
+            <p:cNvPr id="69" name="TextBox 68">
+              <a:extLst>
+                <a:ext uri="{FF2B5EF4-FFF2-40B4-BE49-F238E27FC236}">
+                  <a16:creationId xmlns:a16="http://schemas.microsoft.com/office/drawing/2014/main" id="{72E47B97-61A2-4325-9CAB-DA60897BED2D}"/>
+                </a:ext>
+              </a:extLst>
+            </p:cNvPr>
+            <p:cNvSpPr txBox="1"/>
+            <p:nvPr/>
+          </p:nvSpPr>
+          <p:spPr>
+            <a:xfrm>
+              <a:off x="1099896" y="1044774"/>
+              <a:ext cx="1764187" cy="230832"/>
+            </a:xfrm>
+            <a:prstGeom prst="rect">
+              <a:avLst/>
+            </a:prstGeom>
+            <a:noFill/>
+          </p:spPr>
+          <p:txBody>
+            <a:bodyPr wrap="square" rtlCol="0" anchor="ctr">
+              <a:spAutoFit/>
+            </a:bodyPr>
+            <a:lstStyle/>
+            <a:p>
+              <a:pPr algn="ctr"/>
+              <a:r>
+                <a:rPr lang="en-US" altLang="ko-KR" sz="900"/>
+                <a:t>7. Agree</a:t>
+              </a:r>
+              <a:endParaRPr lang="ko-KR" altLang="en-US" sz="900"/>
+            </a:p>
+          </p:txBody>
+        </p:sp>
+      </p:grpSp>
+      <p:grpSp>
+        <p:nvGrpSpPr>
+          <p:cNvPr id="70" name="그룹 69">
+            <a:extLst>
+              <a:ext uri="{FF2B5EF4-FFF2-40B4-BE49-F238E27FC236}">
+                <a16:creationId xmlns:a16="http://schemas.microsoft.com/office/drawing/2014/main" id="{F1A2A4C1-4A3E-408E-A9A1-A4F65D4F8A6E}"/>
+              </a:ext>
+            </a:extLst>
+          </p:cNvPr>
+          <p:cNvGrpSpPr/>
+          <p:nvPr/>
+        </p:nvGrpSpPr>
+        <p:grpSpPr>
+          <a:xfrm>
+            <a:off x="2864029" y="3216000"/>
+            <a:ext cx="3528386" cy="230832"/>
+            <a:chOff x="1099896" y="1044774"/>
+            <a:chExt cx="1764197" cy="230832"/>
+          </a:xfrm>
+        </p:grpSpPr>
+        <p:cxnSp>
+          <p:nvCxnSpPr>
+            <p:cNvPr id="71" name="직선 화살표 연결선 70">
+              <a:extLst>
+                <a:ext uri="{FF2B5EF4-FFF2-40B4-BE49-F238E27FC236}">
+                  <a16:creationId xmlns:a16="http://schemas.microsoft.com/office/drawing/2014/main" id="{80C9B849-3164-45D1-B6F8-53A74B2174EA}"/>
+                </a:ext>
+              </a:extLst>
+            </p:cNvPr>
+            <p:cNvCxnSpPr/>
+            <p:nvPr/>
+          </p:nvCxnSpPr>
+          <p:spPr>
+            <a:xfrm>
+              <a:off x="1099897" y="1275606"/>
+              <a:ext cx="1764196" cy="0"/>
+            </a:xfrm>
+            <a:prstGeom prst="straightConnector1">
+              <a:avLst/>
+            </a:prstGeom>
+            <a:ln w="19050">
+              <a:solidFill>
+                <a:schemeClr val="tx1"/>
+              </a:solidFill>
+              <a:headEnd type="none" w="med" len="med"/>
+              <a:tailEnd type="arrow" w="med" len="med"/>
+            </a:ln>
+          </p:spPr>
+          <p:style>
+            <a:lnRef idx="1">
+              <a:schemeClr val="accent1"/>
+            </a:lnRef>
+            <a:fillRef idx="0">
+              <a:schemeClr val="accent1"/>
+            </a:fillRef>
+            <a:effectRef idx="0">
+              <a:schemeClr val="accent1"/>
+            </a:effectRef>
+            <a:fontRef idx="minor">
+              <a:schemeClr val="tx1"/>
+            </a:fontRef>
+          </p:style>
+        </p:cxnSp>
+        <p:sp>
+          <p:nvSpPr>
+            <p:cNvPr id="72" name="TextBox 71">
+              <a:extLst>
+                <a:ext uri="{FF2B5EF4-FFF2-40B4-BE49-F238E27FC236}">
+                  <a16:creationId xmlns:a16="http://schemas.microsoft.com/office/drawing/2014/main" id="{D763CC01-C5B9-4B00-93A8-25D6ADD4C0E0}"/>
+                </a:ext>
+              </a:extLst>
+            </p:cNvPr>
+            <p:cNvSpPr txBox="1"/>
+            <p:nvPr/>
+          </p:nvSpPr>
+          <p:spPr>
+            <a:xfrm>
+              <a:off x="1099896" y="1044774"/>
+              <a:ext cx="1764187" cy="230832"/>
+            </a:xfrm>
+            <a:prstGeom prst="rect">
+              <a:avLst/>
+            </a:prstGeom>
+            <a:noFill/>
+          </p:spPr>
+          <p:txBody>
+            <a:bodyPr wrap="square" rtlCol="0" anchor="ctr">
+              <a:spAutoFit/>
+            </a:bodyPr>
+            <a:lstStyle/>
+            <a:p>
+              <a:pPr algn="ctr"/>
+              <a:r>
+                <a:rPr lang="en-US" altLang="ko-KR" sz="900"/>
+                <a:t>8. Send Authentication and Authorization Info </a:t>
+              </a:r>
+              <a:endParaRPr lang="ko-KR" altLang="en-US" sz="900"/>
+            </a:p>
+          </p:txBody>
+        </p:sp>
+      </p:grpSp>
+      <p:grpSp>
+        <p:nvGrpSpPr>
+          <p:cNvPr id="74" name="그룹 73">
+            <a:extLst>
+              <a:ext uri="{FF2B5EF4-FFF2-40B4-BE49-F238E27FC236}">
+                <a16:creationId xmlns:a16="http://schemas.microsoft.com/office/drawing/2014/main" id="{BE5913C7-1C6F-4B1A-93A2-8F5A782FCF70}"/>
+              </a:ext>
+            </a:extLst>
+          </p:cNvPr>
+          <p:cNvGrpSpPr/>
+          <p:nvPr/>
+        </p:nvGrpSpPr>
+        <p:grpSpPr>
+          <a:xfrm>
+            <a:off x="2864029" y="3507197"/>
+            <a:ext cx="3528386" cy="230832"/>
+            <a:chOff x="1099896" y="1044774"/>
+            <a:chExt cx="1764197" cy="230832"/>
+          </a:xfrm>
+        </p:grpSpPr>
+        <p:cxnSp>
+          <p:nvCxnSpPr>
+            <p:cNvPr id="75" name="직선 화살표 연결선 74">
+              <a:extLst>
+                <a:ext uri="{FF2B5EF4-FFF2-40B4-BE49-F238E27FC236}">
+                  <a16:creationId xmlns:a16="http://schemas.microsoft.com/office/drawing/2014/main" id="{5A32FE5A-D95D-40D1-A6CC-71180B87F368}"/>
+                </a:ext>
+              </a:extLst>
+            </p:cNvPr>
+            <p:cNvCxnSpPr/>
+            <p:nvPr/>
+          </p:nvCxnSpPr>
+          <p:spPr>
+            <a:xfrm>
+              <a:off x="1099897" y="1275606"/>
+              <a:ext cx="1764196" cy="0"/>
+            </a:xfrm>
+            <a:prstGeom prst="straightConnector1">
+              <a:avLst/>
+            </a:prstGeom>
+            <a:ln w="19050">
+              <a:solidFill>
+                <a:schemeClr val="tx1"/>
+              </a:solidFill>
+              <a:headEnd type="arrow" w="med" len="med"/>
+              <a:tailEnd type="none" w="med" len="med"/>
+            </a:ln>
+          </p:spPr>
+          <p:style>
+            <a:lnRef idx="1">
+              <a:schemeClr val="accent1"/>
+            </a:lnRef>
+            <a:fillRef idx="0">
+              <a:schemeClr val="accent1"/>
+            </a:fillRef>
+            <a:effectRef idx="0">
+              <a:schemeClr val="accent1"/>
+            </a:effectRef>
+            <a:fontRef idx="minor">
+              <a:schemeClr val="tx1"/>
+            </a:fontRef>
+          </p:style>
+        </p:cxnSp>
+        <p:sp>
+          <p:nvSpPr>
+            <p:cNvPr id="76" name="TextBox 75">
+              <a:extLst>
+                <a:ext uri="{FF2B5EF4-FFF2-40B4-BE49-F238E27FC236}">
+                  <a16:creationId xmlns:a16="http://schemas.microsoft.com/office/drawing/2014/main" id="{772B408E-1863-4925-B684-13B1B7F10C2D}"/>
+                </a:ext>
+              </a:extLst>
+            </p:cNvPr>
+            <p:cNvSpPr txBox="1"/>
+            <p:nvPr/>
+          </p:nvSpPr>
+          <p:spPr>
+            <a:xfrm>
+              <a:off x="1099896" y="1044774"/>
+              <a:ext cx="1764187" cy="230832"/>
+            </a:xfrm>
+            <a:prstGeom prst="rect">
+              <a:avLst/>
+            </a:prstGeom>
+            <a:noFill/>
+          </p:spPr>
+          <p:txBody>
+            <a:bodyPr wrap="square" rtlCol="0" anchor="ctr">
+              <a:spAutoFit/>
+            </a:bodyPr>
+            <a:lstStyle/>
+            <a:p>
+              <a:pPr algn="ctr"/>
+              <a:r>
+                <a:rPr lang="en-US" altLang="ko-KR" sz="900"/>
+                <a:t>9. Redirect to App URL with Authorization Code</a:t>
+              </a:r>
+              <a:endParaRPr lang="ko-KR" altLang="en-US" sz="900"/>
+            </a:p>
+          </p:txBody>
+        </p:sp>
+      </p:grpSp>
+      <p:grpSp>
+        <p:nvGrpSpPr>
+          <p:cNvPr id="77" name="그룹 76">
+            <a:extLst>
+              <a:ext uri="{FF2B5EF4-FFF2-40B4-BE49-F238E27FC236}">
+                <a16:creationId xmlns:a16="http://schemas.microsoft.com/office/drawing/2014/main" id="{EAEB2C17-9C84-41F8-8131-9C3B1ACEDBEF}"/>
+              </a:ext>
+            </a:extLst>
+          </p:cNvPr>
+          <p:cNvGrpSpPr/>
+          <p:nvPr/>
+        </p:nvGrpSpPr>
+        <p:grpSpPr>
+          <a:xfrm>
+            <a:off x="2864081" y="3733636"/>
+            <a:ext cx="1764197" cy="369332"/>
+            <a:chOff x="1099896" y="942313"/>
+            <a:chExt cx="1764197" cy="369332"/>
+          </a:xfrm>
+        </p:grpSpPr>
+        <p:cxnSp>
+          <p:nvCxnSpPr>
+            <p:cNvPr id="78" name="직선 화살표 연결선 77">
+              <a:extLst>
+                <a:ext uri="{FF2B5EF4-FFF2-40B4-BE49-F238E27FC236}">
+                  <a16:creationId xmlns:a16="http://schemas.microsoft.com/office/drawing/2014/main" id="{29AA5ED2-9D52-4D1F-AF4B-9B79A0DB5BE3}"/>
+                </a:ext>
+              </a:extLst>
+            </p:cNvPr>
+            <p:cNvCxnSpPr/>
+            <p:nvPr/>
+          </p:nvCxnSpPr>
+          <p:spPr>
+            <a:xfrm>
+              <a:off x="1099897" y="1275606"/>
+              <a:ext cx="1764196" cy="0"/>
+            </a:xfrm>
+            <a:prstGeom prst="straightConnector1">
+              <a:avLst/>
+            </a:prstGeom>
+            <a:ln w="19050">
+              <a:solidFill>
+                <a:schemeClr val="tx1"/>
+              </a:solidFill>
+              <a:headEnd type="none" w="med" len="med"/>
+              <a:tailEnd type="arrow" w="med" len="med"/>
+            </a:ln>
+          </p:spPr>
+          <p:style>
+            <a:lnRef idx="1">
+              <a:schemeClr val="accent1"/>
+            </a:lnRef>
+            <a:fillRef idx="0">
+              <a:schemeClr val="accent1"/>
+            </a:fillRef>
+            <a:effectRef idx="0">
+              <a:schemeClr val="accent1"/>
+            </a:effectRef>
+            <a:fontRef idx="minor">
+              <a:schemeClr val="tx1"/>
+            </a:fontRef>
+          </p:style>
+        </p:cxnSp>
+        <p:sp>
+          <p:nvSpPr>
+            <p:cNvPr id="79" name="TextBox 78">
+              <a:extLst>
+                <a:ext uri="{FF2B5EF4-FFF2-40B4-BE49-F238E27FC236}">
+                  <a16:creationId xmlns:a16="http://schemas.microsoft.com/office/drawing/2014/main" id="{B0ADCDCB-221D-4E6F-BC22-A1B89B13A351}"/>
+                </a:ext>
+              </a:extLst>
+            </p:cNvPr>
+            <p:cNvSpPr txBox="1"/>
+            <p:nvPr/>
+          </p:nvSpPr>
+          <p:spPr>
+            <a:xfrm>
+              <a:off x="1099896" y="942313"/>
+              <a:ext cx="1764187" cy="369332"/>
+            </a:xfrm>
+            <a:prstGeom prst="rect">
+              <a:avLst/>
+            </a:prstGeom>
+            <a:noFill/>
+          </p:spPr>
+          <p:txBody>
+            <a:bodyPr wrap="square" rtlCol="0" anchor="ctr">
+              <a:spAutoFit/>
+            </a:bodyPr>
+            <a:lstStyle/>
+            <a:p>
+              <a:pPr algn="ctr"/>
+              <a:r>
+                <a:rPr lang="en-US" altLang="ko-KR" sz="900"/>
+                <a:t>10. Goto to App with Authorization Code</a:t>
+              </a:r>
+              <a:endParaRPr lang="ko-KR" altLang="en-US" sz="900"/>
+            </a:p>
+          </p:txBody>
+        </p:sp>
+      </p:grpSp>
+      <p:grpSp>
+        <p:nvGrpSpPr>
+          <p:cNvPr id="80" name="그룹 79">
+            <a:extLst>
+              <a:ext uri="{FF2B5EF4-FFF2-40B4-BE49-F238E27FC236}">
+                <a16:creationId xmlns:a16="http://schemas.microsoft.com/office/drawing/2014/main" id="{4A49550F-FB19-4BDC-BEB9-CC139F744772}"/>
+              </a:ext>
+            </a:extLst>
+          </p:cNvPr>
+          <p:cNvGrpSpPr/>
+          <p:nvPr/>
+        </p:nvGrpSpPr>
+        <p:grpSpPr>
+          <a:xfrm>
+            <a:off x="4629226" y="4128418"/>
+            <a:ext cx="1764197" cy="230832"/>
+            <a:chOff x="1099896" y="1044774"/>
+            <a:chExt cx="1764197" cy="230832"/>
+          </a:xfrm>
+        </p:grpSpPr>
+        <p:cxnSp>
+          <p:nvCxnSpPr>
+            <p:cNvPr id="81" name="직선 화살표 연결선 80">
+              <a:extLst>
+                <a:ext uri="{FF2B5EF4-FFF2-40B4-BE49-F238E27FC236}">
+                  <a16:creationId xmlns:a16="http://schemas.microsoft.com/office/drawing/2014/main" id="{1E1DCC7C-FA25-4D2A-B9B6-CCD5359DE7AB}"/>
+                </a:ext>
+              </a:extLst>
+            </p:cNvPr>
+            <p:cNvCxnSpPr/>
+            <p:nvPr/>
+          </p:nvCxnSpPr>
+          <p:spPr>
+            <a:xfrm>
+              <a:off x="1099897" y="1275606"/>
+              <a:ext cx="1764196" cy="0"/>
+            </a:xfrm>
+            <a:prstGeom prst="straightConnector1">
+              <a:avLst/>
+            </a:prstGeom>
+            <a:ln w="19050">
+              <a:solidFill>
+                <a:schemeClr val="tx1"/>
+              </a:solidFill>
+              <a:headEnd type="none" w="med" len="med"/>
+              <a:tailEnd type="arrow" w="med" len="med"/>
+            </a:ln>
+          </p:spPr>
+          <p:style>
+            <a:lnRef idx="1">
+              <a:schemeClr val="accent1"/>
+            </a:lnRef>
+            <a:fillRef idx="0">
+              <a:schemeClr val="accent1"/>
+            </a:fillRef>
+            <a:effectRef idx="0">
+              <a:schemeClr val="accent1"/>
+            </a:effectRef>
+            <a:fontRef idx="minor">
+              <a:schemeClr val="tx1"/>
+            </a:fontRef>
+          </p:style>
+        </p:cxnSp>
+        <p:sp>
+          <p:nvSpPr>
+            <p:cNvPr id="82" name="TextBox 81">
+              <a:extLst>
+                <a:ext uri="{FF2B5EF4-FFF2-40B4-BE49-F238E27FC236}">
+                  <a16:creationId xmlns:a16="http://schemas.microsoft.com/office/drawing/2014/main" id="{260AC13B-0F12-4C9D-A092-6B7A21D71222}"/>
+                </a:ext>
+              </a:extLst>
+            </p:cNvPr>
+            <p:cNvSpPr txBox="1"/>
+            <p:nvPr/>
+          </p:nvSpPr>
+          <p:spPr>
+            <a:xfrm>
+              <a:off x="1099896" y="1044774"/>
+              <a:ext cx="1764187" cy="230832"/>
+            </a:xfrm>
+            <a:prstGeom prst="rect">
+              <a:avLst/>
+            </a:prstGeom>
+            <a:noFill/>
+          </p:spPr>
+          <p:txBody>
+            <a:bodyPr wrap="square" rtlCol="0" anchor="ctr">
+              <a:spAutoFit/>
+            </a:bodyPr>
+            <a:lstStyle/>
+            <a:p>
+              <a:pPr algn="ctr"/>
+              <a:r>
+                <a:rPr lang="en-US" altLang="ko-KR" sz="900"/>
+                <a:t>11. Send Authorization Code</a:t>
+              </a:r>
+              <a:endParaRPr lang="ko-KR" altLang="en-US" sz="900"/>
+            </a:p>
+          </p:txBody>
+        </p:sp>
+      </p:grpSp>
+      <p:grpSp>
+        <p:nvGrpSpPr>
+          <p:cNvPr id="83" name="그룹 82">
+            <a:extLst>
+              <a:ext uri="{FF2B5EF4-FFF2-40B4-BE49-F238E27FC236}">
+                <a16:creationId xmlns:a16="http://schemas.microsoft.com/office/drawing/2014/main" id="{39BB9162-D801-4BD4-9745-D7CA48E71C03}"/>
+              </a:ext>
+            </a:extLst>
+          </p:cNvPr>
+          <p:cNvGrpSpPr/>
+          <p:nvPr/>
+        </p:nvGrpSpPr>
+        <p:grpSpPr>
+          <a:xfrm>
+            <a:off x="4627829" y="4357841"/>
+            <a:ext cx="1765594" cy="369332"/>
+            <a:chOff x="1098499" y="948715"/>
+            <a:chExt cx="1765594" cy="369332"/>
+          </a:xfrm>
+        </p:grpSpPr>
+        <p:cxnSp>
+          <p:nvCxnSpPr>
+            <p:cNvPr id="84" name="직선 화살표 연결선 83">
+              <a:extLst>
+                <a:ext uri="{FF2B5EF4-FFF2-40B4-BE49-F238E27FC236}">
+                  <a16:creationId xmlns:a16="http://schemas.microsoft.com/office/drawing/2014/main" id="{9ED2C0CA-8926-4346-8585-357BEBD5E4BF}"/>
+                </a:ext>
+              </a:extLst>
+            </p:cNvPr>
+            <p:cNvCxnSpPr/>
+            <p:nvPr/>
+          </p:nvCxnSpPr>
+          <p:spPr>
+            <a:xfrm>
+              <a:off x="1099897" y="1275606"/>
+              <a:ext cx="1764196" cy="0"/>
+            </a:xfrm>
+            <a:prstGeom prst="straightConnector1">
+              <a:avLst/>
+            </a:prstGeom>
+            <a:ln w="19050">
+              <a:solidFill>
+                <a:schemeClr val="tx1"/>
+              </a:solidFill>
+              <a:headEnd type="arrow" w="med" len="med"/>
+              <a:tailEnd type="none" w="med" len="med"/>
+            </a:ln>
+          </p:spPr>
+          <p:style>
+            <a:lnRef idx="1">
+              <a:schemeClr val="accent1"/>
+            </a:lnRef>
+            <a:fillRef idx="0">
+              <a:schemeClr val="accent1"/>
+            </a:fillRef>
+            <a:effectRef idx="0">
+              <a:schemeClr val="accent1"/>
+            </a:effectRef>
+            <a:fontRef idx="minor">
+              <a:schemeClr val="tx1"/>
+            </a:fontRef>
+          </p:style>
+        </p:cxnSp>
+        <p:sp>
+          <p:nvSpPr>
+            <p:cNvPr id="85" name="TextBox 84">
+              <a:extLst>
+                <a:ext uri="{FF2B5EF4-FFF2-40B4-BE49-F238E27FC236}">
+                  <a16:creationId xmlns:a16="http://schemas.microsoft.com/office/drawing/2014/main" id="{AC28A9FC-9831-4550-B16C-0AFA4AC7C0BE}"/>
+                </a:ext>
+              </a:extLst>
+            </p:cNvPr>
+            <p:cNvSpPr txBox="1"/>
+            <p:nvPr/>
+          </p:nvSpPr>
+          <p:spPr>
+            <a:xfrm>
+              <a:off x="1098499" y="948715"/>
+              <a:ext cx="1764187" cy="369332"/>
+            </a:xfrm>
+            <a:prstGeom prst="rect">
+              <a:avLst/>
+            </a:prstGeom>
+            <a:noFill/>
+          </p:spPr>
+          <p:txBody>
+            <a:bodyPr wrap="square" rtlCol="0" anchor="ctr">
+              <a:spAutoFit/>
+            </a:bodyPr>
+            <a:lstStyle/>
+            <a:p>
+              <a:pPr algn="ctr"/>
+              <a:r>
+                <a:rPr lang="en-US" altLang="ko-KR" sz="900" dirty="0"/>
+                <a:t>12. </a:t>
+              </a:r>
+              <a:r>
+                <a:rPr lang="en-US" altLang="ko-KR" sz="900"/>
+                <a:t>Send </a:t>
+              </a:r>
+              <a:r>
+                <a:rPr lang="en-US" altLang="ko-KR" sz="900" b="1"/>
+                <a:t>ID Token</a:t>
+              </a:r>
+              <a:r>
+                <a:rPr lang="en-US" altLang="ko-KR" sz="900"/>
+                <a:t> (&amp; Access Token, Refresh Token)</a:t>
+              </a:r>
+              <a:endParaRPr lang="ko-KR" altLang="en-US" sz="900" dirty="0"/>
+            </a:p>
+          </p:txBody>
+        </p:sp>
+      </p:grpSp>
+    </p:spTree>
+    <p:extLst>
+      <p:ext uri="{BB962C8B-B14F-4D97-AF65-F5344CB8AC3E}">
+        <p14:creationId xmlns:p14="http://schemas.microsoft.com/office/powerpoint/2010/main" val="3213213721"/>
+      </p:ext>
+    </p:extLst>
+  </p:cSld>
+  <p:clrMapOvr>
+    <a:masterClrMapping/>
+  </p:clrMapOvr>
+</p:sld>
+</file>
+
+<file path=ppt/slides/slide6.xml><?xml version="1.0" encoding="utf-8"?>
+<p:sld xmlns:a="http://schemas.openxmlformats.org/drawingml/2006/main" xmlns:r="http://schemas.openxmlformats.org/officeDocument/2006/relationships" xmlns:p="http://schemas.openxmlformats.org/presentationml/2006/main">
+  <p:cSld>
+    <p:spTree>
+      <p:nvGrpSpPr>
+        <p:cNvPr id="1" name=""/>
+        <p:cNvGrpSpPr/>
+        <p:nvPr/>
+      </p:nvGrpSpPr>
+      <p:grpSpPr>
+        <a:xfrm>
+          <a:off x="0" y="0"/>
+          <a:ext cx="0" cy="0"/>
+          <a:chOff x="0" y="0"/>
+          <a:chExt cx="0" cy="0"/>
+        </a:xfrm>
+      </p:grpSpPr>
+      <p:sp>
+        <p:nvSpPr>
+          <p:cNvPr id="2" name="제목 1"/>
+          <p:cNvSpPr>
+            <a:spLocks noGrp="1"/>
+          </p:cNvSpPr>
+          <p:nvPr>
+            <p:ph type="title"/>
+          </p:nvPr>
+        </p:nvSpPr>
+        <p:spPr>
+          <a:xfrm>
+            <a:off x="457200" y="-164554"/>
+            <a:ext cx="8229600" cy="720080"/>
+          </a:xfrm>
+        </p:spPr>
+        <p:txBody>
+          <a:bodyPr>
+            <a:normAutofit/>
+          </a:bodyPr>
+          <a:lstStyle/>
+          <a:p>
+            <a:r>
+              <a:rPr lang="en-US" altLang="ko-KR" sz="3600"/>
+              <a:t>OIDC Flow - Access Token, ID Token</a:t>
+            </a:r>
+            <a:endParaRPr lang="ko-KR" altLang="en-US" sz="3600" dirty="0"/>
+          </a:p>
+        </p:txBody>
+      </p:sp>
+      <p:sp>
+        <p:nvSpPr>
+          <p:cNvPr id="3" name="사각형: 둥근 모서리 2">
+            <a:extLst>
+              <a:ext uri="{FF2B5EF4-FFF2-40B4-BE49-F238E27FC236}">
+                <a16:creationId xmlns:a16="http://schemas.microsoft.com/office/drawing/2014/main" id="{F682A8B3-51E9-4E66-93BF-AC13CF953E0F}"/>
+              </a:ext>
+            </a:extLst>
+          </p:cNvPr>
+          <p:cNvSpPr/>
+          <p:nvPr/>
+        </p:nvSpPr>
+        <p:spPr>
+          <a:xfrm>
+            <a:off x="508114" y="757374"/>
+            <a:ext cx="1183566" cy="374216"/>
+          </a:xfrm>
+          <a:prstGeom prst="roundRect">
+            <a:avLst>
+              <a:gd name="adj" fmla="val 0"/>
+            </a:avLst>
+          </a:prstGeom>
+        </p:spPr>
+        <p:style>
+          <a:lnRef idx="2">
+            <a:schemeClr val="dk1"/>
+          </a:lnRef>
+          <a:fillRef idx="1">
+            <a:schemeClr val="lt1"/>
+          </a:fillRef>
+          <a:effectRef idx="0">
+            <a:schemeClr val="dk1"/>
+          </a:effectRef>
+          <a:fontRef idx="minor">
+            <a:schemeClr val="dk1"/>
+          </a:fontRef>
+        </p:style>
+        <p:txBody>
+          <a:bodyPr rtlCol="0" anchor="ctr"/>
+          <a:lstStyle/>
+          <a:p>
+            <a:pPr algn="ctr"/>
+            <a:r>
+              <a:rPr lang="en-US" altLang="ko-KR" sz="1000"/>
+              <a:t>User</a:t>
+            </a:r>
+          </a:p>
+          <a:p>
+            <a:pPr algn="ctr"/>
+            <a:r>
+              <a:rPr lang="en-US" altLang="ko-KR" sz="1000">
+                <a:solidFill>
+                  <a:srgbClr val="C00000"/>
+                </a:solidFill>
+              </a:rPr>
+              <a:t>(Resource Owner)</a:t>
+            </a:r>
+            <a:endParaRPr lang="ko-KR" altLang="en-US" sz="1000">
+              <a:solidFill>
+                <a:srgbClr val="C00000"/>
+              </a:solidFill>
+            </a:endParaRPr>
+          </a:p>
+        </p:txBody>
+      </p:sp>
+      <p:sp>
+        <p:nvSpPr>
+          <p:cNvPr id="19" name="사각형: 둥근 모서리 18">
+            <a:extLst>
+              <a:ext uri="{FF2B5EF4-FFF2-40B4-BE49-F238E27FC236}">
+                <a16:creationId xmlns:a16="http://schemas.microsoft.com/office/drawing/2014/main" id="{0E51AB21-06DD-4D1C-881B-AB9AF29BE15E}"/>
+              </a:ext>
+            </a:extLst>
+          </p:cNvPr>
+          <p:cNvSpPr/>
+          <p:nvPr/>
+        </p:nvSpPr>
+        <p:spPr>
+          <a:xfrm>
+            <a:off x="2272310" y="757374"/>
+            <a:ext cx="1183566" cy="374216"/>
+          </a:xfrm>
+          <a:prstGeom prst="roundRect">
+            <a:avLst>
+              <a:gd name="adj" fmla="val 0"/>
+            </a:avLst>
+          </a:prstGeom>
+        </p:spPr>
+        <p:style>
+          <a:lnRef idx="2">
+            <a:schemeClr val="dk1"/>
+          </a:lnRef>
+          <a:fillRef idx="1">
+            <a:schemeClr val="lt1"/>
+          </a:fillRef>
+          <a:effectRef idx="0">
+            <a:schemeClr val="dk1"/>
+          </a:effectRef>
+          <a:fontRef idx="minor">
+            <a:schemeClr val="dk1"/>
+          </a:fontRef>
+        </p:style>
+        <p:txBody>
+          <a:bodyPr rtlCol="0" anchor="ctr"/>
+          <a:lstStyle/>
+          <a:p>
+            <a:pPr algn="ctr"/>
+            <a:r>
+              <a:rPr lang="en-US" altLang="ko-KR" sz="1000"/>
+              <a:t>User Agent</a:t>
+            </a:r>
+          </a:p>
+          <a:p>
+            <a:pPr algn="ctr"/>
+            <a:r>
+              <a:rPr lang="en-US" altLang="ko-KR" sz="1000"/>
+              <a:t>(Browser)</a:t>
+            </a:r>
+            <a:endParaRPr lang="ko-KR" altLang="en-US" sz="1000"/>
+          </a:p>
+        </p:txBody>
+      </p:sp>
+      <p:sp>
+        <p:nvSpPr>
+          <p:cNvPr id="20" name="사각형: 둥근 모서리 19">
+            <a:extLst>
+              <a:ext uri="{FF2B5EF4-FFF2-40B4-BE49-F238E27FC236}">
+                <a16:creationId xmlns:a16="http://schemas.microsoft.com/office/drawing/2014/main" id="{1E98CDC1-9222-4883-B10A-81B66E8DC4B0}"/>
+              </a:ext>
+            </a:extLst>
+          </p:cNvPr>
+          <p:cNvSpPr/>
+          <p:nvPr/>
+        </p:nvSpPr>
+        <p:spPr>
+          <a:xfrm>
+            <a:off x="4036506" y="757374"/>
+            <a:ext cx="1183566" cy="374216"/>
+          </a:xfrm>
+          <a:prstGeom prst="roundRect">
+            <a:avLst>
+              <a:gd name="adj" fmla="val 0"/>
+            </a:avLst>
+          </a:prstGeom>
+        </p:spPr>
+        <p:style>
+          <a:lnRef idx="2">
+            <a:schemeClr val="dk1"/>
+          </a:lnRef>
+          <a:fillRef idx="1">
+            <a:schemeClr val="lt1"/>
+          </a:fillRef>
+          <a:effectRef idx="0">
+            <a:schemeClr val="dk1"/>
+          </a:effectRef>
+          <a:fontRef idx="minor">
+            <a:schemeClr val="dk1"/>
+          </a:fontRef>
+        </p:style>
+        <p:txBody>
+          <a:bodyPr rtlCol="0" anchor="ctr"/>
+          <a:lstStyle/>
+          <a:p>
+            <a:pPr algn="ctr"/>
+            <a:r>
+              <a:rPr lang="en-US" altLang="ko-KR" sz="1000"/>
+              <a:t>Application</a:t>
+            </a:r>
+          </a:p>
+          <a:p>
+            <a:pPr algn="ctr"/>
+            <a:r>
+              <a:rPr lang="en-US" altLang="ko-KR" sz="1000"/>
+              <a:t>(Web Server)</a:t>
+            </a:r>
+            <a:endParaRPr lang="ko-KR" altLang="en-US" sz="1000"/>
+          </a:p>
+        </p:txBody>
+      </p:sp>
+      <p:sp>
+        <p:nvSpPr>
+          <p:cNvPr id="21" name="사각형: 둥근 모서리 20">
+            <a:extLst>
+              <a:ext uri="{FF2B5EF4-FFF2-40B4-BE49-F238E27FC236}">
+                <a16:creationId xmlns:a16="http://schemas.microsoft.com/office/drawing/2014/main" id="{79835011-8977-4FDA-B1B6-1DD7DB8C2468}"/>
+              </a:ext>
+            </a:extLst>
+          </p:cNvPr>
+          <p:cNvSpPr/>
+          <p:nvPr/>
+        </p:nvSpPr>
+        <p:spPr>
+          <a:xfrm>
+            <a:off x="5620688" y="757374"/>
+            <a:ext cx="1543594" cy="374216"/>
+          </a:xfrm>
+          <a:prstGeom prst="roundRect">
+            <a:avLst>
+              <a:gd name="adj" fmla="val 0"/>
+            </a:avLst>
+          </a:prstGeom>
+        </p:spPr>
+        <p:style>
+          <a:lnRef idx="2">
+            <a:schemeClr val="dk1"/>
+          </a:lnRef>
+          <a:fillRef idx="1">
+            <a:schemeClr val="lt1"/>
+          </a:fillRef>
+          <a:effectRef idx="0">
+            <a:schemeClr val="dk1"/>
+          </a:effectRef>
+          <a:fontRef idx="minor">
+            <a:schemeClr val="dk1"/>
+          </a:fontRef>
+        </p:style>
+        <p:txBody>
+          <a:bodyPr rtlCol="0" anchor="ctr"/>
+          <a:lstStyle/>
+          <a:p>
+            <a:pPr algn="ctr"/>
+            <a:r>
+              <a:rPr lang="en-US" altLang="ko-KR" sz="1000"/>
+              <a:t>Authentication Server</a:t>
+            </a:r>
+          </a:p>
+          <a:p>
+            <a:pPr algn="ctr"/>
+            <a:r>
+              <a:rPr lang="en-US" altLang="ko-KR" sz="1000">
+                <a:solidFill>
+                  <a:srgbClr val="C00000"/>
+                </a:solidFill>
+              </a:rPr>
+              <a:t>(Authorization Server)</a:t>
+            </a:r>
+            <a:endParaRPr lang="ko-KR" altLang="en-US" sz="1000">
+              <a:solidFill>
+                <a:srgbClr val="C00000"/>
+              </a:solidFill>
+            </a:endParaRPr>
+          </a:p>
+        </p:txBody>
+      </p:sp>
+      <p:cxnSp>
+        <p:nvCxnSpPr>
+          <p:cNvPr id="23" name="직선 연결선 22">
+            <a:extLst>
+              <a:ext uri="{FF2B5EF4-FFF2-40B4-BE49-F238E27FC236}">
+                <a16:creationId xmlns:a16="http://schemas.microsoft.com/office/drawing/2014/main" id="{CF38B8A0-1401-4E3B-9FC0-9ED096701E61}"/>
+              </a:ext>
+            </a:extLst>
+          </p:cNvPr>
+          <p:cNvCxnSpPr>
+            <a:cxnSpLocks/>
+            <a:stCxn id="3" idx="2"/>
+          </p:cNvCxnSpPr>
+          <p:nvPr/>
+        </p:nvCxnSpPr>
+        <p:spPr>
+          <a:xfrm>
+            <a:off x="1099897" y="1131590"/>
+            <a:ext cx="0" cy="3744416"/>
+          </a:xfrm>
+          <a:prstGeom prst="line">
+            <a:avLst/>
+          </a:prstGeom>
+          <a:ln w="19050">
+            <a:solidFill>
+              <a:schemeClr val="tx1"/>
+            </a:solidFill>
+          </a:ln>
+        </p:spPr>
+        <p:style>
+          <a:lnRef idx="1">
+            <a:schemeClr val="accent1"/>
+          </a:lnRef>
+          <a:fillRef idx="0">
+            <a:schemeClr val="accent1"/>
+          </a:fillRef>
+          <a:effectRef idx="0">
+            <a:schemeClr val="accent1"/>
+          </a:effectRef>
+          <a:fontRef idx="minor">
+            <a:schemeClr val="tx1"/>
+          </a:fontRef>
+        </p:style>
+      </p:cxnSp>
+      <p:cxnSp>
+        <p:nvCxnSpPr>
+          <p:cNvPr id="30" name="직선 연결선 29">
+            <a:extLst>
+              <a:ext uri="{FF2B5EF4-FFF2-40B4-BE49-F238E27FC236}">
+                <a16:creationId xmlns:a16="http://schemas.microsoft.com/office/drawing/2014/main" id="{5E45002D-6183-4784-BB3F-133D35EEE2BB}"/>
+              </a:ext>
+            </a:extLst>
+          </p:cNvPr>
+          <p:cNvCxnSpPr>
+            <a:cxnSpLocks/>
+            <a:stCxn id="19" idx="2"/>
+          </p:cNvCxnSpPr>
+          <p:nvPr/>
+        </p:nvCxnSpPr>
+        <p:spPr>
+          <a:xfrm flipH="1">
+            <a:off x="2863091" y="1131590"/>
+            <a:ext cx="1002" cy="3744416"/>
+          </a:xfrm>
+          <a:prstGeom prst="line">
+            <a:avLst/>
+          </a:prstGeom>
+          <a:ln w="19050">
+            <a:solidFill>
+              <a:schemeClr val="tx1"/>
+            </a:solidFill>
+          </a:ln>
+        </p:spPr>
+        <p:style>
+          <a:lnRef idx="1">
+            <a:schemeClr val="accent1"/>
+          </a:lnRef>
+          <a:fillRef idx="0">
+            <a:schemeClr val="accent1"/>
+          </a:fillRef>
+          <a:effectRef idx="0">
+            <a:schemeClr val="accent1"/>
+          </a:effectRef>
+          <a:fontRef idx="minor">
+            <a:schemeClr val="tx1"/>
+          </a:fontRef>
+        </p:style>
+      </p:cxnSp>
+      <p:cxnSp>
+        <p:nvCxnSpPr>
+          <p:cNvPr id="33" name="직선 연결선 32">
+            <a:extLst>
+              <a:ext uri="{FF2B5EF4-FFF2-40B4-BE49-F238E27FC236}">
+                <a16:creationId xmlns:a16="http://schemas.microsoft.com/office/drawing/2014/main" id="{71C2B82A-843B-4122-8D52-8C4F14103FA8}"/>
+              </a:ext>
+            </a:extLst>
+          </p:cNvPr>
+          <p:cNvCxnSpPr>
+            <a:cxnSpLocks/>
+            <a:stCxn id="20" idx="2"/>
+          </p:cNvCxnSpPr>
+          <p:nvPr/>
+        </p:nvCxnSpPr>
+        <p:spPr>
+          <a:xfrm flipH="1">
+            <a:off x="4628213" y="1131590"/>
+            <a:ext cx="76" cy="3744416"/>
+          </a:xfrm>
+          <a:prstGeom prst="line">
+            <a:avLst/>
+          </a:prstGeom>
+          <a:ln w="19050">
+            <a:solidFill>
+              <a:schemeClr val="tx1"/>
+            </a:solidFill>
+          </a:ln>
+        </p:spPr>
+        <p:style>
+          <a:lnRef idx="1">
+            <a:schemeClr val="accent1"/>
+          </a:lnRef>
+          <a:fillRef idx="0">
+            <a:schemeClr val="accent1"/>
+          </a:fillRef>
+          <a:effectRef idx="0">
+            <a:schemeClr val="accent1"/>
+          </a:effectRef>
+          <a:fontRef idx="minor">
+            <a:schemeClr val="tx1"/>
+          </a:fontRef>
+        </p:style>
+      </p:cxnSp>
+      <p:cxnSp>
+        <p:nvCxnSpPr>
+          <p:cNvPr id="36" name="직선 연결선 35">
+            <a:extLst>
+              <a:ext uri="{FF2B5EF4-FFF2-40B4-BE49-F238E27FC236}">
+                <a16:creationId xmlns:a16="http://schemas.microsoft.com/office/drawing/2014/main" id="{772E8AA5-3AB5-4A92-A6C6-31B4125C65A0}"/>
+              </a:ext>
+            </a:extLst>
+          </p:cNvPr>
+          <p:cNvCxnSpPr>
+            <a:cxnSpLocks/>
+            <a:stCxn id="21" idx="2"/>
+          </p:cNvCxnSpPr>
+          <p:nvPr/>
+        </p:nvCxnSpPr>
+        <p:spPr>
+          <a:xfrm>
+            <a:off x="6392485" y="1131590"/>
+            <a:ext cx="0" cy="3744416"/>
+          </a:xfrm>
+          <a:prstGeom prst="line">
+            <a:avLst/>
+          </a:prstGeom>
+          <a:ln w="19050">
+            <a:solidFill>
+              <a:schemeClr val="tx1"/>
+            </a:solidFill>
+          </a:ln>
+        </p:spPr>
+        <p:style>
+          <a:lnRef idx="1">
+            <a:schemeClr val="accent1"/>
+          </a:lnRef>
+          <a:fillRef idx="0">
+            <a:schemeClr val="accent1"/>
+          </a:fillRef>
+          <a:effectRef idx="0">
+            <a:schemeClr val="accent1"/>
+          </a:effectRef>
+          <a:fontRef idx="minor">
+            <a:schemeClr val="tx1"/>
+          </a:fontRef>
+        </p:style>
+      </p:cxnSp>
+      <p:grpSp>
+        <p:nvGrpSpPr>
+          <p:cNvPr id="47" name="그룹 46">
+            <a:extLst>
+              <a:ext uri="{FF2B5EF4-FFF2-40B4-BE49-F238E27FC236}">
+                <a16:creationId xmlns:a16="http://schemas.microsoft.com/office/drawing/2014/main" id="{E3BB676B-A04A-46BB-A9BD-CA1B62AED92B}"/>
+              </a:ext>
+            </a:extLst>
+          </p:cNvPr>
+          <p:cNvGrpSpPr/>
+          <p:nvPr/>
+        </p:nvGrpSpPr>
+        <p:grpSpPr>
+          <a:xfrm>
+            <a:off x="1099896" y="1188790"/>
+            <a:ext cx="1764197" cy="230832"/>
+            <a:chOff x="1099896" y="1044774"/>
+            <a:chExt cx="1764197" cy="230832"/>
+          </a:xfrm>
+        </p:grpSpPr>
+        <p:cxnSp>
+          <p:nvCxnSpPr>
+            <p:cNvPr id="45" name="직선 화살표 연결선 44">
+              <a:extLst>
+                <a:ext uri="{FF2B5EF4-FFF2-40B4-BE49-F238E27FC236}">
+                  <a16:creationId xmlns:a16="http://schemas.microsoft.com/office/drawing/2014/main" id="{7DA70A64-B7A7-4AFC-BF95-321F5BF555B1}"/>
+                </a:ext>
+              </a:extLst>
+            </p:cNvPr>
+            <p:cNvCxnSpPr/>
+            <p:nvPr/>
+          </p:nvCxnSpPr>
+          <p:spPr>
+            <a:xfrm>
+              <a:off x="1099897" y="1275606"/>
+              <a:ext cx="1764196" cy="0"/>
+            </a:xfrm>
+            <a:prstGeom prst="straightConnector1">
+              <a:avLst/>
+            </a:prstGeom>
+            <a:ln w="19050">
+              <a:solidFill>
+                <a:schemeClr val="tx1"/>
+              </a:solidFill>
+              <a:headEnd type="none" w="med" len="med"/>
+              <a:tailEnd type="arrow" w="med" len="med"/>
+            </a:ln>
+          </p:spPr>
+          <p:style>
+            <a:lnRef idx="1">
+              <a:schemeClr val="accent1"/>
+            </a:lnRef>
+            <a:fillRef idx="0">
+              <a:schemeClr val="accent1"/>
+            </a:fillRef>
+            <a:effectRef idx="0">
+              <a:schemeClr val="accent1"/>
+            </a:effectRef>
+            <a:fontRef idx="minor">
+              <a:schemeClr val="tx1"/>
+            </a:fontRef>
+          </p:style>
+        </p:cxnSp>
+        <p:sp>
+          <p:nvSpPr>
+            <p:cNvPr id="46" name="TextBox 45">
+              <a:extLst>
+                <a:ext uri="{FF2B5EF4-FFF2-40B4-BE49-F238E27FC236}">
+                  <a16:creationId xmlns:a16="http://schemas.microsoft.com/office/drawing/2014/main" id="{31320D19-CFB6-4C35-A360-5C2725A9C005}"/>
+                </a:ext>
+              </a:extLst>
+            </p:cNvPr>
+            <p:cNvSpPr txBox="1"/>
+            <p:nvPr/>
+          </p:nvSpPr>
+          <p:spPr>
+            <a:xfrm>
+              <a:off x="1099896" y="1044774"/>
+              <a:ext cx="1764187" cy="230832"/>
+            </a:xfrm>
+            <a:prstGeom prst="rect">
+              <a:avLst/>
+            </a:prstGeom>
+            <a:noFill/>
+          </p:spPr>
+          <p:txBody>
+            <a:bodyPr wrap="square" rtlCol="0" anchor="ctr">
+              <a:spAutoFit/>
+            </a:bodyPr>
+            <a:lstStyle/>
+            <a:p>
+              <a:pPr algn="ctr"/>
+              <a:r>
+                <a:rPr lang="en-US" altLang="ko-KR" sz="900"/>
+                <a:t>1. Enter URL</a:t>
+              </a:r>
+              <a:endParaRPr lang="ko-KR" altLang="en-US" sz="900"/>
+            </a:p>
+          </p:txBody>
+        </p:sp>
+      </p:grpSp>
+      <p:grpSp>
+        <p:nvGrpSpPr>
+          <p:cNvPr id="48" name="그룹 47">
+            <a:extLst>
+              <a:ext uri="{FF2B5EF4-FFF2-40B4-BE49-F238E27FC236}">
+                <a16:creationId xmlns:a16="http://schemas.microsoft.com/office/drawing/2014/main" id="{EAFBC0F5-80D5-4A60-A12A-346D9948C032}"/>
+              </a:ext>
+            </a:extLst>
+          </p:cNvPr>
+          <p:cNvGrpSpPr/>
+          <p:nvPr/>
+        </p:nvGrpSpPr>
+        <p:grpSpPr>
+          <a:xfrm>
+            <a:off x="2864081" y="1419622"/>
+            <a:ext cx="1764197" cy="230832"/>
+            <a:chOff x="1099896" y="1044774"/>
+            <a:chExt cx="1764197" cy="230832"/>
+          </a:xfrm>
+        </p:grpSpPr>
+        <p:cxnSp>
+          <p:nvCxnSpPr>
+            <p:cNvPr id="49" name="직선 화살표 연결선 48">
+              <a:extLst>
+                <a:ext uri="{FF2B5EF4-FFF2-40B4-BE49-F238E27FC236}">
+                  <a16:creationId xmlns:a16="http://schemas.microsoft.com/office/drawing/2014/main" id="{3B709BA7-8290-4557-AF33-ED4F7E8812ED}"/>
+                </a:ext>
+              </a:extLst>
+            </p:cNvPr>
+            <p:cNvCxnSpPr/>
+            <p:nvPr/>
+          </p:nvCxnSpPr>
+          <p:spPr>
+            <a:xfrm>
+              <a:off x="1099897" y="1275606"/>
+              <a:ext cx="1764196" cy="0"/>
+            </a:xfrm>
+            <a:prstGeom prst="straightConnector1">
+              <a:avLst/>
+            </a:prstGeom>
+            <a:ln w="19050">
+              <a:solidFill>
+                <a:schemeClr val="tx1"/>
+              </a:solidFill>
+              <a:headEnd type="none" w="med" len="med"/>
+              <a:tailEnd type="arrow" w="med" len="med"/>
+            </a:ln>
+          </p:spPr>
+          <p:style>
+            <a:lnRef idx="1">
+              <a:schemeClr val="accent1"/>
+            </a:lnRef>
+            <a:fillRef idx="0">
+              <a:schemeClr val="accent1"/>
+            </a:fillRef>
+            <a:effectRef idx="0">
+              <a:schemeClr val="accent1"/>
+            </a:effectRef>
+            <a:fontRef idx="minor">
+              <a:schemeClr val="tx1"/>
+            </a:fontRef>
+          </p:style>
+        </p:cxnSp>
+        <p:sp>
+          <p:nvSpPr>
+            <p:cNvPr id="50" name="TextBox 49">
+              <a:extLst>
+                <a:ext uri="{FF2B5EF4-FFF2-40B4-BE49-F238E27FC236}">
+                  <a16:creationId xmlns:a16="http://schemas.microsoft.com/office/drawing/2014/main" id="{9207FD93-EFBF-47E4-A844-1B1F49D86DB7}"/>
+                </a:ext>
+              </a:extLst>
+            </p:cNvPr>
+            <p:cNvSpPr txBox="1"/>
+            <p:nvPr/>
+          </p:nvSpPr>
+          <p:spPr>
+            <a:xfrm>
+              <a:off x="1099896" y="1044774"/>
+              <a:ext cx="1764187" cy="230832"/>
+            </a:xfrm>
+            <a:prstGeom prst="rect">
+              <a:avLst/>
+            </a:prstGeom>
+            <a:noFill/>
+          </p:spPr>
+          <p:txBody>
+            <a:bodyPr wrap="square" rtlCol="0" anchor="ctr">
+              <a:spAutoFit/>
+            </a:bodyPr>
+            <a:lstStyle/>
+            <a:p>
+              <a:pPr algn="ctr"/>
+              <a:r>
+                <a:rPr lang="en-US" altLang="ko-KR" sz="900" dirty="0"/>
+                <a:t>2. </a:t>
+              </a:r>
+              <a:r>
+                <a:rPr lang="en-US" altLang="ko-KR" sz="900" dirty="0" err="1"/>
+                <a:t>Goto</a:t>
+              </a:r>
+              <a:r>
+                <a:rPr lang="en-US" altLang="ko-KR" sz="900" dirty="0"/>
+                <a:t> URL</a:t>
+              </a:r>
+              <a:endParaRPr lang="ko-KR" altLang="en-US" sz="900" dirty="0"/>
+            </a:p>
+          </p:txBody>
+        </p:sp>
+      </p:grpSp>
+      <p:grpSp>
+        <p:nvGrpSpPr>
+          <p:cNvPr id="51" name="그룹 50">
+            <a:extLst>
+              <a:ext uri="{FF2B5EF4-FFF2-40B4-BE49-F238E27FC236}">
+                <a16:creationId xmlns:a16="http://schemas.microsoft.com/office/drawing/2014/main" id="{E78E7DB9-7A22-4F16-9950-ECFA5F3D4150}"/>
+              </a:ext>
+            </a:extLst>
+          </p:cNvPr>
+          <p:cNvGrpSpPr/>
+          <p:nvPr/>
+        </p:nvGrpSpPr>
+        <p:grpSpPr>
+          <a:xfrm>
+            <a:off x="2864081" y="1641996"/>
+            <a:ext cx="1764197" cy="369332"/>
+            <a:chOff x="1099896" y="932508"/>
+            <a:chExt cx="1764197" cy="369332"/>
+          </a:xfrm>
+        </p:grpSpPr>
+        <p:cxnSp>
+          <p:nvCxnSpPr>
+            <p:cNvPr id="52" name="직선 화살표 연결선 51">
+              <a:extLst>
+                <a:ext uri="{FF2B5EF4-FFF2-40B4-BE49-F238E27FC236}">
+                  <a16:creationId xmlns:a16="http://schemas.microsoft.com/office/drawing/2014/main" id="{737C3D9E-DD8A-4406-910A-4D607E2EBF1F}"/>
+                </a:ext>
+              </a:extLst>
+            </p:cNvPr>
+            <p:cNvCxnSpPr/>
+            <p:nvPr/>
+          </p:nvCxnSpPr>
+          <p:spPr>
+            <a:xfrm>
+              <a:off x="1099897" y="1275606"/>
+              <a:ext cx="1764196" cy="0"/>
+            </a:xfrm>
+            <a:prstGeom prst="straightConnector1">
+              <a:avLst/>
+            </a:prstGeom>
+            <a:ln w="19050">
+              <a:solidFill>
+                <a:schemeClr val="tx1"/>
+              </a:solidFill>
+              <a:headEnd type="arrow" w="med" len="med"/>
+              <a:tailEnd type="none" w="med" len="med"/>
+            </a:ln>
+          </p:spPr>
+          <p:style>
+            <a:lnRef idx="1">
+              <a:schemeClr val="accent1"/>
+            </a:lnRef>
+            <a:fillRef idx="0">
+              <a:schemeClr val="accent1"/>
+            </a:fillRef>
+            <a:effectRef idx="0">
+              <a:schemeClr val="accent1"/>
+            </a:effectRef>
+            <a:fontRef idx="minor">
+              <a:schemeClr val="tx1"/>
+            </a:fontRef>
+          </p:style>
+        </p:cxnSp>
+        <p:sp>
+          <p:nvSpPr>
+            <p:cNvPr id="53" name="TextBox 52">
+              <a:extLst>
+                <a:ext uri="{FF2B5EF4-FFF2-40B4-BE49-F238E27FC236}">
+                  <a16:creationId xmlns:a16="http://schemas.microsoft.com/office/drawing/2014/main" id="{970114FF-E1D7-493F-9A33-71AC3EB2CD96}"/>
+                </a:ext>
+              </a:extLst>
+            </p:cNvPr>
+            <p:cNvSpPr txBox="1"/>
+            <p:nvPr/>
+          </p:nvSpPr>
+          <p:spPr>
+            <a:xfrm>
+              <a:off x="1099896" y="932508"/>
+              <a:ext cx="1764187" cy="369332"/>
+            </a:xfrm>
+            <a:prstGeom prst="rect">
+              <a:avLst/>
+            </a:prstGeom>
+            <a:noFill/>
+          </p:spPr>
+          <p:txBody>
+            <a:bodyPr wrap="square" rtlCol="0" anchor="ctr">
+              <a:spAutoFit/>
+            </a:bodyPr>
+            <a:lstStyle/>
+            <a:p>
+              <a:pPr algn="ctr"/>
+              <a:r>
+                <a:rPr lang="en-US" altLang="ko-KR" sz="900"/>
+                <a:t>3. Redirect to </a:t>
+              </a:r>
+            </a:p>
+            <a:p>
+              <a:pPr algn="ctr"/>
+              <a:r>
+                <a:rPr lang="en-US" altLang="ko-KR" sz="900"/>
+                <a:t>Authentication Server</a:t>
+              </a:r>
+              <a:endParaRPr lang="ko-KR" altLang="en-US" sz="900"/>
+            </a:p>
+          </p:txBody>
+        </p:sp>
+      </p:grpSp>
+      <p:grpSp>
+        <p:nvGrpSpPr>
+          <p:cNvPr id="57" name="그룹 56">
+            <a:extLst>
+              <a:ext uri="{FF2B5EF4-FFF2-40B4-BE49-F238E27FC236}">
+                <a16:creationId xmlns:a16="http://schemas.microsoft.com/office/drawing/2014/main" id="{5A8411E5-A9E9-4E36-B89B-25648DB82851}"/>
+              </a:ext>
+            </a:extLst>
+          </p:cNvPr>
+          <p:cNvGrpSpPr/>
+          <p:nvPr/>
+        </p:nvGrpSpPr>
+        <p:grpSpPr>
+          <a:xfrm>
+            <a:off x="2864081" y="2048644"/>
+            <a:ext cx="3528388" cy="230832"/>
+            <a:chOff x="1099896" y="1044774"/>
+            <a:chExt cx="1764197" cy="230832"/>
+          </a:xfrm>
+        </p:grpSpPr>
+        <p:cxnSp>
+          <p:nvCxnSpPr>
+            <p:cNvPr id="58" name="직선 화살표 연결선 57">
+              <a:extLst>
+                <a:ext uri="{FF2B5EF4-FFF2-40B4-BE49-F238E27FC236}">
+                  <a16:creationId xmlns:a16="http://schemas.microsoft.com/office/drawing/2014/main" id="{7080B2E9-6D6B-43B4-8519-32D04C6545D6}"/>
+                </a:ext>
+              </a:extLst>
+            </p:cNvPr>
+            <p:cNvCxnSpPr/>
+            <p:nvPr/>
+          </p:nvCxnSpPr>
+          <p:spPr>
+            <a:xfrm>
+              <a:off x="1099897" y="1275606"/>
+              <a:ext cx="1764196" cy="0"/>
+            </a:xfrm>
+            <a:prstGeom prst="straightConnector1">
+              <a:avLst/>
+            </a:prstGeom>
+            <a:ln w="19050">
+              <a:solidFill>
+                <a:schemeClr val="tx1"/>
+              </a:solidFill>
+              <a:headEnd type="none" w="med" len="med"/>
+              <a:tailEnd type="arrow" w="med" len="med"/>
+            </a:ln>
+          </p:spPr>
+          <p:style>
+            <a:lnRef idx="1">
+              <a:schemeClr val="accent1"/>
+            </a:lnRef>
+            <a:fillRef idx="0">
+              <a:schemeClr val="accent1"/>
+            </a:fillRef>
+            <a:effectRef idx="0">
+              <a:schemeClr val="accent1"/>
+            </a:effectRef>
+            <a:fontRef idx="minor">
+              <a:schemeClr val="tx1"/>
+            </a:fontRef>
+          </p:style>
+        </p:cxnSp>
+        <p:sp>
+          <p:nvSpPr>
+            <p:cNvPr id="59" name="TextBox 58">
+              <a:extLst>
+                <a:ext uri="{FF2B5EF4-FFF2-40B4-BE49-F238E27FC236}">
+                  <a16:creationId xmlns:a16="http://schemas.microsoft.com/office/drawing/2014/main" id="{6C6D28AC-42F8-4727-B049-E98805DBEC34}"/>
+                </a:ext>
+              </a:extLst>
+            </p:cNvPr>
+            <p:cNvSpPr txBox="1"/>
+            <p:nvPr/>
+          </p:nvSpPr>
+          <p:spPr>
+            <a:xfrm>
+              <a:off x="1099896" y="1044774"/>
+              <a:ext cx="1764187" cy="230832"/>
+            </a:xfrm>
+            <a:prstGeom prst="rect">
+              <a:avLst/>
+            </a:prstGeom>
+            <a:noFill/>
+          </p:spPr>
+          <p:txBody>
+            <a:bodyPr wrap="square" rtlCol="0" anchor="ctr">
+              <a:spAutoFit/>
+            </a:bodyPr>
+            <a:lstStyle/>
+            <a:p>
+              <a:pPr algn="ctr"/>
+              <a:r>
+                <a:rPr lang="en-US" altLang="ko-KR" sz="900"/>
+                <a:t>4. Goto Authentication Server</a:t>
+              </a:r>
+              <a:endParaRPr lang="ko-KR" altLang="en-US" sz="900"/>
+            </a:p>
+          </p:txBody>
+        </p:sp>
+      </p:grpSp>
+      <p:grpSp>
+        <p:nvGrpSpPr>
+          <p:cNvPr id="61" name="그룹 60">
+            <a:extLst>
+              <a:ext uri="{FF2B5EF4-FFF2-40B4-BE49-F238E27FC236}">
+                <a16:creationId xmlns:a16="http://schemas.microsoft.com/office/drawing/2014/main" id="{DD2B2FB0-94BB-4A5E-A589-6984AA294FEE}"/>
+              </a:ext>
+            </a:extLst>
+          </p:cNvPr>
+          <p:cNvGrpSpPr/>
+          <p:nvPr/>
+        </p:nvGrpSpPr>
+        <p:grpSpPr>
+          <a:xfrm>
+            <a:off x="2864081" y="2336676"/>
+            <a:ext cx="3528366" cy="230832"/>
+            <a:chOff x="1099896" y="1044774"/>
+            <a:chExt cx="1764197" cy="230832"/>
+          </a:xfrm>
+        </p:grpSpPr>
+        <p:cxnSp>
+          <p:nvCxnSpPr>
+            <p:cNvPr id="62" name="직선 화살표 연결선 61">
+              <a:extLst>
+                <a:ext uri="{FF2B5EF4-FFF2-40B4-BE49-F238E27FC236}">
+                  <a16:creationId xmlns:a16="http://schemas.microsoft.com/office/drawing/2014/main" id="{9FB015E7-91E7-400D-A123-A976DF82F65D}"/>
+                </a:ext>
+              </a:extLst>
+            </p:cNvPr>
+            <p:cNvCxnSpPr/>
+            <p:nvPr/>
+          </p:nvCxnSpPr>
+          <p:spPr>
+            <a:xfrm>
+              <a:off x="1099897" y="1275606"/>
+              <a:ext cx="1764196" cy="0"/>
+            </a:xfrm>
+            <a:prstGeom prst="straightConnector1">
+              <a:avLst/>
+            </a:prstGeom>
+            <a:ln w="19050">
+              <a:solidFill>
+                <a:schemeClr val="tx1"/>
+              </a:solidFill>
+              <a:headEnd type="arrow" w="med" len="med"/>
+              <a:tailEnd type="none" w="med" len="med"/>
+            </a:ln>
+          </p:spPr>
+          <p:style>
+            <a:lnRef idx="1">
+              <a:schemeClr val="accent1"/>
+            </a:lnRef>
+            <a:fillRef idx="0">
+              <a:schemeClr val="accent1"/>
+            </a:fillRef>
+            <a:effectRef idx="0">
+              <a:schemeClr val="accent1"/>
+            </a:effectRef>
+            <a:fontRef idx="minor">
+              <a:schemeClr val="tx1"/>
+            </a:fontRef>
+          </p:style>
+        </p:cxnSp>
+        <p:sp>
+          <p:nvSpPr>
+            <p:cNvPr id="63" name="TextBox 62">
+              <a:extLst>
+                <a:ext uri="{FF2B5EF4-FFF2-40B4-BE49-F238E27FC236}">
+                  <a16:creationId xmlns:a16="http://schemas.microsoft.com/office/drawing/2014/main" id="{F8E64580-FDE6-4924-88A9-1AE155603782}"/>
+                </a:ext>
+              </a:extLst>
+            </p:cNvPr>
+            <p:cNvSpPr txBox="1"/>
+            <p:nvPr/>
+          </p:nvSpPr>
+          <p:spPr>
+            <a:xfrm>
+              <a:off x="1099896" y="1044774"/>
+              <a:ext cx="1764187" cy="230832"/>
+            </a:xfrm>
+            <a:prstGeom prst="rect">
+              <a:avLst/>
+            </a:prstGeom>
+            <a:noFill/>
+          </p:spPr>
+          <p:txBody>
+            <a:bodyPr wrap="square" rtlCol="0" anchor="ctr">
+              <a:spAutoFit/>
+            </a:bodyPr>
+            <a:lstStyle/>
+            <a:p>
+              <a:pPr algn="ctr"/>
+              <a:r>
+                <a:rPr lang="en-US" altLang="ko-KR" sz="900"/>
+                <a:t>5. Present Authentication UI</a:t>
+              </a:r>
+              <a:endParaRPr lang="ko-KR" altLang="en-US" sz="900"/>
+            </a:p>
+          </p:txBody>
+        </p:sp>
+      </p:grpSp>
+      <p:grpSp>
+        <p:nvGrpSpPr>
+          <p:cNvPr id="64" name="그룹 63">
+            <a:extLst>
+              <a:ext uri="{FF2B5EF4-FFF2-40B4-BE49-F238E27FC236}">
+                <a16:creationId xmlns:a16="http://schemas.microsoft.com/office/drawing/2014/main" id="{597B8C85-295D-4C92-9310-7320E17DDA59}"/>
+              </a:ext>
+            </a:extLst>
+          </p:cNvPr>
+          <p:cNvGrpSpPr/>
+          <p:nvPr/>
+        </p:nvGrpSpPr>
+        <p:grpSpPr>
+          <a:xfrm>
+            <a:off x="1099897" y="2624708"/>
+            <a:ext cx="1764184" cy="230832"/>
+            <a:chOff x="1099896" y="1044774"/>
+            <a:chExt cx="1764197" cy="230832"/>
+          </a:xfrm>
+        </p:grpSpPr>
+        <p:cxnSp>
+          <p:nvCxnSpPr>
+            <p:cNvPr id="65" name="직선 화살표 연결선 64">
+              <a:extLst>
+                <a:ext uri="{FF2B5EF4-FFF2-40B4-BE49-F238E27FC236}">
+                  <a16:creationId xmlns:a16="http://schemas.microsoft.com/office/drawing/2014/main" id="{716E46BF-9231-4EBA-9EDB-0F6CDE9F93DF}"/>
+                </a:ext>
+              </a:extLst>
+            </p:cNvPr>
+            <p:cNvCxnSpPr/>
+            <p:nvPr/>
+          </p:nvCxnSpPr>
+          <p:spPr>
+            <a:xfrm>
+              <a:off x="1099897" y="1275606"/>
+              <a:ext cx="1764196" cy="0"/>
+            </a:xfrm>
+            <a:prstGeom prst="straightConnector1">
+              <a:avLst/>
+            </a:prstGeom>
+            <a:ln w="19050">
+              <a:solidFill>
+                <a:schemeClr val="tx1"/>
+              </a:solidFill>
+              <a:headEnd type="arrow" w="med" len="med"/>
+              <a:tailEnd type="none" w="med" len="med"/>
+            </a:ln>
+          </p:spPr>
+          <p:style>
+            <a:lnRef idx="1">
+              <a:schemeClr val="accent1"/>
+            </a:lnRef>
+            <a:fillRef idx="0">
+              <a:schemeClr val="accent1"/>
+            </a:fillRef>
+            <a:effectRef idx="0">
+              <a:schemeClr val="accent1"/>
+            </a:effectRef>
+            <a:fontRef idx="minor">
+              <a:schemeClr val="tx1"/>
+            </a:fontRef>
+          </p:style>
+        </p:cxnSp>
+        <p:sp>
+          <p:nvSpPr>
+            <p:cNvPr id="66" name="TextBox 65">
+              <a:extLst>
+                <a:ext uri="{FF2B5EF4-FFF2-40B4-BE49-F238E27FC236}">
+                  <a16:creationId xmlns:a16="http://schemas.microsoft.com/office/drawing/2014/main" id="{AEF921D0-D2FC-4BE9-AB63-E2462AA435CB}"/>
+                </a:ext>
+              </a:extLst>
+            </p:cNvPr>
+            <p:cNvSpPr txBox="1"/>
+            <p:nvPr/>
+          </p:nvSpPr>
+          <p:spPr>
+            <a:xfrm>
+              <a:off x="1099896" y="1044774"/>
+              <a:ext cx="1764187" cy="230832"/>
+            </a:xfrm>
+            <a:prstGeom prst="rect">
+              <a:avLst/>
+            </a:prstGeom>
+            <a:noFill/>
+          </p:spPr>
+          <p:txBody>
+            <a:bodyPr wrap="square" rtlCol="0" anchor="ctr">
+              <a:spAutoFit/>
+            </a:bodyPr>
+            <a:lstStyle/>
+            <a:p>
+              <a:pPr algn="ctr"/>
+              <a:r>
+                <a:rPr lang="en-US" altLang="ko-KR" sz="900"/>
+                <a:t>6. Show Authentication UI</a:t>
+              </a:r>
+              <a:endParaRPr lang="ko-KR" altLang="en-US" sz="900"/>
+            </a:p>
+          </p:txBody>
+        </p:sp>
+      </p:grpSp>
+      <p:grpSp>
+        <p:nvGrpSpPr>
+          <p:cNvPr id="67" name="그룹 66">
+            <a:extLst>
+              <a:ext uri="{FF2B5EF4-FFF2-40B4-BE49-F238E27FC236}">
+                <a16:creationId xmlns:a16="http://schemas.microsoft.com/office/drawing/2014/main" id="{8FB4A4B0-DE36-47FC-9BAE-7A0347C8CB49}"/>
+              </a:ext>
+            </a:extLst>
+          </p:cNvPr>
+          <p:cNvGrpSpPr/>
+          <p:nvPr/>
+        </p:nvGrpSpPr>
+        <p:grpSpPr>
+          <a:xfrm>
+            <a:off x="1099896" y="2918344"/>
+            <a:ext cx="1764197" cy="230832"/>
+            <a:chOff x="1099896" y="1044774"/>
+            <a:chExt cx="1764197" cy="230832"/>
+          </a:xfrm>
+        </p:grpSpPr>
+        <p:cxnSp>
+          <p:nvCxnSpPr>
+            <p:cNvPr id="68" name="직선 화살표 연결선 67">
+              <a:extLst>
+                <a:ext uri="{FF2B5EF4-FFF2-40B4-BE49-F238E27FC236}">
+                  <a16:creationId xmlns:a16="http://schemas.microsoft.com/office/drawing/2014/main" id="{44F9F2A3-37EA-44FC-8E45-AB5318C717E0}"/>
+                </a:ext>
+              </a:extLst>
+            </p:cNvPr>
+            <p:cNvCxnSpPr/>
+            <p:nvPr/>
+          </p:nvCxnSpPr>
+          <p:spPr>
+            <a:xfrm>
+              <a:off x="1099897" y="1275606"/>
+              <a:ext cx="1764196" cy="0"/>
+            </a:xfrm>
+            <a:prstGeom prst="straightConnector1">
+              <a:avLst/>
+            </a:prstGeom>
+            <a:ln w="19050">
+              <a:solidFill>
+                <a:schemeClr val="tx1"/>
+              </a:solidFill>
+              <a:headEnd type="none" w="med" len="med"/>
+              <a:tailEnd type="arrow" w="med" len="med"/>
+            </a:ln>
+          </p:spPr>
+          <p:style>
+            <a:lnRef idx="1">
+              <a:schemeClr val="accent1"/>
+            </a:lnRef>
+            <a:fillRef idx="0">
+              <a:schemeClr val="accent1"/>
+            </a:fillRef>
+            <a:effectRef idx="0">
+              <a:schemeClr val="accent1"/>
+            </a:effectRef>
+            <a:fontRef idx="minor">
+              <a:schemeClr val="tx1"/>
+            </a:fontRef>
+          </p:style>
+        </p:cxnSp>
+        <p:sp>
+          <p:nvSpPr>
+            <p:cNvPr id="69" name="TextBox 68">
+              <a:extLst>
+                <a:ext uri="{FF2B5EF4-FFF2-40B4-BE49-F238E27FC236}">
+                  <a16:creationId xmlns:a16="http://schemas.microsoft.com/office/drawing/2014/main" id="{72E47B97-61A2-4325-9CAB-DA60897BED2D}"/>
+                </a:ext>
+              </a:extLst>
+            </p:cNvPr>
+            <p:cNvSpPr txBox="1"/>
+            <p:nvPr/>
+          </p:nvSpPr>
+          <p:spPr>
+            <a:xfrm>
+              <a:off x="1099896" y="1044774"/>
+              <a:ext cx="1764187" cy="230832"/>
+            </a:xfrm>
+            <a:prstGeom prst="rect">
+              <a:avLst/>
+            </a:prstGeom>
+            <a:noFill/>
+          </p:spPr>
+          <p:txBody>
+            <a:bodyPr wrap="square" rtlCol="0" anchor="ctr">
+              <a:spAutoFit/>
+            </a:bodyPr>
+            <a:lstStyle/>
+            <a:p>
+              <a:pPr algn="ctr"/>
+              <a:r>
+                <a:rPr lang="en-US" altLang="ko-KR" sz="900"/>
+                <a:t>7. Agree</a:t>
+              </a:r>
+              <a:endParaRPr lang="ko-KR" altLang="en-US" sz="900"/>
+            </a:p>
+          </p:txBody>
+        </p:sp>
+      </p:grpSp>
+      <p:grpSp>
+        <p:nvGrpSpPr>
+          <p:cNvPr id="70" name="그룹 69">
+            <a:extLst>
+              <a:ext uri="{FF2B5EF4-FFF2-40B4-BE49-F238E27FC236}">
+                <a16:creationId xmlns:a16="http://schemas.microsoft.com/office/drawing/2014/main" id="{F1A2A4C1-4A3E-408E-A9A1-A4F65D4F8A6E}"/>
+              </a:ext>
+            </a:extLst>
+          </p:cNvPr>
+          <p:cNvGrpSpPr/>
+          <p:nvPr/>
+        </p:nvGrpSpPr>
+        <p:grpSpPr>
+          <a:xfrm>
+            <a:off x="2864029" y="3216000"/>
+            <a:ext cx="3528386" cy="230832"/>
+            <a:chOff x="1099896" y="1044774"/>
+            <a:chExt cx="1764197" cy="230832"/>
+          </a:xfrm>
+        </p:grpSpPr>
+        <p:cxnSp>
+          <p:nvCxnSpPr>
+            <p:cNvPr id="71" name="직선 화살표 연결선 70">
+              <a:extLst>
+                <a:ext uri="{FF2B5EF4-FFF2-40B4-BE49-F238E27FC236}">
+                  <a16:creationId xmlns:a16="http://schemas.microsoft.com/office/drawing/2014/main" id="{80C9B849-3164-45D1-B6F8-53A74B2174EA}"/>
+                </a:ext>
+              </a:extLst>
+            </p:cNvPr>
+            <p:cNvCxnSpPr/>
+            <p:nvPr/>
+          </p:nvCxnSpPr>
+          <p:spPr>
+            <a:xfrm>
+              <a:off x="1099897" y="1275606"/>
+              <a:ext cx="1764196" cy="0"/>
+            </a:xfrm>
+            <a:prstGeom prst="straightConnector1">
+              <a:avLst/>
+            </a:prstGeom>
+            <a:ln w="19050">
+              <a:solidFill>
+                <a:schemeClr val="tx1"/>
+              </a:solidFill>
+              <a:headEnd type="none" w="med" len="med"/>
+              <a:tailEnd type="arrow" w="med" len="med"/>
+            </a:ln>
+          </p:spPr>
+          <p:style>
+            <a:lnRef idx="1">
+              <a:schemeClr val="accent1"/>
+            </a:lnRef>
+            <a:fillRef idx="0">
+              <a:schemeClr val="accent1"/>
+            </a:fillRef>
+            <a:effectRef idx="0">
+              <a:schemeClr val="accent1"/>
+            </a:effectRef>
+            <a:fontRef idx="minor">
+              <a:schemeClr val="tx1"/>
+            </a:fontRef>
+          </p:style>
+        </p:cxnSp>
+        <p:sp>
+          <p:nvSpPr>
+            <p:cNvPr id="72" name="TextBox 71">
+              <a:extLst>
+                <a:ext uri="{FF2B5EF4-FFF2-40B4-BE49-F238E27FC236}">
+                  <a16:creationId xmlns:a16="http://schemas.microsoft.com/office/drawing/2014/main" id="{D763CC01-C5B9-4B00-93A8-25D6ADD4C0E0}"/>
+                </a:ext>
+              </a:extLst>
+            </p:cNvPr>
+            <p:cNvSpPr txBox="1"/>
+            <p:nvPr/>
+          </p:nvSpPr>
+          <p:spPr>
+            <a:xfrm>
+              <a:off x="1099896" y="1044774"/>
+              <a:ext cx="1764187" cy="230832"/>
+            </a:xfrm>
+            <a:prstGeom prst="rect">
+              <a:avLst/>
+            </a:prstGeom>
+            <a:noFill/>
+          </p:spPr>
+          <p:txBody>
+            <a:bodyPr wrap="square" rtlCol="0" anchor="ctr">
+              <a:spAutoFit/>
+            </a:bodyPr>
+            <a:lstStyle/>
+            <a:p>
+              <a:pPr algn="ctr"/>
+              <a:r>
+                <a:rPr lang="en-US" altLang="ko-KR" sz="900"/>
+                <a:t>8. Send Authentication Info</a:t>
+              </a:r>
+              <a:endParaRPr lang="ko-KR" altLang="en-US" sz="900"/>
+            </a:p>
+          </p:txBody>
+        </p:sp>
+      </p:grpSp>
+      <p:grpSp>
+        <p:nvGrpSpPr>
+          <p:cNvPr id="74" name="그룹 73">
+            <a:extLst>
+              <a:ext uri="{FF2B5EF4-FFF2-40B4-BE49-F238E27FC236}">
+                <a16:creationId xmlns:a16="http://schemas.microsoft.com/office/drawing/2014/main" id="{BE5913C7-1C6F-4B1A-93A2-8F5A782FCF70}"/>
+              </a:ext>
+            </a:extLst>
+          </p:cNvPr>
+          <p:cNvGrpSpPr/>
+          <p:nvPr/>
+        </p:nvGrpSpPr>
+        <p:grpSpPr>
+          <a:xfrm>
+            <a:off x="2864029" y="3507197"/>
+            <a:ext cx="3528386" cy="230832"/>
+            <a:chOff x="1099896" y="1044774"/>
+            <a:chExt cx="1764197" cy="230832"/>
+          </a:xfrm>
+        </p:grpSpPr>
+        <p:cxnSp>
+          <p:nvCxnSpPr>
+            <p:cNvPr id="75" name="직선 화살표 연결선 74">
+              <a:extLst>
+                <a:ext uri="{FF2B5EF4-FFF2-40B4-BE49-F238E27FC236}">
+                  <a16:creationId xmlns:a16="http://schemas.microsoft.com/office/drawing/2014/main" id="{5A32FE5A-D95D-40D1-A6CC-71180B87F368}"/>
+                </a:ext>
+              </a:extLst>
+            </p:cNvPr>
+            <p:cNvCxnSpPr/>
+            <p:nvPr/>
+          </p:nvCxnSpPr>
+          <p:spPr>
+            <a:xfrm>
+              <a:off x="1099897" y="1275606"/>
+              <a:ext cx="1764196" cy="0"/>
+            </a:xfrm>
+            <a:prstGeom prst="straightConnector1">
+              <a:avLst/>
+            </a:prstGeom>
+            <a:ln w="19050">
+              <a:solidFill>
+                <a:schemeClr val="tx1"/>
+              </a:solidFill>
+              <a:headEnd type="arrow" w="med" len="med"/>
+              <a:tailEnd type="none" w="med" len="med"/>
+            </a:ln>
+          </p:spPr>
+          <p:style>
+            <a:lnRef idx="1">
+              <a:schemeClr val="accent1"/>
+            </a:lnRef>
+            <a:fillRef idx="0">
+              <a:schemeClr val="accent1"/>
+            </a:fillRef>
+            <a:effectRef idx="0">
+              <a:schemeClr val="accent1"/>
+            </a:effectRef>
+            <a:fontRef idx="minor">
+              <a:schemeClr val="tx1"/>
+            </a:fontRef>
+          </p:style>
+        </p:cxnSp>
+        <p:sp>
+          <p:nvSpPr>
+            <p:cNvPr id="76" name="TextBox 75">
+              <a:extLst>
+                <a:ext uri="{FF2B5EF4-FFF2-40B4-BE49-F238E27FC236}">
+                  <a16:creationId xmlns:a16="http://schemas.microsoft.com/office/drawing/2014/main" id="{772B408E-1863-4925-B684-13B1B7F10C2D}"/>
+                </a:ext>
+              </a:extLst>
+            </p:cNvPr>
+            <p:cNvSpPr txBox="1"/>
+            <p:nvPr/>
+          </p:nvSpPr>
+          <p:spPr>
+            <a:xfrm>
+              <a:off x="1099896" y="1044774"/>
+              <a:ext cx="1764187" cy="230832"/>
+            </a:xfrm>
+            <a:prstGeom prst="rect">
+              <a:avLst/>
+            </a:prstGeom>
+            <a:noFill/>
+          </p:spPr>
+          <p:txBody>
+            <a:bodyPr wrap="square" rtlCol="0" anchor="ctr">
+              <a:spAutoFit/>
+            </a:bodyPr>
+            <a:lstStyle/>
+            <a:p>
+              <a:pPr algn="ctr"/>
+              <a:r>
+                <a:rPr lang="en-US" altLang="ko-KR" sz="900"/>
+                <a:t>9. Redirect to App URL with Authorization Code</a:t>
+              </a:r>
+              <a:endParaRPr lang="ko-KR" altLang="en-US" sz="900"/>
+            </a:p>
+          </p:txBody>
+        </p:sp>
+      </p:grpSp>
+      <p:grpSp>
+        <p:nvGrpSpPr>
+          <p:cNvPr id="77" name="그룹 76">
+            <a:extLst>
+              <a:ext uri="{FF2B5EF4-FFF2-40B4-BE49-F238E27FC236}">
+                <a16:creationId xmlns:a16="http://schemas.microsoft.com/office/drawing/2014/main" id="{EAEB2C17-9C84-41F8-8131-9C3B1ACEDBEF}"/>
+              </a:ext>
+            </a:extLst>
+          </p:cNvPr>
+          <p:cNvGrpSpPr/>
+          <p:nvPr/>
+        </p:nvGrpSpPr>
+        <p:grpSpPr>
+          <a:xfrm>
+            <a:off x="2864081" y="3733636"/>
+            <a:ext cx="1764197" cy="369332"/>
+            <a:chOff x="1099896" y="942313"/>
+            <a:chExt cx="1764197" cy="369332"/>
+          </a:xfrm>
+        </p:grpSpPr>
+        <p:cxnSp>
+          <p:nvCxnSpPr>
+            <p:cNvPr id="78" name="직선 화살표 연결선 77">
+              <a:extLst>
+                <a:ext uri="{FF2B5EF4-FFF2-40B4-BE49-F238E27FC236}">
+                  <a16:creationId xmlns:a16="http://schemas.microsoft.com/office/drawing/2014/main" id="{29AA5ED2-9D52-4D1F-AF4B-9B79A0DB5BE3}"/>
+                </a:ext>
+              </a:extLst>
+            </p:cNvPr>
+            <p:cNvCxnSpPr/>
+            <p:nvPr/>
+          </p:nvCxnSpPr>
+          <p:spPr>
+            <a:xfrm>
+              <a:off x="1099897" y="1275606"/>
+              <a:ext cx="1764196" cy="0"/>
+            </a:xfrm>
+            <a:prstGeom prst="straightConnector1">
+              <a:avLst/>
+            </a:prstGeom>
+            <a:ln w="19050">
+              <a:solidFill>
+                <a:schemeClr val="tx1"/>
+              </a:solidFill>
+              <a:headEnd type="none" w="med" len="med"/>
+              <a:tailEnd type="arrow" w="med" len="med"/>
+            </a:ln>
+          </p:spPr>
+          <p:style>
+            <a:lnRef idx="1">
+              <a:schemeClr val="accent1"/>
+            </a:lnRef>
+            <a:fillRef idx="0">
+              <a:schemeClr val="accent1"/>
+            </a:fillRef>
+            <a:effectRef idx="0">
+              <a:schemeClr val="accent1"/>
+            </a:effectRef>
+            <a:fontRef idx="minor">
+              <a:schemeClr val="tx1"/>
+            </a:fontRef>
+          </p:style>
+        </p:cxnSp>
+        <p:sp>
+          <p:nvSpPr>
+            <p:cNvPr id="79" name="TextBox 78">
+              <a:extLst>
+                <a:ext uri="{FF2B5EF4-FFF2-40B4-BE49-F238E27FC236}">
+                  <a16:creationId xmlns:a16="http://schemas.microsoft.com/office/drawing/2014/main" id="{B0ADCDCB-221D-4E6F-BC22-A1B89B13A351}"/>
+                </a:ext>
+              </a:extLst>
+            </p:cNvPr>
+            <p:cNvSpPr txBox="1"/>
+            <p:nvPr/>
+          </p:nvSpPr>
+          <p:spPr>
+            <a:xfrm>
+              <a:off x="1099896" y="942313"/>
+              <a:ext cx="1764187" cy="369332"/>
+            </a:xfrm>
+            <a:prstGeom prst="rect">
+              <a:avLst/>
+            </a:prstGeom>
+            <a:noFill/>
+          </p:spPr>
+          <p:txBody>
+            <a:bodyPr wrap="square" rtlCol="0" anchor="ctr">
+              <a:spAutoFit/>
+            </a:bodyPr>
+            <a:lstStyle/>
+            <a:p>
+              <a:pPr algn="ctr"/>
+              <a:r>
+                <a:rPr lang="en-US" altLang="ko-KR" sz="900"/>
+                <a:t>10. Goto to App with Authorization Code</a:t>
+              </a:r>
+              <a:endParaRPr lang="ko-KR" altLang="en-US" sz="900"/>
+            </a:p>
+          </p:txBody>
+        </p:sp>
+      </p:grpSp>
+      <p:grpSp>
+        <p:nvGrpSpPr>
+          <p:cNvPr id="80" name="그룹 79">
+            <a:extLst>
+              <a:ext uri="{FF2B5EF4-FFF2-40B4-BE49-F238E27FC236}">
+                <a16:creationId xmlns:a16="http://schemas.microsoft.com/office/drawing/2014/main" id="{4A49550F-FB19-4BDC-BEB9-CC139F744772}"/>
+              </a:ext>
+            </a:extLst>
+          </p:cNvPr>
+          <p:cNvGrpSpPr/>
+          <p:nvPr/>
+        </p:nvGrpSpPr>
+        <p:grpSpPr>
+          <a:xfrm>
+            <a:off x="4629226" y="4128418"/>
+            <a:ext cx="1764197" cy="230832"/>
+            <a:chOff x="1099896" y="1044774"/>
+            <a:chExt cx="1764197" cy="230832"/>
+          </a:xfrm>
+        </p:grpSpPr>
+        <p:cxnSp>
+          <p:nvCxnSpPr>
+            <p:cNvPr id="81" name="직선 화살표 연결선 80">
+              <a:extLst>
+                <a:ext uri="{FF2B5EF4-FFF2-40B4-BE49-F238E27FC236}">
+                  <a16:creationId xmlns:a16="http://schemas.microsoft.com/office/drawing/2014/main" id="{1E1DCC7C-FA25-4D2A-B9B6-CCD5359DE7AB}"/>
+                </a:ext>
+              </a:extLst>
+            </p:cNvPr>
+            <p:cNvCxnSpPr/>
+            <p:nvPr/>
+          </p:nvCxnSpPr>
+          <p:spPr>
+            <a:xfrm>
+              <a:off x="1099897" y="1275606"/>
+              <a:ext cx="1764196" cy="0"/>
+            </a:xfrm>
+            <a:prstGeom prst="straightConnector1">
+              <a:avLst/>
+            </a:prstGeom>
+            <a:ln w="19050">
+              <a:solidFill>
+                <a:schemeClr val="tx1"/>
+              </a:solidFill>
+              <a:headEnd type="none" w="med" len="med"/>
+              <a:tailEnd type="arrow" w="med" len="med"/>
+            </a:ln>
+          </p:spPr>
+          <p:style>
+            <a:lnRef idx="1">
+              <a:schemeClr val="accent1"/>
+            </a:lnRef>
+            <a:fillRef idx="0">
+              <a:schemeClr val="accent1"/>
+            </a:fillRef>
+            <a:effectRef idx="0">
+              <a:schemeClr val="accent1"/>
+            </a:effectRef>
+            <a:fontRef idx="minor">
+              <a:schemeClr val="tx1"/>
+            </a:fontRef>
+          </p:style>
+        </p:cxnSp>
+        <p:sp>
+          <p:nvSpPr>
+            <p:cNvPr id="82" name="TextBox 81">
+              <a:extLst>
+                <a:ext uri="{FF2B5EF4-FFF2-40B4-BE49-F238E27FC236}">
+                  <a16:creationId xmlns:a16="http://schemas.microsoft.com/office/drawing/2014/main" id="{260AC13B-0F12-4C9D-A092-6B7A21D71222}"/>
+                </a:ext>
+              </a:extLst>
+            </p:cNvPr>
+            <p:cNvSpPr txBox="1"/>
+            <p:nvPr/>
+          </p:nvSpPr>
+          <p:spPr>
+            <a:xfrm>
+              <a:off x="1099896" y="1044774"/>
+              <a:ext cx="1764187" cy="230832"/>
+            </a:xfrm>
+            <a:prstGeom prst="rect">
+              <a:avLst/>
+            </a:prstGeom>
+            <a:noFill/>
+          </p:spPr>
+          <p:txBody>
+            <a:bodyPr wrap="square" rtlCol="0" anchor="ctr">
+              <a:spAutoFit/>
+            </a:bodyPr>
+            <a:lstStyle/>
+            <a:p>
+              <a:pPr algn="ctr"/>
+              <a:r>
+                <a:rPr lang="en-US" altLang="ko-KR" sz="900"/>
+                <a:t>11. Send Authorization Code</a:t>
+              </a:r>
+              <a:endParaRPr lang="ko-KR" altLang="en-US" sz="900"/>
+            </a:p>
+          </p:txBody>
+        </p:sp>
+      </p:grpSp>
+      <p:grpSp>
+        <p:nvGrpSpPr>
+          <p:cNvPr id="83" name="그룹 82">
+            <a:extLst>
+              <a:ext uri="{FF2B5EF4-FFF2-40B4-BE49-F238E27FC236}">
+                <a16:creationId xmlns:a16="http://schemas.microsoft.com/office/drawing/2014/main" id="{39BB9162-D801-4BD4-9745-D7CA48E71C03}"/>
+              </a:ext>
+            </a:extLst>
+          </p:cNvPr>
+          <p:cNvGrpSpPr/>
+          <p:nvPr/>
+        </p:nvGrpSpPr>
+        <p:grpSpPr>
+          <a:xfrm>
+            <a:off x="4627829" y="4357841"/>
+            <a:ext cx="1765594" cy="369332"/>
+            <a:chOff x="1098499" y="948715"/>
+            <a:chExt cx="1765594" cy="369332"/>
+          </a:xfrm>
+        </p:grpSpPr>
+        <p:cxnSp>
+          <p:nvCxnSpPr>
+            <p:cNvPr id="84" name="직선 화살표 연결선 83">
+              <a:extLst>
+                <a:ext uri="{FF2B5EF4-FFF2-40B4-BE49-F238E27FC236}">
+                  <a16:creationId xmlns:a16="http://schemas.microsoft.com/office/drawing/2014/main" id="{9ED2C0CA-8926-4346-8585-357BEBD5E4BF}"/>
+                </a:ext>
+              </a:extLst>
+            </p:cNvPr>
+            <p:cNvCxnSpPr/>
+            <p:nvPr/>
+          </p:nvCxnSpPr>
+          <p:spPr>
+            <a:xfrm>
+              <a:off x="1099897" y="1275606"/>
+              <a:ext cx="1764196" cy="0"/>
+            </a:xfrm>
+            <a:prstGeom prst="straightConnector1">
+              <a:avLst/>
+            </a:prstGeom>
+            <a:ln w="19050">
+              <a:solidFill>
+                <a:schemeClr val="tx1"/>
+              </a:solidFill>
+              <a:headEnd type="arrow" w="med" len="med"/>
+              <a:tailEnd type="none" w="med" len="med"/>
+            </a:ln>
+          </p:spPr>
+          <p:style>
+            <a:lnRef idx="1">
+              <a:schemeClr val="accent1"/>
+            </a:lnRef>
+            <a:fillRef idx="0">
+              <a:schemeClr val="accent1"/>
+            </a:fillRef>
+            <a:effectRef idx="0">
+              <a:schemeClr val="accent1"/>
+            </a:effectRef>
+            <a:fontRef idx="minor">
+              <a:schemeClr val="tx1"/>
+            </a:fontRef>
+          </p:style>
+        </p:cxnSp>
+        <p:sp>
+          <p:nvSpPr>
+            <p:cNvPr id="85" name="TextBox 84">
+              <a:extLst>
+                <a:ext uri="{FF2B5EF4-FFF2-40B4-BE49-F238E27FC236}">
+                  <a16:creationId xmlns:a16="http://schemas.microsoft.com/office/drawing/2014/main" id="{AC28A9FC-9831-4550-B16C-0AFA4AC7C0BE}"/>
+                </a:ext>
+              </a:extLst>
+            </p:cNvPr>
+            <p:cNvSpPr txBox="1"/>
+            <p:nvPr/>
+          </p:nvSpPr>
+          <p:spPr>
+            <a:xfrm>
+              <a:off x="1098499" y="948715"/>
+              <a:ext cx="1764187" cy="369332"/>
+            </a:xfrm>
+            <a:prstGeom prst="rect">
+              <a:avLst/>
+            </a:prstGeom>
+            <a:noFill/>
+          </p:spPr>
+          <p:txBody>
+            <a:bodyPr wrap="square" rtlCol="0" anchor="ctr">
+              <a:spAutoFit/>
+            </a:bodyPr>
+            <a:lstStyle/>
+            <a:p>
+              <a:pPr algn="ctr"/>
+              <a:r>
+                <a:rPr lang="en-US" altLang="ko-KR" sz="900" dirty="0"/>
+                <a:t>12. </a:t>
+              </a:r>
+              <a:r>
+                <a:rPr lang="en-US" altLang="ko-KR" sz="900"/>
+                <a:t>Send </a:t>
+              </a:r>
+              <a:r>
+                <a:rPr lang="en-US" altLang="ko-KR" sz="900" b="1"/>
+                <a:t>ID Token</a:t>
+              </a:r>
+              <a:r>
+                <a:rPr lang="en-US" altLang="ko-KR" sz="900"/>
+                <a:t> </a:t>
+              </a:r>
+              <a:r>
+                <a:rPr lang="en-US" altLang="ko-KR" sz="900">
+                  <a:solidFill>
+                    <a:srgbClr val="C00000"/>
+                  </a:solidFill>
+                </a:rPr>
+                <a:t>(&amp; Access Token, Refresh Token)</a:t>
+              </a:r>
+              <a:endParaRPr lang="ko-KR" altLang="en-US" sz="900" dirty="0">
+                <a:solidFill>
+                  <a:srgbClr val="C00000"/>
+                </a:solidFill>
+              </a:endParaRPr>
+            </a:p>
+          </p:txBody>
+        </p:sp>
+      </p:grpSp>
+      <p:sp>
+        <p:nvSpPr>
+          <p:cNvPr id="55" name="TextBox 54">
+            <a:extLst>
+              <a:ext uri="{FF2B5EF4-FFF2-40B4-BE49-F238E27FC236}">
+                <a16:creationId xmlns:a16="http://schemas.microsoft.com/office/drawing/2014/main" id="{7AA334AC-7DA5-4ED7-96AA-6CCBE76A4B8D}"/>
+              </a:ext>
+            </a:extLst>
+          </p:cNvPr>
+          <p:cNvSpPr txBox="1"/>
+          <p:nvPr/>
+        </p:nvSpPr>
+        <p:spPr>
+          <a:xfrm>
+            <a:off x="4531147" y="509940"/>
+            <a:ext cx="2690291" cy="261610"/>
+          </a:xfrm>
+          <a:prstGeom prst="rect">
+            <a:avLst/>
+          </a:prstGeom>
+          <a:noFill/>
+        </p:spPr>
+        <p:txBody>
+          <a:bodyPr wrap="square" rtlCol="0">
+            <a:spAutoFit/>
+          </a:bodyPr>
+          <a:lstStyle/>
+          <a:p>
+            <a:pPr algn="r"/>
+            <a:r>
+              <a:rPr lang="en-US" altLang="ko-KR" sz="1050">
+                <a:solidFill>
+                  <a:srgbClr val="C00000"/>
+                </a:solidFill>
+              </a:rPr>
+              <a:t>OAuth 2.0</a:t>
+            </a:r>
+            <a:endParaRPr lang="ko-KR" altLang="en-US" sz="1050">
+              <a:solidFill>
+                <a:srgbClr val="C00000"/>
+              </a:solidFill>
+            </a:endParaRPr>
+          </a:p>
+        </p:txBody>
+      </p:sp>
+    </p:spTree>
+    <p:extLst>
+      <p:ext uri="{BB962C8B-B14F-4D97-AF65-F5344CB8AC3E}">
         <p14:creationId xmlns:p14="http://schemas.microsoft.com/office/powerpoint/2010/main" val="2962034453"/>
+      </p:ext>
+    </p:extLst>
+  </p:cSld>
+  <p:clrMapOvr>
+    <a:masterClrMapping/>
+  </p:clrMapOvr>
+</p:sld>
+</file>
+
+<file path=ppt/slides/slide7.xml><?xml version="1.0" encoding="utf-8"?>
+<p:sld xmlns:a="http://schemas.openxmlformats.org/drawingml/2006/main" xmlns:r="http://schemas.openxmlformats.org/officeDocument/2006/relationships" xmlns:p="http://schemas.openxmlformats.org/presentationml/2006/main">
+  <p:cSld>
+    <p:spTree>
+      <p:nvGrpSpPr>
+        <p:cNvPr id="1" name=""/>
+        <p:cNvGrpSpPr/>
+        <p:nvPr/>
+      </p:nvGrpSpPr>
+      <p:grpSpPr>
+        <a:xfrm>
+          <a:off x="0" y="0"/>
+          <a:ext cx="0" cy="0"/>
+          <a:chOff x="0" y="0"/>
+          <a:chExt cx="0" cy="0"/>
+        </a:xfrm>
+      </p:grpSpPr>
+      <p:sp>
+        <p:nvSpPr>
+          <p:cNvPr id="2" name="제목 1"/>
+          <p:cNvSpPr>
+            <a:spLocks noGrp="1"/>
+          </p:cNvSpPr>
+          <p:nvPr>
+            <p:ph type="title"/>
+          </p:nvPr>
+        </p:nvSpPr>
+        <p:spPr>
+          <a:xfrm>
+            <a:off x="457200" y="-20538"/>
+            <a:ext cx="8229600" cy="720080"/>
+          </a:xfrm>
+        </p:spPr>
+        <p:txBody>
+          <a:bodyPr>
+            <a:normAutofit/>
+          </a:bodyPr>
+          <a:lstStyle/>
+          <a:p>
+            <a:r>
+              <a:rPr lang="en-US" altLang="ko-KR" sz="3600"/>
+              <a:t>OIDC Flow - Access Token, ID Token</a:t>
+            </a:r>
+            <a:endParaRPr lang="ko-KR" altLang="en-US" sz="3600" dirty="0"/>
+          </a:p>
+        </p:txBody>
+      </p:sp>
+      <p:sp>
+        <p:nvSpPr>
+          <p:cNvPr id="3" name="사각형: 둥근 모서리 2">
+            <a:extLst>
+              <a:ext uri="{FF2B5EF4-FFF2-40B4-BE49-F238E27FC236}">
+                <a16:creationId xmlns:a16="http://schemas.microsoft.com/office/drawing/2014/main" id="{F682A8B3-51E9-4E66-93BF-AC13CF953E0F}"/>
+              </a:ext>
+            </a:extLst>
+          </p:cNvPr>
+          <p:cNvSpPr/>
+          <p:nvPr/>
+        </p:nvSpPr>
+        <p:spPr>
+          <a:xfrm>
+            <a:off x="508114" y="771550"/>
+            <a:ext cx="1183566" cy="360040"/>
+          </a:xfrm>
+          <a:prstGeom prst="roundRect">
+            <a:avLst>
+              <a:gd name="adj" fmla="val 0"/>
+            </a:avLst>
+          </a:prstGeom>
+        </p:spPr>
+        <p:style>
+          <a:lnRef idx="2">
+            <a:schemeClr val="dk1"/>
+          </a:lnRef>
+          <a:fillRef idx="1">
+            <a:schemeClr val="lt1"/>
+          </a:fillRef>
+          <a:effectRef idx="0">
+            <a:schemeClr val="dk1"/>
+          </a:effectRef>
+          <a:fontRef idx="minor">
+            <a:schemeClr val="dk1"/>
+          </a:fontRef>
+        </p:style>
+        <p:txBody>
+          <a:bodyPr rtlCol="0" anchor="ctr"/>
+          <a:lstStyle/>
+          <a:p>
+            <a:pPr algn="ctr"/>
+            <a:r>
+              <a:rPr lang="en-US" altLang="ko-KR" sz="1000"/>
+              <a:t>User</a:t>
+            </a:r>
+          </a:p>
+          <a:p>
+            <a:pPr algn="ctr"/>
+            <a:r>
+              <a:rPr lang="en-US" altLang="ko-KR" sz="1000"/>
+              <a:t>(Resource Owner)</a:t>
+            </a:r>
+            <a:endParaRPr lang="ko-KR" altLang="en-US" sz="1000"/>
+          </a:p>
+        </p:txBody>
+      </p:sp>
+      <p:sp>
+        <p:nvSpPr>
+          <p:cNvPr id="19" name="사각형: 둥근 모서리 18">
+            <a:extLst>
+              <a:ext uri="{FF2B5EF4-FFF2-40B4-BE49-F238E27FC236}">
+                <a16:creationId xmlns:a16="http://schemas.microsoft.com/office/drawing/2014/main" id="{0E51AB21-06DD-4D1C-881B-AB9AF29BE15E}"/>
+              </a:ext>
+            </a:extLst>
+          </p:cNvPr>
+          <p:cNvSpPr/>
+          <p:nvPr/>
+        </p:nvSpPr>
+        <p:spPr>
+          <a:xfrm>
+            <a:off x="2272310" y="771550"/>
+            <a:ext cx="1183566" cy="360040"/>
+          </a:xfrm>
+          <a:prstGeom prst="roundRect">
+            <a:avLst>
+              <a:gd name="adj" fmla="val 0"/>
+            </a:avLst>
+          </a:prstGeom>
+        </p:spPr>
+        <p:style>
+          <a:lnRef idx="2">
+            <a:schemeClr val="dk1"/>
+          </a:lnRef>
+          <a:fillRef idx="1">
+            <a:schemeClr val="lt1"/>
+          </a:fillRef>
+          <a:effectRef idx="0">
+            <a:schemeClr val="dk1"/>
+          </a:effectRef>
+          <a:fontRef idx="minor">
+            <a:schemeClr val="dk1"/>
+          </a:fontRef>
+        </p:style>
+        <p:txBody>
+          <a:bodyPr rtlCol="0" anchor="ctr"/>
+          <a:lstStyle/>
+          <a:p>
+            <a:pPr algn="ctr"/>
+            <a:r>
+              <a:rPr lang="en-US" altLang="ko-KR" sz="1000"/>
+              <a:t>User Agent</a:t>
+            </a:r>
+          </a:p>
+          <a:p>
+            <a:pPr algn="ctr"/>
+            <a:r>
+              <a:rPr lang="en-US" altLang="ko-KR" sz="1000"/>
+              <a:t>(Browser)</a:t>
+            </a:r>
+            <a:endParaRPr lang="ko-KR" altLang="en-US" sz="1000"/>
+          </a:p>
+        </p:txBody>
+      </p:sp>
+      <p:sp>
+        <p:nvSpPr>
+          <p:cNvPr id="20" name="사각형: 둥근 모서리 19">
+            <a:extLst>
+              <a:ext uri="{FF2B5EF4-FFF2-40B4-BE49-F238E27FC236}">
+                <a16:creationId xmlns:a16="http://schemas.microsoft.com/office/drawing/2014/main" id="{1E98CDC1-9222-4883-B10A-81B66E8DC4B0}"/>
+              </a:ext>
+            </a:extLst>
+          </p:cNvPr>
+          <p:cNvSpPr/>
+          <p:nvPr/>
+        </p:nvSpPr>
+        <p:spPr>
+          <a:xfrm>
+            <a:off x="4036506" y="771550"/>
+            <a:ext cx="1183566" cy="360040"/>
+          </a:xfrm>
+          <a:prstGeom prst="roundRect">
+            <a:avLst>
+              <a:gd name="adj" fmla="val 0"/>
+            </a:avLst>
+          </a:prstGeom>
+        </p:spPr>
+        <p:style>
+          <a:lnRef idx="2">
+            <a:schemeClr val="dk1"/>
+          </a:lnRef>
+          <a:fillRef idx="1">
+            <a:schemeClr val="lt1"/>
+          </a:fillRef>
+          <a:effectRef idx="0">
+            <a:schemeClr val="dk1"/>
+          </a:effectRef>
+          <a:fontRef idx="minor">
+            <a:schemeClr val="dk1"/>
+          </a:fontRef>
+        </p:style>
+        <p:txBody>
+          <a:bodyPr rtlCol="0" anchor="ctr"/>
+          <a:lstStyle/>
+          <a:p>
+            <a:pPr algn="ctr"/>
+            <a:r>
+              <a:rPr lang="en-US" altLang="ko-KR" sz="1000"/>
+              <a:t>Application</a:t>
+            </a:r>
+          </a:p>
+          <a:p>
+            <a:pPr algn="ctr"/>
+            <a:r>
+              <a:rPr lang="en-US" altLang="ko-KR" sz="1000"/>
+              <a:t>(Web Server)</a:t>
+            </a:r>
+            <a:endParaRPr lang="ko-KR" altLang="en-US" sz="1000"/>
+          </a:p>
+        </p:txBody>
+      </p:sp>
+      <p:sp>
+        <p:nvSpPr>
+          <p:cNvPr id="21" name="사각형: 둥근 모서리 20">
+            <a:extLst>
+              <a:ext uri="{FF2B5EF4-FFF2-40B4-BE49-F238E27FC236}">
+                <a16:creationId xmlns:a16="http://schemas.microsoft.com/office/drawing/2014/main" id="{79835011-8977-4FDA-B1B6-1DD7DB8C2468}"/>
+              </a:ext>
+            </a:extLst>
+          </p:cNvPr>
+          <p:cNvSpPr/>
+          <p:nvPr/>
+        </p:nvSpPr>
+        <p:spPr>
+          <a:xfrm>
+            <a:off x="5800702" y="771550"/>
+            <a:ext cx="1183566" cy="360040"/>
+          </a:xfrm>
+          <a:prstGeom prst="roundRect">
+            <a:avLst>
+              <a:gd name="adj" fmla="val 0"/>
+            </a:avLst>
+          </a:prstGeom>
+        </p:spPr>
+        <p:style>
+          <a:lnRef idx="2">
+            <a:schemeClr val="dk1"/>
+          </a:lnRef>
+          <a:fillRef idx="1">
+            <a:schemeClr val="lt1"/>
+          </a:fillRef>
+          <a:effectRef idx="0">
+            <a:schemeClr val="dk1"/>
+          </a:effectRef>
+          <a:fontRef idx="minor">
+            <a:schemeClr val="dk1"/>
+          </a:fontRef>
+        </p:style>
+        <p:txBody>
+          <a:bodyPr rtlCol="0" anchor="ctr"/>
+          <a:lstStyle/>
+          <a:p>
+            <a:pPr algn="ctr"/>
+            <a:r>
+              <a:rPr lang="en-US" altLang="ko-KR" sz="1000"/>
+              <a:t>Authorization</a:t>
+            </a:r>
+          </a:p>
+          <a:p>
+            <a:pPr algn="ctr"/>
+            <a:r>
+              <a:rPr lang="en-US" altLang="ko-KR" sz="1000"/>
+              <a:t>Server</a:t>
+            </a:r>
+            <a:endParaRPr lang="ko-KR" altLang="en-US" sz="1000"/>
+          </a:p>
+        </p:txBody>
+      </p:sp>
+      <p:cxnSp>
+        <p:nvCxnSpPr>
+          <p:cNvPr id="23" name="직선 연결선 22">
+            <a:extLst>
+              <a:ext uri="{FF2B5EF4-FFF2-40B4-BE49-F238E27FC236}">
+                <a16:creationId xmlns:a16="http://schemas.microsoft.com/office/drawing/2014/main" id="{CF38B8A0-1401-4E3B-9FC0-9ED096701E61}"/>
+              </a:ext>
+            </a:extLst>
+          </p:cNvPr>
+          <p:cNvCxnSpPr>
+            <a:cxnSpLocks/>
+            <a:stCxn id="3" idx="2"/>
+          </p:cNvCxnSpPr>
+          <p:nvPr/>
+        </p:nvCxnSpPr>
+        <p:spPr>
+          <a:xfrm>
+            <a:off x="1099897" y="1131590"/>
+            <a:ext cx="0" cy="3744416"/>
+          </a:xfrm>
+          <a:prstGeom prst="line">
+            <a:avLst/>
+          </a:prstGeom>
+          <a:ln w="19050">
+            <a:solidFill>
+              <a:schemeClr val="tx1"/>
+            </a:solidFill>
+          </a:ln>
+        </p:spPr>
+        <p:style>
+          <a:lnRef idx="1">
+            <a:schemeClr val="accent1"/>
+          </a:lnRef>
+          <a:fillRef idx="0">
+            <a:schemeClr val="accent1"/>
+          </a:fillRef>
+          <a:effectRef idx="0">
+            <a:schemeClr val="accent1"/>
+          </a:effectRef>
+          <a:fontRef idx="minor">
+            <a:schemeClr val="tx1"/>
+          </a:fontRef>
+        </p:style>
+      </p:cxnSp>
+      <p:cxnSp>
+        <p:nvCxnSpPr>
+          <p:cNvPr id="30" name="직선 연결선 29">
+            <a:extLst>
+              <a:ext uri="{FF2B5EF4-FFF2-40B4-BE49-F238E27FC236}">
+                <a16:creationId xmlns:a16="http://schemas.microsoft.com/office/drawing/2014/main" id="{5E45002D-6183-4784-BB3F-133D35EEE2BB}"/>
+              </a:ext>
+            </a:extLst>
+          </p:cNvPr>
+          <p:cNvCxnSpPr>
+            <a:cxnSpLocks/>
+            <a:stCxn id="19" idx="2"/>
+          </p:cNvCxnSpPr>
+          <p:nvPr/>
+        </p:nvCxnSpPr>
+        <p:spPr>
+          <a:xfrm flipH="1">
+            <a:off x="2863091" y="1131590"/>
+            <a:ext cx="1002" cy="3744416"/>
+          </a:xfrm>
+          <a:prstGeom prst="line">
+            <a:avLst/>
+          </a:prstGeom>
+          <a:ln w="19050">
+            <a:solidFill>
+              <a:schemeClr val="tx1"/>
+            </a:solidFill>
+          </a:ln>
+        </p:spPr>
+        <p:style>
+          <a:lnRef idx="1">
+            <a:schemeClr val="accent1"/>
+          </a:lnRef>
+          <a:fillRef idx="0">
+            <a:schemeClr val="accent1"/>
+          </a:fillRef>
+          <a:effectRef idx="0">
+            <a:schemeClr val="accent1"/>
+          </a:effectRef>
+          <a:fontRef idx="minor">
+            <a:schemeClr val="tx1"/>
+          </a:fontRef>
+        </p:style>
+      </p:cxnSp>
+      <p:cxnSp>
+        <p:nvCxnSpPr>
+          <p:cNvPr id="33" name="직선 연결선 32">
+            <a:extLst>
+              <a:ext uri="{FF2B5EF4-FFF2-40B4-BE49-F238E27FC236}">
+                <a16:creationId xmlns:a16="http://schemas.microsoft.com/office/drawing/2014/main" id="{71C2B82A-843B-4122-8D52-8C4F14103FA8}"/>
+              </a:ext>
+            </a:extLst>
+          </p:cNvPr>
+          <p:cNvCxnSpPr>
+            <a:cxnSpLocks/>
+            <a:stCxn id="20" idx="2"/>
+          </p:cNvCxnSpPr>
+          <p:nvPr/>
+        </p:nvCxnSpPr>
+        <p:spPr>
+          <a:xfrm flipH="1">
+            <a:off x="4628212" y="1131590"/>
+            <a:ext cx="77" cy="3744416"/>
+          </a:xfrm>
+          <a:prstGeom prst="line">
+            <a:avLst/>
+          </a:prstGeom>
+          <a:ln w="19050">
+            <a:solidFill>
+              <a:schemeClr val="tx1"/>
+            </a:solidFill>
+          </a:ln>
+        </p:spPr>
+        <p:style>
+          <a:lnRef idx="1">
+            <a:schemeClr val="accent1"/>
+          </a:lnRef>
+          <a:fillRef idx="0">
+            <a:schemeClr val="accent1"/>
+          </a:fillRef>
+          <a:effectRef idx="0">
+            <a:schemeClr val="accent1"/>
+          </a:effectRef>
+          <a:fontRef idx="minor">
+            <a:schemeClr val="tx1"/>
+          </a:fontRef>
+        </p:style>
+      </p:cxnSp>
+      <p:cxnSp>
+        <p:nvCxnSpPr>
+          <p:cNvPr id="36" name="직선 연결선 35">
+            <a:extLst>
+              <a:ext uri="{FF2B5EF4-FFF2-40B4-BE49-F238E27FC236}">
+                <a16:creationId xmlns:a16="http://schemas.microsoft.com/office/drawing/2014/main" id="{772E8AA5-3AB5-4A92-A6C6-31B4125C65A0}"/>
+              </a:ext>
+            </a:extLst>
+          </p:cNvPr>
+          <p:cNvCxnSpPr>
+            <a:cxnSpLocks/>
+            <a:stCxn id="21" idx="2"/>
+          </p:cNvCxnSpPr>
+          <p:nvPr/>
+        </p:nvCxnSpPr>
+        <p:spPr>
+          <a:xfrm>
+            <a:off x="6392485" y="1131590"/>
+            <a:ext cx="0" cy="3744416"/>
+          </a:xfrm>
+          <a:prstGeom prst="line">
+            <a:avLst/>
+          </a:prstGeom>
+          <a:ln w="19050">
+            <a:solidFill>
+              <a:schemeClr val="tx1"/>
+            </a:solidFill>
+          </a:ln>
+        </p:spPr>
+        <p:style>
+          <a:lnRef idx="1">
+            <a:schemeClr val="accent1"/>
+          </a:lnRef>
+          <a:fillRef idx="0">
+            <a:schemeClr val="accent1"/>
+          </a:fillRef>
+          <a:effectRef idx="0">
+            <a:schemeClr val="accent1"/>
+          </a:effectRef>
+          <a:fontRef idx="minor">
+            <a:schemeClr val="tx1"/>
+          </a:fontRef>
+        </p:style>
+      </p:cxnSp>
+      <p:grpSp>
+        <p:nvGrpSpPr>
+          <p:cNvPr id="47" name="그룹 46">
+            <a:extLst>
+              <a:ext uri="{FF2B5EF4-FFF2-40B4-BE49-F238E27FC236}">
+                <a16:creationId xmlns:a16="http://schemas.microsoft.com/office/drawing/2014/main" id="{E3BB676B-A04A-46BB-A9BD-CA1B62AED92B}"/>
+              </a:ext>
+            </a:extLst>
+          </p:cNvPr>
+          <p:cNvGrpSpPr/>
+          <p:nvPr/>
+        </p:nvGrpSpPr>
+        <p:grpSpPr>
+          <a:xfrm>
+            <a:off x="1099896" y="1188790"/>
+            <a:ext cx="1764197" cy="230832"/>
+            <a:chOff x="1099896" y="1044774"/>
+            <a:chExt cx="1764197" cy="230832"/>
+          </a:xfrm>
+        </p:grpSpPr>
+        <p:cxnSp>
+          <p:nvCxnSpPr>
+            <p:cNvPr id="45" name="직선 화살표 연결선 44">
+              <a:extLst>
+                <a:ext uri="{FF2B5EF4-FFF2-40B4-BE49-F238E27FC236}">
+                  <a16:creationId xmlns:a16="http://schemas.microsoft.com/office/drawing/2014/main" id="{7DA70A64-B7A7-4AFC-BF95-321F5BF555B1}"/>
+                </a:ext>
+              </a:extLst>
+            </p:cNvPr>
+            <p:cNvCxnSpPr/>
+            <p:nvPr/>
+          </p:nvCxnSpPr>
+          <p:spPr>
+            <a:xfrm>
+              <a:off x="1099897" y="1275606"/>
+              <a:ext cx="1764196" cy="0"/>
+            </a:xfrm>
+            <a:prstGeom prst="straightConnector1">
+              <a:avLst/>
+            </a:prstGeom>
+            <a:ln w="19050">
+              <a:solidFill>
+                <a:schemeClr val="tx1"/>
+              </a:solidFill>
+              <a:headEnd type="none" w="med" len="med"/>
+              <a:tailEnd type="arrow" w="med" len="med"/>
+            </a:ln>
+          </p:spPr>
+          <p:style>
+            <a:lnRef idx="1">
+              <a:schemeClr val="accent1"/>
+            </a:lnRef>
+            <a:fillRef idx="0">
+              <a:schemeClr val="accent1"/>
+            </a:fillRef>
+            <a:effectRef idx="0">
+              <a:schemeClr val="accent1"/>
+            </a:effectRef>
+            <a:fontRef idx="minor">
+              <a:schemeClr val="tx1"/>
+            </a:fontRef>
+          </p:style>
+        </p:cxnSp>
+        <p:sp>
+          <p:nvSpPr>
+            <p:cNvPr id="46" name="TextBox 45">
+              <a:extLst>
+                <a:ext uri="{FF2B5EF4-FFF2-40B4-BE49-F238E27FC236}">
+                  <a16:creationId xmlns:a16="http://schemas.microsoft.com/office/drawing/2014/main" id="{31320D19-CFB6-4C35-A360-5C2725A9C005}"/>
+                </a:ext>
+              </a:extLst>
+            </p:cNvPr>
+            <p:cNvSpPr txBox="1"/>
+            <p:nvPr/>
+          </p:nvSpPr>
+          <p:spPr>
+            <a:xfrm>
+              <a:off x="1099896" y="1044774"/>
+              <a:ext cx="1764187" cy="230832"/>
+            </a:xfrm>
+            <a:prstGeom prst="rect">
+              <a:avLst/>
+            </a:prstGeom>
+            <a:noFill/>
+          </p:spPr>
+          <p:txBody>
+            <a:bodyPr wrap="square" rtlCol="0" anchor="ctr">
+              <a:spAutoFit/>
+            </a:bodyPr>
+            <a:lstStyle/>
+            <a:p>
+              <a:pPr algn="ctr"/>
+              <a:r>
+                <a:rPr lang="en-US" altLang="ko-KR" sz="900"/>
+                <a:t>1. Enter URL</a:t>
+              </a:r>
+              <a:endParaRPr lang="ko-KR" altLang="en-US" sz="900"/>
+            </a:p>
+          </p:txBody>
+        </p:sp>
+      </p:grpSp>
+      <p:grpSp>
+        <p:nvGrpSpPr>
+          <p:cNvPr id="48" name="그룹 47">
+            <a:extLst>
+              <a:ext uri="{FF2B5EF4-FFF2-40B4-BE49-F238E27FC236}">
+                <a16:creationId xmlns:a16="http://schemas.microsoft.com/office/drawing/2014/main" id="{EAFBC0F5-80D5-4A60-A12A-346D9948C032}"/>
+              </a:ext>
+            </a:extLst>
+          </p:cNvPr>
+          <p:cNvGrpSpPr/>
+          <p:nvPr/>
+        </p:nvGrpSpPr>
+        <p:grpSpPr>
+          <a:xfrm>
+            <a:off x="2864081" y="1419622"/>
+            <a:ext cx="1764197" cy="230832"/>
+            <a:chOff x="1099896" y="1044774"/>
+            <a:chExt cx="1764197" cy="230832"/>
+          </a:xfrm>
+        </p:grpSpPr>
+        <p:cxnSp>
+          <p:nvCxnSpPr>
+            <p:cNvPr id="49" name="직선 화살표 연결선 48">
+              <a:extLst>
+                <a:ext uri="{FF2B5EF4-FFF2-40B4-BE49-F238E27FC236}">
+                  <a16:creationId xmlns:a16="http://schemas.microsoft.com/office/drawing/2014/main" id="{3B709BA7-8290-4557-AF33-ED4F7E8812ED}"/>
+                </a:ext>
+              </a:extLst>
+            </p:cNvPr>
+            <p:cNvCxnSpPr/>
+            <p:nvPr/>
+          </p:nvCxnSpPr>
+          <p:spPr>
+            <a:xfrm>
+              <a:off x="1099897" y="1275606"/>
+              <a:ext cx="1764196" cy="0"/>
+            </a:xfrm>
+            <a:prstGeom prst="straightConnector1">
+              <a:avLst/>
+            </a:prstGeom>
+            <a:ln w="19050">
+              <a:solidFill>
+                <a:schemeClr val="tx1"/>
+              </a:solidFill>
+              <a:headEnd type="none" w="med" len="med"/>
+              <a:tailEnd type="arrow" w="med" len="med"/>
+            </a:ln>
+          </p:spPr>
+          <p:style>
+            <a:lnRef idx="1">
+              <a:schemeClr val="accent1"/>
+            </a:lnRef>
+            <a:fillRef idx="0">
+              <a:schemeClr val="accent1"/>
+            </a:fillRef>
+            <a:effectRef idx="0">
+              <a:schemeClr val="accent1"/>
+            </a:effectRef>
+            <a:fontRef idx="minor">
+              <a:schemeClr val="tx1"/>
+            </a:fontRef>
+          </p:style>
+        </p:cxnSp>
+        <p:sp>
+          <p:nvSpPr>
+            <p:cNvPr id="50" name="TextBox 49">
+              <a:extLst>
+                <a:ext uri="{FF2B5EF4-FFF2-40B4-BE49-F238E27FC236}">
+                  <a16:creationId xmlns:a16="http://schemas.microsoft.com/office/drawing/2014/main" id="{9207FD93-EFBF-47E4-A844-1B1F49D86DB7}"/>
+                </a:ext>
+              </a:extLst>
+            </p:cNvPr>
+            <p:cNvSpPr txBox="1"/>
+            <p:nvPr/>
+          </p:nvSpPr>
+          <p:spPr>
+            <a:xfrm>
+              <a:off x="1099896" y="1044774"/>
+              <a:ext cx="1764187" cy="230832"/>
+            </a:xfrm>
+            <a:prstGeom prst="rect">
+              <a:avLst/>
+            </a:prstGeom>
+            <a:noFill/>
+          </p:spPr>
+          <p:txBody>
+            <a:bodyPr wrap="square" rtlCol="0" anchor="ctr">
+              <a:spAutoFit/>
+            </a:bodyPr>
+            <a:lstStyle/>
+            <a:p>
+              <a:pPr algn="ctr"/>
+              <a:r>
+                <a:rPr lang="en-US" altLang="ko-KR" sz="900" dirty="0"/>
+                <a:t>2. </a:t>
+              </a:r>
+              <a:r>
+                <a:rPr lang="en-US" altLang="ko-KR" sz="900" dirty="0" err="1"/>
+                <a:t>Goto</a:t>
+              </a:r>
+              <a:r>
+                <a:rPr lang="en-US" altLang="ko-KR" sz="900" dirty="0"/>
+                <a:t> URL</a:t>
+              </a:r>
+              <a:endParaRPr lang="ko-KR" altLang="en-US" sz="900" dirty="0"/>
+            </a:p>
+          </p:txBody>
+        </p:sp>
+      </p:grpSp>
+      <p:grpSp>
+        <p:nvGrpSpPr>
+          <p:cNvPr id="51" name="그룹 50">
+            <a:extLst>
+              <a:ext uri="{FF2B5EF4-FFF2-40B4-BE49-F238E27FC236}">
+                <a16:creationId xmlns:a16="http://schemas.microsoft.com/office/drawing/2014/main" id="{E78E7DB9-7A22-4F16-9950-ECFA5F3D4150}"/>
+              </a:ext>
+            </a:extLst>
+          </p:cNvPr>
+          <p:cNvGrpSpPr/>
+          <p:nvPr/>
+        </p:nvGrpSpPr>
+        <p:grpSpPr>
+          <a:xfrm>
+            <a:off x="2864081" y="1641996"/>
+            <a:ext cx="1764197" cy="369332"/>
+            <a:chOff x="1099896" y="932508"/>
+            <a:chExt cx="1764197" cy="369332"/>
+          </a:xfrm>
+        </p:grpSpPr>
+        <p:cxnSp>
+          <p:nvCxnSpPr>
+            <p:cNvPr id="52" name="직선 화살표 연결선 51">
+              <a:extLst>
+                <a:ext uri="{FF2B5EF4-FFF2-40B4-BE49-F238E27FC236}">
+                  <a16:creationId xmlns:a16="http://schemas.microsoft.com/office/drawing/2014/main" id="{737C3D9E-DD8A-4406-910A-4D607E2EBF1F}"/>
+                </a:ext>
+              </a:extLst>
+            </p:cNvPr>
+            <p:cNvCxnSpPr/>
+            <p:nvPr/>
+          </p:nvCxnSpPr>
+          <p:spPr>
+            <a:xfrm>
+              <a:off x="1099897" y="1275606"/>
+              <a:ext cx="1764196" cy="0"/>
+            </a:xfrm>
+            <a:prstGeom prst="straightConnector1">
+              <a:avLst/>
+            </a:prstGeom>
+            <a:ln w="19050">
+              <a:solidFill>
+                <a:schemeClr val="tx1"/>
+              </a:solidFill>
+              <a:headEnd type="arrow" w="med" len="med"/>
+              <a:tailEnd type="none" w="med" len="med"/>
+            </a:ln>
+          </p:spPr>
+          <p:style>
+            <a:lnRef idx="1">
+              <a:schemeClr val="accent1"/>
+            </a:lnRef>
+            <a:fillRef idx="0">
+              <a:schemeClr val="accent1"/>
+            </a:fillRef>
+            <a:effectRef idx="0">
+              <a:schemeClr val="accent1"/>
+            </a:effectRef>
+            <a:fontRef idx="minor">
+              <a:schemeClr val="tx1"/>
+            </a:fontRef>
+          </p:style>
+        </p:cxnSp>
+        <p:sp>
+          <p:nvSpPr>
+            <p:cNvPr id="53" name="TextBox 52">
+              <a:extLst>
+                <a:ext uri="{FF2B5EF4-FFF2-40B4-BE49-F238E27FC236}">
+                  <a16:creationId xmlns:a16="http://schemas.microsoft.com/office/drawing/2014/main" id="{970114FF-E1D7-493F-9A33-71AC3EB2CD96}"/>
+                </a:ext>
+              </a:extLst>
+            </p:cNvPr>
+            <p:cNvSpPr txBox="1"/>
+            <p:nvPr/>
+          </p:nvSpPr>
+          <p:spPr>
+            <a:xfrm>
+              <a:off x="1099896" y="932508"/>
+              <a:ext cx="1764187" cy="369332"/>
+            </a:xfrm>
+            <a:prstGeom prst="rect">
+              <a:avLst/>
+            </a:prstGeom>
+            <a:noFill/>
+          </p:spPr>
+          <p:txBody>
+            <a:bodyPr wrap="square" rtlCol="0" anchor="ctr">
+              <a:spAutoFit/>
+            </a:bodyPr>
+            <a:lstStyle/>
+            <a:p>
+              <a:pPr algn="ctr"/>
+              <a:r>
+                <a:rPr lang="en-US" altLang="ko-KR" sz="900"/>
+                <a:t>3. Redirect to Auth Server with Scope and App URL</a:t>
+              </a:r>
+              <a:endParaRPr lang="ko-KR" altLang="en-US" sz="900"/>
+            </a:p>
+          </p:txBody>
+        </p:sp>
+      </p:grpSp>
+      <p:grpSp>
+        <p:nvGrpSpPr>
+          <p:cNvPr id="57" name="그룹 56">
+            <a:extLst>
+              <a:ext uri="{FF2B5EF4-FFF2-40B4-BE49-F238E27FC236}">
+                <a16:creationId xmlns:a16="http://schemas.microsoft.com/office/drawing/2014/main" id="{5A8411E5-A9E9-4E36-B89B-25648DB82851}"/>
+              </a:ext>
+            </a:extLst>
+          </p:cNvPr>
+          <p:cNvGrpSpPr/>
+          <p:nvPr/>
+        </p:nvGrpSpPr>
+        <p:grpSpPr>
+          <a:xfrm>
+            <a:off x="2864081" y="2048644"/>
+            <a:ext cx="3528388" cy="230832"/>
+            <a:chOff x="1099896" y="1044774"/>
+            <a:chExt cx="1764197" cy="230832"/>
+          </a:xfrm>
+        </p:grpSpPr>
+        <p:cxnSp>
+          <p:nvCxnSpPr>
+            <p:cNvPr id="58" name="직선 화살표 연결선 57">
+              <a:extLst>
+                <a:ext uri="{FF2B5EF4-FFF2-40B4-BE49-F238E27FC236}">
+                  <a16:creationId xmlns:a16="http://schemas.microsoft.com/office/drawing/2014/main" id="{7080B2E9-6D6B-43B4-8519-32D04C6545D6}"/>
+                </a:ext>
+              </a:extLst>
+            </p:cNvPr>
+            <p:cNvCxnSpPr/>
+            <p:nvPr/>
+          </p:nvCxnSpPr>
+          <p:spPr>
+            <a:xfrm>
+              <a:off x="1099897" y="1275606"/>
+              <a:ext cx="1764196" cy="0"/>
+            </a:xfrm>
+            <a:prstGeom prst="straightConnector1">
+              <a:avLst/>
+            </a:prstGeom>
+            <a:ln w="19050">
+              <a:solidFill>
+                <a:schemeClr val="tx1"/>
+              </a:solidFill>
+              <a:headEnd type="none" w="med" len="med"/>
+              <a:tailEnd type="arrow" w="med" len="med"/>
+            </a:ln>
+          </p:spPr>
+          <p:style>
+            <a:lnRef idx="1">
+              <a:schemeClr val="accent1"/>
+            </a:lnRef>
+            <a:fillRef idx="0">
+              <a:schemeClr val="accent1"/>
+            </a:fillRef>
+            <a:effectRef idx="0">
+              <a:schemeClr val="accent1"/>
+            </a:effectRef>
+            <a:fontRef idx="minor">
+              <a:schemeClr val="tx1"/>
+            </a:fontRef>
+          </p:style>
+        </p:cxnSp>
+        <p:sp>
+          <p:nvSpPr>
+            <p:cNvPr id="59" name="TextBox 58">
+              <a:extLst>
+                <a:ext uri="{FF2B5EF4-FFF2-40B4-BE49-F238E27FC236}">
+                  <a16:creationId xmlns:a16="http://schemas.microsoft.com/office/drawing/2014/main" id="{6C6D28AC-42F8-4727-B049-E98805DBEC34}"/>
+                </a:ext>
+              </a:extLst>
+            </p:cNvPr>
+            <p:cNvSpPr txBox="1"/>
+            <p:nvPr/>
+          </p:nvSpPr>
+          <p:spPr>
+            <a:xfrm>
+              <a:off x="1099896" y="1044774"/>
+              <a:ext cx="1764187" cy="230832"/>
+            </a:xfrm>
+            <a:prstGeom prst="rect">
+              <a:avLst/>
+            </a:prstGeom>
+            <a:noFill/>
+          </p:spPr>
+          <p:txBody>
+            <a:bodyPr wrap="square" rtlCol="0" anchor="ctr">
+              <a:spAutoFit/>
+            </a:bodyPr>
+            <a:lstStyle/>
+            <a:p>
+              <a:pPr algn="ctr"/>
+              <a:r>
+                <a:rPr lang="en-US" altLang="ko-KR" sz="900"/>
+                <a:t>4. Goto Auth Server with Scope and App URL</a:t>
+              </a:r>
+              <a:endParaRPr lang="ko-KR" altLang="en-US" sz="900"/>
+            </a:p>
+          </p:txBody>
+        </p:sp>
+      </p:grpSp>
+      <p:grpSp>
+        <p:nvGrpSpPr>
+          <p:cNvPr id="61" name="그룹 60">
+            <a:extLst>
+              <a:ext uri="{FF2B5EF4-FFF2-40B4-BE49-F238E27FC236}">
+                <a16:creationId xmlns:a16="http://schemas.microsoft.com/office/drawing/2014/main" id="{DD2B2FB0-94BB-4A5E-A589-6984AA294FEE}"/>
+              </a:ext>
+            </a:extLst>
+          </p:cNvPr>
+          <p:cNvGrpSpPr/>
+          <p:nvPr/>
+        </p:nvGrpSpPr>
+        <p:grpSpPr>
+          <a:xfrm>
+            <a:off x="2864081" y="2336676"/>
+            <a:ext cx="3528366" cy="230832"/>
+            <a:chOff x="1099896" y="1044774"/>
+            <a:chExt cx="1764197" cy="230832"/>
+          </a:xfrm>
+        </p:grpSpPr>
+        <p:cxnSp>
+          <p:nvCxnSpPr>
+            <p:cNvPr id="62" name="직선 화살표 연결선 61">
+              <a:extLst>
+                <a:ext uri="{FF2B5EF4-FFF2-40B4-BE49-F238E27FC236}">
+                  <a16:creationId xmlns:a16="http://schemas.microsoft.com/office/drawing/2014/main" id="{9FB015E7-91E7-400D-A123-A976DF82F65D}"/>
+                </a:ext>
+              </a:extLst>
+            </p:cNvPr>
+            <p:cNvCxnSpPr/>
+            <p:nvPr/>
+          </p:nvCxnSpPr>
+          <p:spPr>
+            <a:xfrm>
+              <a:off x="1099897" y="1275606"/>
+              <a:ext cx="1764196" cy="0"/>
+            </a:xfrm>
+            <a:prstGeom prst="straightConnector1">
+              <a:avLst/>
+            </a:prstGeom>
+            <a:ln w="19050">
+              <a:solidFill>
+                <a:schemeClr val="tx1"/>
+              </a:solidFill>
+              <a:headEnd type="arrow" w="med" len="med"/>
+              <a:tailEnd type="none" w="med" len="med"/>
+            </a:ln>
+          </p:spPr>
+          <p:style>
+            <a:lnRef idx="1">
+              <a:schemeClr val="accent1"/>
+            </a:lnRef>
+            <a:fillRef idx="0">
+              <a:schemeClr val="accent1"/>
+            </a:fillRef>
+            <a:effectRef idx="0">
+              <a:schemeClr val="accent1"/>
+            </a:effectRef>
+            <a:fontRef idx="minor">
+              <a:schemeClr val="tx1"/>
+            </a:fontRef>
+          </p:style>
+        </p:cxnSp>
+        <p:sp>
+          <p:nvSpPr>
+            <p:cNvPr id="63" name="TextBox 62">
+              <a:extLst>
+                <a:ext uri="{FF2B5EF4-FFF2-40B4-BE49-F238E27FC236}">
+                  <a16:creationId xmlns:a16="http://schemas.microsoft.com/office/drawing/2014/main" id="{F8E64580-FDE6-4924-88A9-1AE155603782}"/>
+                </a:ext>
+              </a:extLst>
+            </p:cNvPr>
+            <p:cNvSpPr txBox="1"/>
+            <p:nvPr/>
+          </p:nvSpPr>
+          <p:spPr>
+            <a:xfrm>
+              <a:off x="1099896" y="1044774"/>
+              <a:ext cx="1764187" cy="230832"/>
+            </a:xfrm>
+            <a:prstGeom prst="rect">
+              <a:avLst/>
+            </a:prstGeom>
+            <a:noFill/>
+          </p:spPr>
+          <p:txBody>
+            <a:bodyPr wrap="square" rtlCol="0" anchor="ctr">
+              <a:spAutoFit/>
+            </a:bodyPr>
+            <a:lstStyle/>
+            <a:p>
+              <a:pPr algn="ctr"/>
+              <a:r>
+                <a:rPr lang="en-US" altLang="ko-KR" sz="900"/>
+                <a:t>5. Present Authorization UI</a:t>
+              </a:r>
+              <a:endParaRPr lang="ko-KR" altLang="en-US" sz="900"/>
+            </a:p>
+          </p:txBody>
+        </p:sp>
+      </p:grpSp>
+      <p:grpSp>
+        <p:nvGrpSpPr>
+          <p:cNvPr id="64" name="그룹 63">
+            <a:extLst>
+              <a:ext uri="{FF2B5EF4-FFF2-40B4-BE49-F238E27FC236}">
+                <a16:creationId xmlns:a16="http://schemas.microsoft.com/office/drawing/2014/main" id="{597B8C85-295D-4C92-9310-7320E17DDA59}"/>
+              </a:ext>
+            </a:extLst>
+          </p:cNvPr>
+          <p:cNvGrpSpPr/>
+          <p:nvPr/>
+        </p:nvGrpSpPr>
+        <p:grpSpPr>
+          <a:xfrm>
+            <a:off x="1099897" y="2624708"/>
+            <a:ext cx="1764184" cy="230832"/>
+            <a:chOff x="1099896" y="1044774"/>
+            <a:chExt cx="1764197" cy="230832"/>
+          </a:xfrm>
+        </p:grpSpPr>
+        <p:cxnSp>
+          <p:nvCxnSpPr>
+            <p:cNvPr id="65" name="직선 화살표 연결선 64">
+              <a:extLst>
+                <a:ext uri="{FF2B5EF4-FFF2-40B4-BE49-F238E27FC236}">
+                  <a16:creationId xmlns:a16="http://schemas.microsoft.com/office/drawing/2014/main" id="{716E46BF-9231-4EBA-9EDB-0F6CDE9F93DF}"/>
+                </a:ext>
+              </a:extLst>
+            </p:cNvPr>
+            <p:cNvCxnSpPr/>
+            <p:nvPr/>
+          </p:nvCxnSpPr>
+          <p:spPr>
+            <a:xfrm>
+              <a:off x="1099897" y="1275606"/>
+              <a:ext cx="1764196" cy="0"/>
+            </a:xfrm>
+            <a:prstGeom prst="straightConnector1">
+              <a:avLst/>
+            </a:prstGeom>
+            <a:ln w="19050">
+              <a:solidFill>
+                <a:schemeClr val="tx1"/>
+              </a:solidFill>
+              <a:headEnd type="arrow" w="med" len="med"/>
+              <a:tailEnd type="none" w="med" len="med"/>
+            </a:ln>
+          </p:spPr>
+          <p:style>
+            <a:lnRef idx="1">
+              <a:schemeClr val="accent1"/>
+            </a:lnRef>
+            <a:fillRef idx="0">
+              <a:schemeClr val="accent1"/>
+            </a:fillRef>
+            <a:effectRef idx="0">
+              <a:schemeClr val="accent1"/>
+            </a:effectRef>
+            <a:fontRef idx="minor">
+              <a:schemeClr val="tx1"/>
+            </a:fontRef>
+          </p:style>
+        </p:cxnSp>
+        <p:sp>
+          <p:nvSpPr>
+            <p:cNvPr id="66" name="TextBox 65">
+              <a:extLst>
+                <a:ext uri="{FF2B5EF4-FFF2-40B4-BE49-F238E27FC236}">
+                  <a16:creationId xmlns:a16="http://schemas.microsoft.com/office/drawing/2014/main" id="{AEF921D0-D2FC-4BE9-AB63-E2462AA435CB}"/>
+                </a:ext>
+              </a:extLst>
+            </p:cNvPr>
+            <p:cNvSpPr txBox="1"/>
+            <p:nvPr/>
+          </p:nvSpPr>
+          <p:spPr>
+            <a:xfrm>
+              <a:off x="1099896" y="1044774"/>
+              <a:ext cx="1764187" cy="230832"/>
+            </a:xfrm>
+            <a:prstGeom prst="rect">
+              <a:avLst/>
+            </a:prstGeom>
+            <a:noFill/>
+          </p:spPr>
+          <p:txBody>
+            <a:bodyPr wrap="square" rtlCol="0" anchor="ctr">
+              <a:spAutoFit/>
+            </a:bodyPr>
+            <a:lstStyle/>
+            <a:p>
+              <a:pPr algn="ctr"/>
+              <a:r>
+                <a:rPr lang="en-US" altLang="ko-KR" sz="900"/>
+                <a:t>6. Show Authorization UI</a:t>
+              </a:r>
+              <a:endParaRPr lang="ko-KR" altLang="en-US" sz="900"/>
+            </a:p>
+          </p:txBody>
+        </p:sp>
+      </p:grpSp>
+      <p:grpSp>
+        <p:nvGrpSpPr>
+          <p:cNvPr id="67" name="그룹 66">
+            <a:extLst>
+              <a:ext uri="{FF2B5EF4-FFF2-40B4-BE49-F238E27FC236}">
+                <a16:creationId xmlns:a16="http://schemas.microsoft.com/office/drawing/2014/main" id="{8FB4A4B0-DE36-47FC-9BAE-7A0347C8CB49}"/>
+              </a:ext>
+            </a:extLst>
+          </p:cNvPr>
+          <p:cNvGrpSpPr/>
+          <p:nvPr/>
+        </p:nvGrpSpPr>
+        <p:grpSpPr>
+          <a:xfrm>
+            <a:off x="1099896" y="2918344"/>
+            <a:ext cx="1764197" cy="230832"/>
+            <a:chOff x="1099896" y="1044774"/>
+            <a:chExt cx="1764197" cy="230832"/>
+          </a:xfrm>
+        </p:grpSpPr>
+        <p:cxnSp>
+          <p:nvCxnSpPr>
+            <p:cNvPr id="68" name="직선 화살표 연결선 67">
+              <a:extLst>
+                <a:ext uri="{FF2B5EF4-FFF2-40B4-BE49-F238E27FC236}">
+                  <a16:creationId xmlns:a16="http://schemas.microsoft.com/office/drawing/2014/main" id="{44F9F2A3-37EA-44FC-8E45-AB5318C717E0}"/>
+                </a:ext>
+              </a:extLst>
+            </p:cNvPr>
+            <p:cNvCxnSpPr/>
+            <p:nvPr/>
+          </p:nvCxnSpPr>
+          <p:spPr>
+            <a:xfrm>
+              <a:off x="1099897" y="1275606"/>
+              <a:ext cx="1764196" cy="0"/>
+            </a:xfrm>
+            <a:prstGeom prst="straightConnector1">
+              <a:avLst/>
+            </a:prstGeom>
+            <a:ln w="19050">
+              <a:solidFill>
+                <a:schemeClr val="tx1"/>
+              </a:solidFill>
+              <a:headEnd type="none" w="med" len="med"/>
+              <a:tailEnd type="arrow" w="med" len="med"/>
+            </a:ln>
+          </p:spPr>
+          <p:style>
+            <a:lnRef idx="1">
+              <a:schemeClr val="accent1"/>
+            </a:lnRef>
+            <a:fillRef idx="0">
+              <a:schemeClr val="accent1"/>
+            </a:fillRef>
+            <a:effectRef idx="0">
+              <a:schemeClr val="accent1"/>
+            </a:effectRef>
+            <a:fontRef idx="minor">
+              <a:schemeClr val="tx1"/>
+            </a:fontRef>
+          </p:style>
+        </p:cxnSp>
+        <p:sp>
+          <p:nvSpPr>
+            <p:cNvPr id="69" name="TextBox 68">
+              <a:extLst>
+                <a:ext uri="{FF2B5EF4-FFF2-40B4-BE49-F238E27FC236}">
+                  <a16:creationId xmlns:a16="http://schemas.microsoft.com/office/drawing/2014/main" id="{72E47B97-61A2-4325-9CAB-DA60897BED2D}"/>
+                </a:ext>
+              </a:extLst>
+            </p:cNvPr>
+            <p:cNvSpPr txBox="1"/>
+            <p:nvPr/>
+          </p:nvSpPr>
+          <p:spPr>
+            <a:xfrm>
+              <a:off x="1099896" y="1044774"/>
+              <a:ext cx="1764187" cy="230832"/>
+            </a:xfrm>
+            <a:prstGeom prst="rect">
+              <a:avLst/>
+            </a:prstGeom>
+            <a:noFill/>
+          </p:spPr>
+          <p:txBody>
+            <a:bodyPr wrap="square" rtlCol="0" anchor="ctr">
+              <a:spAutoFit/>
+            </a:bodyPr>
+            <a:lstStyle/>
+            <a:p>
+              <a:pPr algn="ctr"/>
+              <a:r>
+                <a:rPr lang="en-US" altLang="ko-KR" sz="900"/>
+                <a:t>7. Agree</a:t>
+              </a:r>
+              <a:endParaRPr lang="ko-KR" altLang="en-US" sz="900"/>
+            </a:p>
+          </p:txBody>
+        </p:sp>
+      </p:grpSp>
+      <p:grpSp>
+        <p:nvGrpSpPr>
+          <p:cNvPr id="70" name="그룹 69">
+            <a:extLst>
+              <a:ext uri="{FF2B5EF4-FFF2-40B4-BE49-F238E27FC236}">
+                <a16:creationId xmlns:a16="http://schemas.microsoft.com/office/drawing/2014/main" id="{F1A2A4C1-4A3E-408E-A9A1-A4F65D4F8A6E}"/>
+              </a:ext>
+            </a:extLst>
+          </p:cNvPr>
+          <p:cNvGrpSpPr/>
+          <p:nvPr/>
+        </p:nvGrpSpPr>
+        <p:grpSpPr>
+          <a:xfrm>
+            <a:off x="2864029" y="3216000"/>
+            <a:ext cx="3528386" cy="230832"/>
+            <a:chOff x="1099896" y="1044774"/>
+            <a:chExt cx="1764197" cy="230832"/>
+          </a:xfrm>
+        </p:grpSpPr>
+        <p:cxnSp>
+          <p:nvCxnSpPr>
+            <p:cNvPr id="71" name="직선 화살표 연결선 70">
+              <a:extLst>
+                <a:ext uri="{FF2B5EF4-FFF2-40B4-BE49-F238E27FC236}">
+                  <a16:creationId xmlns:a16="http://schemas.microsoft.com/office/drawing/2014/main" id="{80C9B849-3164-45D1-B6F8-53A74B2174EA}"/>
+                </a:ext>
+              </a:extLst>
+            </p:cNvPr>
+            <p:cNvCxnSpPr/>
+            <p:nvPr/>
+          </p:nvCxnSpPr>
+          <p:spPr>
+            <a:xfrm>
+              <a:off x="1099897" y="1275606"/>
+              <a:ext cx="1764196" cy="0"/>
+            </a:xfrm>
+            <a:prstGeom prst="straightConnector1">
+              <a:avLst/>
+            </a:prstGeom>
+            <a:ln w="19050">
+              <a:solidFill>
+                <a:schemeClr val="tx1"/>
+              </a:solidFill>
+              <a:headEnd type="none" w="med" len="med"/>
+              <a:tailEnd type="arrow" w="med" len="med"/>
+            </a:ln>
+          </p:spPr>
+          <p:style>
+            <a:lnRef idx="1">
+              <a:schemeClr val="accent1"/>
+            </a:lnRef>
+            <a:fillRef idx="0">
+              <a:schemeClr val="accent1"/>
+            </a:fillRef>
+            <a:effectRef idx="0">
+              <a:schemeClr val="accent1"/>
+            </a:effectRef>
+            <a:fontRef idx="minor">
+              <a:schemeClr val="tx1"/>
+            </a:fontRef>
+          </p:style>
+        </p:cxnSp>
+        <p:sp>
+          <p:nvSpPr>
+            <p:cNvPr id="72" name="TextBox 71">
+              <a:extLst>
+                <a:ext uri="{FF2B5EF4-FFF2-40B4-BE49-F238E27FC236}">
+                  <a16:creationId xmlns:a16="http://schemas.microsoft.com/office/drawing/2014/main" id="{D763CC01-C5B9-4B00-93A8-25D6ADD4C0E0}"/>
+                </a:ext>
+              </a:extLst>
+            </p:cNvPr>
+            <p:cNvSpPr txBox="1"/>
+            <p:nvPr/>
+          </p:nvSpPr>
+          <p:spPr>
+            <a:xfrm>
+              <a:off x="1099896" y="1044774"/>
+              <a:ext cx="1764187" cy="230832"/>
+            </a:xfrm>
+            <a:prstGeom prst="rect">
+              <a:avLst/>
+            </a:prstGeom>
+            <a:noFill/>
+          </p:spPr>
+          <p:txBody>
+            <a:bodyPr wrap="square" rtlCol="0" anchor="ctr">
+              <a:spAutoFit/>
+            </a:bodyPr>
+            <a:lstStyle/>
+            <a:p>
+              <a:pPr algn="ctr"/>
+              <a:r>
+                <a:rPr lang="en-US" altLang="ko-KR" sz="900"/>
+                <a:t>8. Send Authentication and Authorization Info </a:t>
+              </a:r>
+              <a:endParaRPr lang="ko-KR" altLang="en-US" sz="900"/>
+            </a:p>
+          </p:txBody>
+        </p:sp>
+      </p:grpSp>
+      <p:grpSp>
+        <p:nvGrpSpPr>
+          <p:cNvPr id="74" name="그룹 73">
+            <a:extLst>
+              <a:ext uri="{FF2B5EF4-FFF2-40B4-BE49-F238E27FC236}">
+                <a16:creationId xmlns:a16="http://schemas.microsoft.com/office/drawing/2014/main" id="{BE5913C7-1C6F-4B1A-93A2-8F5A782FCF70}"/>
+              </a:ext>
+            </a:extLst>
+          </p:cNvPr>
+          <p:cNvGrpSpPr/>
+          <p:nvPr/>
+        </p:nvGrpSpPr>
+        <p:grpSpPr>
+          <a:xfrm>
+            <a:off x="2864029" y="3507197"/>
+            <a:ext cx="3528386" cy="230832"/>
+            <a:chOff x="1099896" y="1044774"/>
+            <a:chExt cx="1764197" cy="230832"/>
+          </a:xfrm>
+        </p:grpSpPr>
+        <p:cxnSp>
+          <p:nvCxnSpPr>
+            <p:cNvPr id="75" name="직선 화살표 연결선 74">
+              <a:extLst>
+                <a:ext uri="{FF2B5EF4-FFF2-40B4-BE49-F238E27FC236}">
+                  <a16:creationId xmlns:a16="http://schemas.microsoft.com/office/drawing/2014/main" id="{5A32FE5A-D95D-40D1-A6CC-71180B87F368}"/>
+                </a:ext>
+              </a:extLst>
+            </p:cNvPr>
+            <p:cNvCxnSpPr/>
+            <p:nvPr/>
+          </p:nvCxnSpPr>
+          <p:spPr>
+            <a:xfrm>
+              <a:off x="1099897" y="1275606"/>
+              <a:ext cx="1764196" cy="0"/>
+            </a:xfrm>
+            <a:prstGeom prst="straightConnector1">
+              <a:avLst/>
+            </a:prstGeom>
+            <a:ln w="19050">
+              <a:solidFill>
+                <a:schemeClr val="tx1"/>
+              </a:solidFill>
+              <a:headEnd type="arrow" w="med" len="med"/>
+              <a:tailEnd type="none" w="med" len="med"/>
+            </a:ln>
+          </p:spPr>
+          <p:style>
+            <a:lnRef idx="1">
+              <a:schemeClr val="accent1"/>
+            </a:lnRef>
+            <a:fillRef idx="0">
+              <a:schemeClr val="accent1"/>
+            </a:fillRef>
+            <a:effectRef idx="0">
+              <a:schemeClr val="accent1"/>
+            </a:effectRef>
+            <a:fontRef idx="minor">
+              <a:schemeClr val="tx1"/>
+            </a:fontRef>
+          </p:style>
+        </p:cxnSp>
+        <p:sp>
+          <p:nvSpPr>
+            <p:cNvPr id="76" name="TextBox 75">
+              <a:extLst>
+                <a:ext uri="{FF2B5EF4-FFF2-40B4-BE49-F238E27FC236}">
+                  <a16:creationId xmlns:a16="http://schemas.microsoft.com/office/drawing/2014/main" id="{772B408E-1863-4925-B684-13B1B7F10C2D}"/>
+                </a:ext>
+              </a:extLst>
+            </p:cNvPr>
+            <p:cNvSpPr txBox="1"/>
+            <p:nvPr/>
+          </p:nvSpPr>
+          <p:spPr>
+            <a:xfrm>
+              <a:off x="1099896" y="1044774"/>
+              <a:ext cx="1764187" cy="230832"/>
+            </a:xfrm>
+            <a:prstGeom prst="rect">
+              <a:avLst/>
+            </a:prstGeom>
+            <a:noFill/>
+          </p:spPr>
+          <p:txBody>
+            <a:bodyPr wrap="square" rtlCol="0" anchor="ctr">
+              <a:spAutoFit/>
+            </a:bodyPr>
+            <a:lstStyle/>
+            <a:p>
+              <a:pPr algn="ctr"/>
+              <a:r>
+                <a:rPr lang="en-US" altLang="ko-KR" sz="900"/>
+                <a:t>9. Redirect to App URL with Authorization Code</a:t>
+              </a:r>
+              <a:endParaRPr lang="ko-KR" altLang="en-US" sz="900"/>
+            </a:p>
+          </p:txBody>
+        </p:sp>
+      </p:grpSp>
+      <p:grpSp>
+        <p:nvGrpSpPr>
+          <p:cNvPr id="77" name="그룹 76">
+            <a:extLst>
+              <a:ext uri="{FF2B5EF4-FFF2-40B4-BE49-F238E27FC236}">
+                <a16:creationId xmlns:a16="http://schemas.microsoft.com/office/drawing/2014/main" id="{EAEB2C17-9C84-41F8-8131-9C3B1ACEDBEF}"/>
+              </a:ext>
+            </a:extLst>
+          </p:cNvPr>
+          <p:cNvGrpSpPr/>
+          <p:nvPr/>
+        </p:nvGrpSpPr>
+        <p:grpSpPr>
+          <a:xfrm>
+            <a:off x="2864081" y="3733636"/>
+            <a:ext cx="1764197" cy="369332"/>
+            <a:chOff x="1099896" y="942313"/>
+            <a:chExt cx="1764197" cy="369332"/>
+          </a:xfrm>
+        </p:grpSpPr>
+        <p:cxnSp>
+          <p:nvCxnSpPr>
+            <p:cNvPr id="78" name="직선 화살표 연결선 77">
+              <a:extLst>
+                <a:ext uri="{FF2B5EF4-FFF2-40B4-BE49-F238E27FC236}">
+                  <a16:creationId xmlns:a16="http://schemas.microsoft.com/office/drawing/2014/main" id="{29AA5ED2-9D52-4D1F-AF4B-9B79A0DB5BE3}"/>
+                </a:ext>
+              </a:extLst>
+            </p:cNvPr>
+            <p:cNvCxnSpPr/>
+            <p:nvPr/>
+          </p:nvCxnSpPr>
+          <p:spPr>
+            <a:xfrm>
+              <a:off x="1099897" y="1275606"/>
+              <a:ext cx="1764196" cy="0"/>
+            </a:xfrm>
+            <a:prstGeom prst="straightConnector1">
+              <a:avLst/>
+            </a:prstGeom>
+            <a:ln w="19050">
+              <a:solidFill>
+                <a:schemeClr val="tx1"/>
+              </a:solidFill>
+              <a:headEnd type="none" w="med" len="med"/>
+              <a:tailEnd type="arrow" w="med" len="med"/>
+            </a:ln>
+          </p:spPr>
+          <p:style>
+            <a:lnRef idx="1">
+              <a:schemeClr val="accent1"/>
+            </a:lnRef>
+            <a:fillRef idx="0">
+              <a:schemeClr val="accent1"/>
+            </a:fillRef>
+            <a:effectRef idx="0">
+              <a:schemeClr val="accent1"/>
+            </a:effectRef>
+            <a:fontRef idx="minor">
+              <a:schemeClr val="tx1"/>
+            </a:fontRef>
+          </p:style>
+        </p:cxnSp>
+        <p:sp>
+          <p:nvSpPr>
+            <p:cNvPr id="79" name="TextBox 78">
+              <a:extLst>
+                <a:ext uri="{FF2B5EF4-FFF2-40B4-BE49-F238E27FC236}">
+                  <a16:creationId xmlns:a16="http://schemas.microsoft.com/office/drawing/2014/main" id="{B0ADCDCB-221D-4E6F-BC22-A1B89B13A351}"/>
+                </a:ext>
+              </a:extLst>
+            </p:cNvPr>
+            <p:cNvSpPr txBox="1"/>
+            <p:nvPr/>
+          </p:nvSpPr>
+          <p:spPr>
+            <a:xfrm>
+              <a:off x="1099896" y="942313"/>
+              <a:ext cx="1764187" cy="369332"/>
+            </a:xfrm>
+            <a:prstGeom prst="rect">
+              <a:avLst/>
+            </a:prstGeom>
+            <a:noFill/>
+          </p:spPr>
+          <p:txBody>
+            <a:bodyPr wrap="square" rtlCol="0" anchor="ctr">
+              <a:spAutoFit/>
+            </a:bodyPr>
+            <a:lstStyle/>
+            <a:p>
+              <a:pPr algn="ctr"/>
+              <a:r>
+                <a:rPr lang="en-US" altLang="ko-KR" sz="900"/>
+                <a:t>10. Goto to App with Authorization Code</a:t>
+              </a:r>
+              <a:endParaRPr lang="ko-KR" altLang="en-US" sz="900"/>
+            </a:p>
+          </p:txBody>
+        </p:sp>
+      </p:grpSp>
+      <p:grpSp>
+        <p:nvGrpSpPr>
+          <p:cNvPr id="80" name="그룹 79">
+            <a:extLst>
+              <a:ext uri="{FF2B5EF4-FFF2-40B4-BE49-F238E27FC236}">
+                <a16:creationId xmlns:a16="http://schemas.microsoft.com/office/drawing/2014/main" id="{4A49550F-FB19-4BDC-BEB9-CC139F744772}"/>
+              </a:ext>
+            </a:extLst>
+          </p:cNvPr>
+          <p:cNvGrpSpPr/>
+          <p:nvPr/>
+        </p:nvGrpSpPr>
+        <p:grpSpPr>
+          <a:xfrm>
+            <a:off x="4629226" y="4128418"/>
+            <a:ext cx="1764197" cy="230832"/>
+            <a:chOff x="1099896" y="1044774"/>
+            <a:chExt cx="1764197" cy="230832"/>
+          </a:xfrm>
+        </p:grpSpPr>
+        <p:cxnSp>
+          <p:nvCxnSpPr>
+            <p:cNvPr id="81" name="직선 화살표 연결선 80">
+              <a:extLst>
+                <a:ext uri="{FF2B5EF4-FFF2-40B4-BE49-F238E27FC236}">
+                  <a16:creationId xmlns:a16="http://schemas.microsoft.com/office/drawing/2014/main" id="{1E1DCC7C-FA25-4D2A-B9B6-CCD5359DE7AB}"/>
+                </a:ext>
+              </a:extLst>
+            </p:cNvPr>
+            <p:cNvCxnSpPr/>
+            <p:nvPr/>
+          </p:nvCxnSpPr>
+          <p:spPr>
+            <a:xfrm>
+              <a:off x="1099897" y="1275606"/>
+              <a:ext cx="1764196" cy="0"/>
+            </a:xfrm>
+            <a:prstGeom prst="straightConnector1">
+              <a:avLst/>
+            </a:prstGeom>
+            <a:ln w="19050">
+              <a:solidFill>
+                <a:schemeClr val="tx1"/>
+              </a:solidFill>
+              <a:headEnd type="none" w="med" len="med"/>
+              <a:tailEnd type="arrow" w="med" len="med"/>
+            </a:ln>
+          </p:spPr>
+          <p:style>
+            <a:lnRef idx="1">
+              <a:schemeClr val="accent1"/>
+            </a:lnRef>
+            <a:fillRef idx="0">
+              <a:schemeClr val="accent1"/>
+            </a:fillRef>
+            <a:effectRef idx="0">
+              <a:schemeClr val="accent1"/>
+            </a:effectRef>
+            <a:fontRef idx="minor">
+              <a:schemeClr val="tx1"/>
+            </a:fontRef>
+          </p:style>
+        </p:cxnSp>
+        <p:sp>
+          <p:nvSpPr>
+            <p:cNvPr id="82" name="TextBox 81">
+              <a:extLst>
+                <a:ext uri="{FF2B5EF4-FFF2-40B4-BE49-F238E27FC236}">
+                  <a16:creationId xmlns:a16="http://schemas.microsoft.com/office/drawing/2014/main" id="{260AC13B-0F12-4C9D-A092-6B7A21D71222}"/>
+                </a:ext>
+              </a:extLst>
+            </p:cNvPr>
+            <p:cNvSpPr txBox="1"/>
+            <p:nvPr/>
+          </p:nvSpPr>
+          <p:spPr>
+            <a:xfrm>
+              <a:off x="1099896" y="1044774"/>
+              <a:ext cx="1764187" cy="230832"/>
+            </a:xfrm>
+            <a:prstGeom prst="rect">
+              <a:avLst/>
+            </a:prstGeom>
+            <a:noFill/>
+          </p:spPr>
+          <p:txBody>
+            <a:bodyPr wrap="square" rtlCol="0" anchor="ctr">
+              <a:spAutoFit/>
+            </a:bodyPr>
+            <a:lstStyle/>
+            <a:p>
+              <a:pPr algn="ctr"/>
+              <a:r>
+                <a:rPr lang="en-US" altLang="ko-KR" sz="900"/>
+                <a:t>11. Send Authorization Code</a:t>
+              </a:r>
+              <a:endParaRPr lang="ko-KR" altLang="en-US" sz="900"/>
+            </a:p>
+          </p:txBody>
+        </p:sp>
+      </p:grpSp>
+      <p:grpSp>
+        <p:nvGrpSpPr>
+          <p:cNvPr id="83" name="그룹 82">
+            <a:extLst>
+              <a:ext uri="{FF2B5EF4-FFF2-40B4-BE49-F238E27FC236}">
+                <a16:creationId xmlns:a16="http://schemas.microsoft.com/office/drawing/2014/main" id="{39BB9162-D801-4BD4-9745-D7CA48E71C03}"/>
+              </a:ext>
+            </a:extLst>
+          </p:cNvPr>
+          <p:cNvGrpSpPr/>
+          <p:nvPr/>
+        </p:nvGrpSpPr>
+        <p:grpSpPr>
+          <a:xfrm>
+            <a:off x="4627829" y="4357841"/>
+            <a:ext cx="1765594" cy="369332"/>
+            <a:chOff x="1098499" y="948715"/>
+            <a:chExt cx="1765594" cy="369332"/>
+          </a:xfrm>
+        </p:grpSpPr>
+        <p:cxnSp>
+          <p:nvCxnSpPr>
+            <p:cNvPr id="84" name="직선 화살표 연결선 83">
+              <a:extLst>
+                <a:ext uri="{FF2B5EF4-FFF2-40B4-BE49-F238E27FC236}">
+                  <a16:creationId xmlns:a16="http://schemas.microsoft.com/office/drawing/2014/main" id="{9ED2C0CA-8926-4346-8585-357BEBD5E4BF}"/>
+                </a:ext>
+              </a:extLst>
+            </p:cNvPr>
+            <p:cNvCxnSpPr/>
+            <p:nvPr/>
+          </p:nvCxnSpPr>
+          <p:spPr>
+            <a:xfrm>
+              <a:off x="1099897" y="1275606"/>
+              <a:ext cx="1764196" cy="0"/>
+            </a:xfrm>
+            <a:prstGeom prst="straightConnector1">
+              <a:avLst/>
+            </a:prstGeom>
+            <a:ln w="19050">
+              <a:solidFill>
+                <a:schemeClr val="tx1"/>
+              </a:solidFill>
+              <a:headEnd type="arrow" w="med" len="med"/>
+              <a:tailEnd type="none" w="med" len="med"/>
+            </a:ln>
+          </p:spPr>
+          <p:style>
+            <a:lnRef idx="1">
+              <a:schemeClr val="accent1"/>
+            </a:lnRef>
+            <a:fillRef idx="0">
+              <a:schemeClr val="accent1"/>
+            </a:fillRef>
+            <a:effectRef idx="0">
+              <a:schemeClr val="accent1"/>
+            </a:effectRef>
+            <a:fontRef idx="minor">
+              <a:schemeClr val="tx1"/>
+            </a:fontRef>
+          </p:style>
+        </p:cxnSp>
+        <p:sp>
+          <p:nvSpPr>
+            <p:cNvPr id="85" name="TextBox 84">
+              <a:extLst>
+                <a:ext uri="{FF2B5EF4-FFF2-40B4-BE49-F238E27FC236}">
+                  <a16:creationId xmlns:a16="http://schemas.microsoft.com/office/drawing/2014/main" id="{AC28A9FC-9831-4550-B16C-0AFA4AC7C0BE}"/>
+                </a:ext>
+              </a:extLst>
+            </p:cNvPr>
+            <p:cNvSpPr txBox="1"/>
+            <p:nvPr/>
+          </p:nvSpPr>
+          <p:spPr>
+            <a:xfrm>
+              <a:off x="1098499" y="948715"/>
+              <a:ext cx="1764187" cy="369332"/>
+            </a:xfrm>
+            <a:prstGeom prst="rect">
+              <a:avLst/>
+            </a:prstGeom>
+            <a:noFill/>
+          </p:spPr>
+          <p:txBody>
+            <a:bodyPr wrap="square" rtlCol="0" anchor="ctr">
+              <a:spAutoFit/>
+            </a:bodyPr>
+            <a:lstStyle/>
+            <a:p>
+              <a:pPr algn="ctr"/>
+              <a:r>
+                <a:rPr lang="en-US" altLang="ko-KR" sz="900" dirty="0"/>
+                <a:t>12. </a:t>
+              </a:r>
+              <a:r>
+                <a:rPr lang="en-US" altLang="ko-KR" sz="900"/>
+                <a:t>Send </a:t>
+              </a:r>
+              <a:r>
+                <a:rPr lang="en-US" altLang="ko-KR" sz="900" b="1"/>
+                <a:t>ID Token</a:t>
+              </a:r>
+              <a:r>
+                <a:rPr lang="en-US" altLang="ko-KR" sz="900"/>
+                <a:t> (&amp; Access Token, Refresh Token)</a:t>
+              </a:r>
+              <a:endParaRPr lang="ko-KR" altLang="en-US" sz="900" dirty="0"/>
+            </a:p>
+          </p:txBody>
+        </p:sp>
+      </p:grpSp>
+    </p:spTree>
+    <p:extLst>
+      <p:ext uri="{BB962C8B-B14F-4D97-AF65-F5344CB8AC3E}">
+        <p14:creationId xmlns:p14="http://schemas.microsoft.com/office/powerpoint/2010/main" val="117749815"/>
       </p:ext>
     </p:extLst>
   </p:cSld>

--- a/images/theory_analysis/OIDC/OIDC.pptx
+++ b/images/theory_analysis/OIDC/OIDC.pptx
@@ -219,7 +219,7 @@
           <a:p>
             <a:fld id="{6CD5550B-26C4-49A9-A5BA-636EF7BE6CE9}" type="datetimeFigureOut">
               <a:rPr lang="ko-KR" altLang="en-US" smtClean="0"/>
-              <a:t>2021-04-12</a:t>
+              <a:t>2022-02-20</a:t>
             </a:fld>
             <a:endParaRPr lang="ko-KR" altLang="en-US"/>
           </a:p>
@@ -665,7 +665,7 @@
           <a:p>
             <a:fld id="{FB30EDBD-1C2D-4C1E-B459-B60219FAB484}" type="datetimeFigureOut">
               <a:rPr lang="ko-KR" altLang="en-US" smtClean="0"/>
-              <a:t>2021-04-12</a:t>
+              <a:t>2022-02-20</a:t>
             </a:fld>
             <a:endParaRPr lang="ko-KR" altLang="en-US"/>
           </a:p>
@@ -828,7 +828,7 @@
           <a:p>
             <a:fld id="{FB30EDBD-1C2D-4C1E-B459-B60219FAB484}" type="datetimeFigureOut">
               <a:rPr lang="ko-KR" altLang="en-US" smtClean="0"/>
-              <a:t>2021-04-12</a:t>
+              <a:t>2022-02-20</a:t>
             </a:fld>
             <a:endParaRPr lang="ko-KR" altLang="en-US"/>
           </a:p>
@@ -1001,7 +1001,7 @@
           <a:p>
             <a:fld id="{FB30EDBD-1C2D-4C1E-B459-B60219FAB484}" type="datetimeFigureOut">
               <a:rPr lang="ko-KR" altLang="en-US" smtClean="0"/>
-              <a:t>2021-04-12</a:t>
+              <a:t>2022-02-20</a:t>
             </a:fld>
             <a:endParaRPr lang="ko-KR" altLang="en-US"/>
           </a:p>
@@ -1164,7 +1164,7 @@
           <a:p>
             <a:fld id="{FB30EDBD-1C2D-4C1E-B459-B60219FAB484}" type="datetimeFigureOut">
               <a:rPr lang="ko-KR" altLang="en-US" smtClean="0"/>
-              <a:t>2021-04-12</a:t>
+              <a:t>2022-02-20</a:t>
             </a:fld>
             <a:endParaRPr lang="ko-KR" altLang="en-US"/>
           </a:p>
@@ -1404,7 +1404,7 @@
           <a:p>
             <a:fld id="{FB30EDBD-1C2D-4C1E-B459-B60219FAB484}" type="datetimeFigureOut">
               <a:rPr lang="ko-KR" altLang="en-US" smtClean="0"/>
-              <a:t>2021-04-12</a:t>
+              <a:t>2022-02-20</a:t>
             </a:fld>
             <a:endParaRPr lang="ko-KR" altLang="en-US"/>
           </a:p>
@@ -1684,7 +1684,7 @@
           <a:p>
             <a:fld id="{FB30EDBD-1C2D-4C1E-B459-B60219FAB484}" type="datetimeFigureOut">
               <a:rPr lang="ko-KR" altLang="en-US" smtClean="0"/>
-              <a:t>2021-04-12</a:t>
+              <a:t>2022-02-20</a:t>
             </a:fld>
             <a:endParaRPr lang="ko-KR" altLang="en-US"/>
           </a:p>
@@ -2098,7 +2098,7 @@
           <a:p>
             <a:fld id="{FB30EDBD-1C2D-4C1E-B459-B60219FAB484}" type="datetimeFigureOut">
               <a:rPr lang="ko-KR" altLang="en-US" smtClean="0"/>
-              <a:t>2021-04-12</a:t>
+              <a:t>2022-02-20</a:t>
             </a:fld>
             <a:endParaRPr lang="ko-KR" altLang="en-US"/>
           </a:p>
@@ -2210,7 +2210,7 @@
           <a:p>
             <a:fld id="{FB30EDBD-1C2D-4C1E-B459-B60219FAB484}" type="datetimeFigureOut">
               <a:rPr lang="ko-KR" altLang="en-US" smtClean="0"/>
-              <a:t>2021-04-12</a:t>
+              <a:t>2022-02-20</a:t>
             </a:fld>
             <a:endParaRPr lang="ko-KR" altLang="en-US"/>
           </a:p>
@@ -2300,7 +2300,7 @@
           <a:p>
             <a:fld id="{FB30EDBD-1C2D-4C1E-B459-B60219FAB484}" type="datetimeFigureOut">
               <a:rPr lang="ko-KR" altLang="en-US" smtClean="0"/>
-              <a:t>2021-04-12</a:t>
+              <a:t>2022-02-20</a:t>
             </a:fld>
             <a:endParaRPr lang="ko-KR" altLang="en-US"/>
           </a:p>
@@ -2570,7 +2570,7 @@
           <a:p>
             <a:fld id="{FB30EDBD-1C2D-4C1E-B459-B60219FAB484}" type="datetimeFigureOut">
               <a:rPr lang="ko-KR" altLang="en-US" smtClean="0"/>
-              <a:t>2021-04-12</a:t>
+              <a:t>2022-02-20</a:t>
             </a:fld>
             <a:endParaRPr lang="ko-KR" altLang="en-US"/>
           </a:p>
@@ -2817,7 +2817,7 @@
           <a:p>
             <a:fld id="{FB30EDBD-1C2D-4C1E-B459-B60219FAB484}" type="datetimeFigureOut">
               <a:rPr lang="ko-KR" altLang="en-US" smtClean="0"/>
-              <a:t>2021-04-12</a:t>
+              <a:t>2022-02-20</a:t>
             </a:fld>
             <a:endParaRPr lang="ko-KR" altLang="en-US"/>
           </a:p>
@@ -3023,7 +3023,7 @@
           <a:p>
             <a:fld id="{FB30EDBD-1C2D-4C1E-B459-B60219FAB484}" type="datetimeFigureOut">
               <a:rPr lang="ko-KR" altLang="en-US" smtClean="0"/>
-              <a:t>2021-04-12</a:t>
+              <a:t>2022-02-20</a:t>
             </a:fld>
             <a:endParaRPr lang="ko-KR" altLang="en-US"/>
           </a:p>
@@ -4636,10 +4636,10 @@
         </p:nvGrpSpPr>
         <p:grpSpPr>
           <a:xfrm>
-            <a:off x="2864081" y="1641996"/>
-            <a:ext cx="1764197" cy="369332"/>
-            <a:chOff x="1099896" y="932508"/>
-            <a:chExt cx="1764197" cy="369332"/>
+            <a:off x="2786894" y="1641996"/>
+            <a:ext cx="1928968" cy="369332"/>
+            <a:chOff x="1022709" y="932508"/>
+            <a:chExt cx="1928968" cy="369332"/>
           </a:xfrm>
         </p:grpSpPr>
         <p:cxnSp>
@@ -4699,8 +4699,8 @@
           </p:nvSpPr>
           <p:spPr>
             <a:xfrm>
-              <a:off x="1099896" y="932508"/>
-              <a:ext cx="1764187" cy="369332"/>
+              <a:off x="1022709" y="932508"/>
+              <a:ext cx="1928968" cy="369332"/>
             </a:xfrm>
             <a:prstGeom prst="rect">
               <a:avLst/>
@@ -4716,7 +4716,7 @@
               <a:pPr algn="ctr"/>
               <a:r>
                 <a:rPr lang="en-US" altLang="ko-KR" sz="900"/>
-                <a:t>3. Redirect to Auth Server with Scope and App URL</a:t>
+                <a:t>3. Redirect to Auth Server with Client ID, Scope, App URL</a:t>
               </a:r>
               <a:endParaRPr lang="ko-KR" altLang="en-US" sz="900"/>
             </a:p>
@@ -4817,7 +4817,7 @@
               <a:pPr algn="ctr"/>
               <a:r>
                 <a:rPr lang="en-US" altLang="ko-KR" sz="900"/>
-                <a:t>4. Goto Auth Server with Scope and App URL</a:t>
+                <a:t>4. Goto Auth Server with Client ID, Scope, App URL</a:t>
               </a:r>
               <a:endParaRPr lang="ko-KR" altLang="en-US" sz="900"/>
             </a:p>
@@ -5432,107 +5432,6 @@
       </p:grpSp>
       <p:grpSp>
         <p:nvGrpSpPr>
-          <p:cNvPr id="80" name="그룹 79">
-            <a:extLst>
-              <a:ext uri="{FF2B5EF4-FFF2-40B4-BE49-F238E27FC236}">
-                <a16:creationId xmlns:a16="http://schemas.microsoft.com/office/drawing/2014/main" id="{4A49550F-FB19-4BDC-BEB9-CC139F744772}"/>
-              </a:ext>
-            </a:extLst>
-          </p:cNvPr>
-          <p:cNvGrpSpPr/>
-          <p:nvPr/>
-        </p:nvGrpSpPr>
-        <p:grpSpPr>
-          <a:xfrm>
-            <a:off x="4629226" y="4128418"/>
-            <a:ext cx="1764197" cy="230832"/>
-            <a:chOff x="1099896" y="1044774"/>
-            <a:chExt cx="1764197" cy="230832"/>
-          </a:xfrm>
-        </p:grpSpPr>
-        <p:cxnSp>
-          <p:nvCxnSpPr>
-            <p:cNvPr id="81" name="직선 화살표 연결선 80">
-              <a:extLst>
-                <a:ext uri="{FF2B5EF4-FFF2-40B4-BE49-F238E27FC236}">
-                  <a16:creationId xmlns:a16="http://schemas.microsoft.com/office/drawing/2014/main" id="{1E1DCC7C-FA25-4D2A-B9B6-CCD5359DE7AB}"/>
-                </a:ext>
-              </a:extLst>
-            </p:cNvPr>
-            <p:cNvCxnSpPr/>
-            <p:nvPr/>
-          </p:nvCxnSpPr>
-          <p:spPr>
-            <a:xfrm>
-              <a:off x="1099897" y="1275606"/>
-              <a:ext cx="1764196" cy="0"/>
-            </a:xfrm>
-            <a:prstGeom prst="straightConnector1">
-              <a:avLst/>
-            </a:prstGeom>
-            <a:ln w="19050">
-              <a:solidFill>
-                <a:schemeClr val="tx1"/>
-              </a:solidFill>
-              <a:headEnd type="none" w="med" len="med"/>
-              <a:tailEnd type="arrow" w="med" len="med"/>
-            </a:ln>
-          </p:spPr>
-          <p:style>
-            <a:lnRef idx="1">
-              <a:schemeClr val="accent1"/>
-            </a:lnRef>
-            <a:fillRef idx="0">
-              <a:schemeClr val="accent1"/>
-            </a:fillRef>
-            <a:effectRef idx="0">
-              <a:schemeClr val="accent1"/>
-            </a:effectRef>
-            <a:fontRef idx="minor">
-              <a:schemeClr val="tx1"/>
-            </a:fontRef>
-          </p:style>
-        </p:cxnSp>
-        <p:sp>
-          <p:nvSpPr>
-            <p:cNvPr id="82" name="TextBox 81">
-              <a:extLst>
-                <a:ext uri="{FF2B5EF4-FFF2-40B4-BE49-F238E27FC236}">
-                  <a16:creationId xmlns:a16="http://schemas.microsoft.com/office/drawing/2014/main" id="{260AC13B-0F12-4C9D-A092-6B7A21D71222}"/>
-                </a:ext>
-              </a:extLst>
-            </p:cNvPr>
-            <p:cNvSpPr txBox="1"/>
-            <p:nvPr/>
-          </p:nvSpPr>
-          <p:spPr>
-            <a:xfrm>
-              <a:off x="1099896" y="1044774"/>
-              <a:ext cx="1764187" cy="230832"/>
-            </a:xfrm>
-            <a:prstGeom prst="rect">
-              <a:avLst/>
-            </a:prstGeom>
-            <a:noFill/>
-          </p:spPr>
-          <p:txBody>
-            <a:bodyPr wrap="square" rtlCol="0" anchor="ctr">
-              <a:spAutoFit/>
-            </a:bodyPr>
-            <a:lstStyle/>
-            <a:p>
-              <a:pPr algn="ctr"/>
-              <a:r>
-                <a:rPr lang="en-US" altLang="ko-KR" sz="900"/>
-                <a:t>11. Send Authorization Code</a:t>
-              </a:r>
-              <a:endParaRPr lang="ko-KR" altLang="en-US" sz="900"/>
-            </a:p>
-          </p:txBody>
-        </p:sp>
-      </p:grpSp>
-      <p:grpSp>
-        <p:nvGrpSpPr>
           <p:cNvPr id="83" name="그룹 82">
             <a:extLst>
               <a:ext uri="{FF2B5EF4-FFF2-40B4-BE49-F238E27FC236}">
@@ -5640,6 +5539,107 @@
                 <a:t> (&amp; Access Token, Refresh Token)</a:t>
               </a:r>
               <a:endParaRPr lang="ko-KR" altLang="en-US" sz="900" dirty="0"/>
+            </a:p>
+          </p:txBody>
+        </p:sp>
+      </p:grpSp>
+      <p:grpSp>
+        <p:nvGrpSpPr>
+          <p:cNvPr id="54" name="그룹 53">
+            <a:extLst>
+              <a:ext uri="{FF2B5EF4-FFF2-40B4-BE49-F238E27FC236}">
+                <a16:creationId xmlns:a16="http://schemas.microsoft.com/office/drawing/2014/main" id="{C853B18C-BACE-416A-BD41-8F7127EE868E}"/>
+              </a:ext>
+            </a:extLst>
+          </p:cNvPr>
+          <p:cNvGrpSpPr/>
+          <p:nvPr/>
+        </p:nvGrpSpPr>
+        <p:grpSpPr>
+          <a:xfrm>
+            <a:off x="4506577" y="3988764"/>
+            <a:ext cx="2009486" cy="370486"/>
+            <a:chOff x="977247" y="905120"/>
+            <a:chExt cx="2009486" cy="370486"/>
+          </a:xfrm>
+        </p:grpSpPr>
+        <p:cxnSp>
+          <p:nvCxnSpPr>
+            <p:cNvPr id="55" name="직선 화살표 연결선 54">
+              <a:extLst>
+                <a:ext uri="{FF2B5EF4-FFF2-40B4-BE49-F238E27FC236}">
+                  <a16:creationId xmlns:a16="http://schemas.microsoft.com/office/drawing/2014/main" id="{F1C0F20F-44F6-41DC-A765-695F97181F19}"/>
+                </a:ext>
+              </a:extLst>
+            </p:cNvPr>
+            <p:cNvCxnSpPr/>
+            <p:nvPr/>
+          </p:nvCxnSpPr>
+          <p:spPr>
+            <a:xfrm>
+              <a:off x="1099897" y="1275606"/>
+              <a:ext cx="1764196" cy="0"/>
+            </a:xfrm>
+            <a:prstGeom prst="straightConnector1">
+              <a:avLst/>
+            </a:prstGeom>
+            <a:ln w="19050">
+              <a:solidFill>
+                <a:schemeClr val="tx1"/>
+              </a:solidFill>
+              <a:headEnd type="none" w="med" len="med"/>
+              <a:tailEnd type="arrow" w="med" len="med"/>
+            </a:ln>
+          </p:spPr>
+          <p:style>
+            <a:lnRef idx="1">
+              <a:schemeClr val="accent1"/>
+            </a:lnRef>
+            <a:fillRef idx="0">
+              <a:schemeClr val="accent1"/>
+            </a:fillRef>
+            <a:effectRef idx="0">
+              <a:schemeClr val="accent1"/>
+            </a:effectRef>
+            <a:fontRef idx="minor">
+              <a:schemeClr val="tx1"/>
+            </a:fontRef>
+          </p:style>
+        </p:cxnSp>
+        <p:sp>
+          <p:nvSpPr>
+            <p:cNvPr id="56" name="TextBox 55">
+              <a:extLst>
+                <a:ext uri="{FF2B5EF4-FFF2-40B4-BE49-F238E27FC236}">
+                  <a16:creationId xmlns:a16="http://schemas.microsoft.com/office/drawing/2014/main" id="{C6C2DDA2-8FC9-47CC-B8CE-9AD73D7A117B}"/>
+                </a:ext>
+              </a:extLst>
+            </p:cNvPr>
+            <p:cNvSpPr txBox="1"/>
+            <p:nvPr/>
+          </p:nvSpPr>
+          <p:spPr>
+            <a:xfrm>
+              <a:off x="977247" y="905120"/>
+              <a:ext cx="2009486" cy="369332"/>
+            </a:xfrm>
+            <a:prstGeom prst="rect">
+              <a:avLst/>
+            </a:prstGeom>
+            <a:noFill/>
+          </p:spPr>
+          <p:txBody>
+            <a:bodyPr wrap="square" rtlCol="0" anchor="ctr">
+              <a:spAutoFit/>
+            </a:bodyPr>
+            <a:lstStyle/>
+            <a:p>
+              <a:pPr algn="ctr"/>
+              <a:r>
+                <a:rPr lang="en-US" altLang="ko-KR" sz="900"/>
+                <a:t>11. Send Authorization Code, Client ID, Client Secret</a:t>
+              </a:r>
+              <a:endParaRPr lang="ko-KR" altLang="en-US" sz="900"/>
             </a:p>
           </p:txBody>
         </p:sp>

--- a/images/theory_analysis/OIDC/OIDC.pptx
+++ b/images/theory_analysis/OIDC/OIDC.pptx
@@ -219,7 +219,7 @@
           <a:p>
             <a:fld id="{6CD5550B-26C4-49A9-A5BA-636EF7BE6CE9}" type="datetimeFigureOut">
               <a:rPr lang="ko-KR" altLang="en-US" smtClean="0"/>
-              <a:t>2022-02-20</a:t>
+              <a:t>2022-02-26</a:t>
             </a:fld>
             <a:endParaRPr lang="ko-KR" altLang="en-US"/>
           </a:p>
@@ -665,7 +665,7 @@
           <a:p>
             <a:fld id="{FB30EDBD-1C2D-4C1E-B459-B60219FAB484}" type="datetimeFigureOut">
               <a:rPr lang="ko-KR" altLang="en-US" smtClean="0"/>
-              <a:t>2022-02-20</a:t>
+              <a:t>2022-02-26</a:t>
             </a:fld>
             <a:endParaRPr lang="ko-KR" altLang="en-US"/>
           </a:p>
@@ -828,7 +828,7 @@
           <a:p>
             <a:fld id="{FB30EDBD-1C2D-4C1E-B459-B60219FAB484}" type="datetimeFigureOut">
               <a:rPr lang="ko-KR" altLang="en-US" smtClean="0"/>
-              <a:t>2022-02-20</a:t>
+              <a:t>2022-02-26</a:t>
             </a:fld>
             <a:endParaRPr lang="ko-KR" altLang="en-US"/>
           </a:p>
@@ -1001,7 +1001,7 @@
           <a:p>
             <a:fld id="{FB30EDBD-1C2D-4C1E-B459-B60219FAB484}" type="datetimeFigureOut">
               <a:rPr lang="ko-KR" altLang="en-US" smtClean="0"/>
-              <a:t>2022-02-20</a:t>
+              <a:t>2022-02-26</a:t>
             </a:fld>
             <a:endParaRPr lang="ko-KR" altLang="en-US"/>
           </a:p>
@@ -1164,7 +1164,7 @@
           <a:p>
             <a:fld id="{FB30EDBD-1C2D-4C1E-B459-B60219FAB484}" type="datetimeFigureOut">
               <a:rPr lang="ko-KR" altLang="en-US" smtClean="0"/>
-              <a:t>2022-02-20</a:t>
+              <a:t>2022-02-26</a:t>
             </a:fld>
             <a:endParaRPr lang="ko-KR" altLang="en-US"/>
           </a:p>
@@ -1404,7 +1404,7 @@
           <a:p>
             <a:fld id="{FB30EDBD-1C2D-4C1E-B459-B60219FAB484}" type="datetimeFigureOut">
               <a:rPr lang="ko-KR" altLang="en-US" smtClean="0"/>
-              <a:t>2022-02-20</a:t>
+              <a:t>2022-02-26</a:t>
             </a:fld>
             <a:endParaRPr lang="ko-KR" altLang="en-US"/>
           </a:p>
@@ -1684,7 +1684,7 @@
           <a:p>
             <a:fld id="{FB30EDBD-1C2D-4C1E-B459-B60219FAB484}" type="datetimeFigureOut">
               <a:rPr lang="ko-KR" altLang="en-US" smtClean="0"/>
-              <a:t>2022-02-20</a:t>
+              <a:t>2022-02-26</a:t>
             </a:fld>
             <a:endParaRPr lang="ko-KR" altLang="en-US"/>
           </a:p>
@@ -2098,7 +2098,7 @@
           <a:p>
             <a:fld id="{FB30EDBD-1C2D-4C1E-B459-B60219FAB484}" type="datetimeFigureOut">
               <a:rPr lang="ko-KR" altLang="en-US" smtClean="0"/>
-              <a:t>2022-02-20</a:t>
+              <a:t>2022-02-26</a:t>
             </a:fld>
             <a:endParaRPr lang="ko-KR" altLang="en-US"/>
           </a:p>
@@ -2210,7 +2210,7 @@
           <a:p>
             <a:fld id="{FB30EDBD-1C2D-4C1E-B459-B60219FAB484}" type="datetimeFigureOut">
               <a:rPr lang="ko-KR" altLang="en-US" smtClean="0"/>
-              <a:t>2022-02-20</a:t>
+              <a:t>2022-02-26</a:t>
             </a:fld>
             <a:endParaRPr lang="ko-KR" altLang="en-US"/>
           </a:p>
@@ -2300,7 +2300,7 @@
           <a:p>
             <a:fld id="{FB30EDBD-1C2D-4C1E-B459-B60219FAB484}" type="datetimeFigureOut">
               <a:rPr lang="ko-KR" altLang="en-US" smtClean="0"/>
-              <a:t>2022-02-20</a:t>
+              <a:t>2022-02-26</a:t>
             </a:fld>
             <a:endParaRPr lang="ko-KR" altLang="en-US"/>
           </a:p>
@@ -2570,7 +2570,7 @@
           <a:p>
             <a:fld id="{FB30EDBD-1C2D-4C1E-B459-B60219FAB484}" type="datetimeFigureOut">
               <a:rPr lang="ko-KR" altLang="en-US" smtClean="0"/>
-              <a:t>2022-02-20</a:t>
+              <a:t>2022-02-26</a:t>
             </a:fld>
             <a:endParaRPr lang="ko-KR" altLang="en-US"/>
           </a:p>
@@ -2817,7 +2817,7 @@
           <a:p>
             <a:fld id="{FB30EDBD-1C2D-4C1E-B459-B60219FAB484}" type="datetimeFigureOut">
               <a:rPr lang="ko-KR" altLang="en-US" smtClean="0"/>
-              <a:t>2022-02-20</a:t>
+              <a:t>2022-02-26</a:t>
             </a:fld>
             <a:endParaRPr lang="ko-KR" altLang="en-US"/>
           </a:p>
@@ -3023,7 +3023,7 @@
           <a:p>
             <a:fld id="{FB30EDBD-1C2D-4C1E-B459-B60219FAB484}" type="datetimeFigureOut">
               <a:rPr lang="ko-KR" altLang="en-US" smtClean="0"/>
-              <a:t>2022-02-20</a:t>
+              <a:t>2022-02-26</a:t>
             </a:fld>
             <a:endParaRPr lang="ko-KR" altLang="en-US"/>
           </a:p>
@@ -4716,7 +4716,7 @@
               <a:pPr algn="ctr"/>
               <a:r>
                 <a:rPr lang="en-US" altLang="ko-KR" sz="900"/>
-                <a:t>3. Redirect to Auth Server with Client ID, Scope, App URL</a:t>
+                <a:t>3. Redirect to Auth Server with Client ID, Scope, Return URL</a:t>
               </a:r>
               <a:endParaRPr lang="ko-KR" altLang="en-US" sz="900"/>
             </a:p>
@@ -4817,7 +4817,7 @@
               <a:pPr algn="ctr"/>
               <a:r>
                 <a:rPr lang="en-US" altLang="ko-KR" sz="900"/>
-                <a:t>4. Goto Auth Server with Client ID, Scope, App URL</a:t>
+                <a:t>4. Goto Auth Server with Client ID, Scope, Return URL</a:t>
               </a:r>
               <a:endParaRPr lang="ko-KR" altLang="en-US" sz="900"/>
             </a:p>

--- a/images/theory_analysis/OIDC/OIDC.pptx
+++ b/images/theory_analysis/OIDC/OIDC.pptx
@@ -219,7 +219,7 @@
           <a:p>
             <a:fld id="{6CD5550B-26C4-49A9-A5BA-636EF7BE6CE9}" type="datetimeFigureOut">
               <a:rPr lang="ko-KR" altLang="en-US" smtClean="0"/>
-              <a:t>2022-02-26</a:t>
+              <a:t>2022-02-27</a:t>
             </a:fld>
             <a:endParaRPr lang="ko-KR" altLang="en-US"/>
           </a:p>
@@ -665,7 +665,7 @@
           <a:p>
             <a:fld id="{FB30EDBD-1C2D-4C1E-B459-B60219FAB484}" type="datetimeFigureOut">
               <a:rPr lang="ko-KR" altLang="en-US" smtClean="0"/>
-              <a:t>2022-02-26</a:t>
+              <a:t>2022-02-27</a:t>
             </a:fld>
             <a:endParaRPr lang="ko-KR" altLang="en-US"/>
           </a:p>
@@ -828,7 +828,7 @@
           <a:p>
             <a:fld id="{FB30EDBD-1C2D-4C1E-B459-B60219FAB484}" type="datetimeFigureOut">
               <a:rPr lang="ko-KR" altLang="en-US" smtClean="0"/>
-              <a:t>2022-02-26</a:t>
+              <a:t>2022-02-27</a:t>
             </a:fld>
             <a:endParaRPr lang="ko-KR" altLang="en-US"/>
           </a:p>
@@ -1001,7 +1001,7 @@
           <a:p>
             <a:fld id="{FB30EDBD-1C2D-4C1E-B459-B60219FAB484}" type="datetimeFigureOut">
               <a:rPr lang="ko-KR" altLang="en-US" smtClean="0"/>
-              <a:t>2022-02-26</a:t>
+              <a:t>2022-02-27</a:t>
             </a:fld>
             <a:endParaRPr lang="ko-KR" altLang="en-US"/>
           </a:p>
@@ -1164,7 +1164,7 @@
           <a:p>
             <a:fld id="{FB30EDBD-1C2D-4C1E-B459-B60219FAB484}" type="datetimeFigureOut">
               <a:rPr lang="ko-KR" altLang="en-US" smtClean="0"/>
-              <a:t>2022-02-26</a:t>
+              <a:t>2022-02-27</a:t>
             </a:fld>
             <a:endParaRPr lang="ko-KR" altLang="en-US"/>
           </a:p>
@@ -1404,7 +1404,7 @@
           <a:p>
             <a:fld id="{FB30EDBD-1C2D-4C1E-B459-B60219FAB484}" type="datetimeFigureOut">
               <a:rPr lang="ko-KR" altLang="en-US" smtClean="0"/>
-              <a:t>2022-02-26</a:t>
+              <a:t>2022-02-27</a:t>
             </a:fld>
             <a:endParaRPr lang="ko-KR" altLang="en-US"/>
           </a:p>
@@ -1684,7 +1684,7 @@
           <a:p>
             <a:fld id="{FB30EDBD-1C2D-4C1E-B459-B60219FAB484}" type="datetimeFigureOut">
               <a:rPr lang="ko-KR" altLang="en-US" smtClean="0"/>
-              <a:t>2022-02-26</a:t>
+              <a:t>2022-02-27</a:t>
             </a:fld>
             <a:endParaRPr lang="ko-KR" altLang="en-US"/>
           </a:p>
@@ -2098,7 +2098,7 @@
           <a:p>
             <a:fld id="{FB30EDBD-1C2D-4C1E-B459-B60219FAB484}" type="datetimeFigureOut">
               <a:rPr lang="ko-KR" altLang="en-US" smtClean="0"/>
-              <a:t>2022-02-26</a:t>
+              <a:t>2022-02-27</a:t>
             </a:fld>
             <a:endParaRPr lang="ko-KR" altLang="en-US"/>
           </a:p>
@@ -2210,7 +2210,7 @@
           <a:p>
             <a:fld id="{FB30EDBD-1C2D-4C1E-B459-B60219FAB484}" type="datetimeFigureOut">
               <a:rPr lang="ko-KR" altLang="en-US" smtClean="0"/>
-              <a:t>2022-02-26</a:t>
+              <a:t>2022-02-27</a:t>
             </a:fld>
             <a:endParaRPr lang="ko-KR" altLang="en-US"/>
           </a:p>
@@ -2300,7 +2300,7 @@
           <a:p>
             <a:fld id="{FB30EDBD-1C2D-4C1E-B459-B60219FAB484}" type="datetimeFigureOut">
               <a:rPr lang="ko-KR" altLang="en-US" smtClean="0"/>
-              <a:t>2022-02-26</a:t>
+              <a:t>2022-02-27</a:t>
             </a:fld>
             <a:endParaRPr lang="ko-KR" altLang="en-US"/>
           </a:p>
@@ -2570,7 +2570,7 @@
           <a:p>
             <a:fld id="{FB30EDBD-1C2D-4C1E-B459-B60219FAB484}" type="datetimeFigureOut">
               <a:rPr lang="ko-KR" altLang="en-US" smtClean="0"/>
-              <a:t>2022-02-26</a:t>
+              <a:t>2022-02-27</a:t>
             </a:fld>
             <a:endParaRPr lang="ko-KR" altLang="en-US"/>
           </a:p>
@@ -2817,7 +2817,7 @@
           <a:p>
             <a:fld id="{FB30EDBD-1C2D-4C1E-B459-B60219FAB484}" type="datetimeFigureOut">
               <a:rPr lang="ko-KR" altLang="en-US" smtClean="0"/>
-              <a:t>2022-02-26</a:t>
+              <a:t>2022-02-27</a:t>
             </a:fld>
             <a:endParaRPr lang="ko-KR" altLang="en-US"/>
           </a:p>
@@ -3023,7 +3023,7 @@
           <a:p>
             <a:fld id="{FB30EDBD-1C2D-4C1E-B459-B60219FAB484}" type="datetimeFigureOut">
               <a:rPr lang="ko-KR" altLang="en-US" smtClean="0"/>
-              <a:t>2022-02-26</a:t>
+              <a:t>2022-02-27</a:t>
             </a:fld>
             <a:endParaRPr lang="ko-KR" altLang="en-US"/>
           </a:p>
@@ -4716,7 +4716,7 @@
               <a:pPr algn="ctr"/>
               <a:r>
                 <a:rPr lang="en-US" altLang="ko-KR" sz="900"/>
-                <a:t>3. Redirect to Auth Server with Client ID, Scope, Return URL</a:t>
+                <a:t>3. Redirect to Auth Server with Client ID, Scope, Callback URL</a:t>
               </a:r>
               <a:endParaRPr lang="ko-KR" altLang="en-US" sz="900"/>
             </a:p>
@@ -4817,7 +4817,7 @@
               <a:pPr algn="ctr"/>
               <a:r>
                 <a:rPr lang="en-US" altLang="ko-KR" sz="900"/>
-                <a:t>4. Goto Auth Server with Client ID, Scope, Return URL</a:t>
+                <a:t>4. Goto Auth Server with Client ID, Scope, Callback URL</a:t>
               </a:r>
               <a:endParaRPr lang="ko-KR" altLang="en-US" sz="900"/>
             </a:p>
@@ -5322,7 +5322,7 @@
               <a:pPr algn="ctr"/>
               <a:r>
                 <a:rPr lang="en-US" altLang="ko-KR" sz="900"/>
-                <a:t>9. Redirect to App URL with Authorization Code</a:t>
+                <a:t>9. Redirect to Callback URL with Authorization Code</a:t>
               </a:r>
               <a:endParaRPr lang="ko-KR" altLang="en-US" sz="900"/>
             </a:p>
@@ -5423,7 +5423,14 @@
               <a:pPr algn="ctr"/>
               <a:r>
                 <a:rPr lang="en-US" altLang="ko-KR" sz="900"/>
-                <a:t>10. Goto to App with Authorization Code</a:t>
+                <a:t>10. Goto to Callback URL </a:t>
+              </a:r>
+              <a:br>
+                <a:rPr lang="en-US" altLang="ko-KR" sz="900"/>
+              </a:br>
+              <a:r>
+                <a:rPr lang="en-US" altLang="ko-KR" sz="900"/>
+                <a:t>with Authorization Code</a:t>
               </a:r>
               <a:endParaRPr lang="ko-KR" altLang="en-US" sz="900"/>
             </a:p>

--- a/images/theory_analysis/OIDC/OIDC.pptx
+++ b/images/theory_analysis/OIDC/OIDC.pptx
@@ -219,7 +219,7 @@
           <a:p>
             <a:fld id="{6CD5550B-26C4-49A9-A5BA-636EF7BE6CE9}" type="datetimeFigureOut">
               <a:rPr lang="ko-KR" altLang="en-US" smtClean="0"/>
-              <a:t>2022-02-27</a:t>
+              <a:t>2022-04-14</a:t>
             </a:fld>
             <a:endParaRPr lang="ko-KR" altLang="en-US"/>
           </a:p>
@@ -665,7 +665,7 @@
           <a:p>
             <a:fld id="{FB30EDBD-1C2D-4C1E-B459-B60219FAB484}" type="datetimeFigureOut">
               <a:rPr lang="ko-KR" altLang="en-US" smtClean="0"/>
-              <a:t>2022-02-27</a:t>
+              <a:t>2022-04-14</a:t>
             </a:fld>
             <a:endParaRPr lang="ko-KR" altLang="en-US"/>
           </a:p>
@@ -828,7 +828,7 @@
           <a:p>
             <a:fld id="{FB30EDBD-1C2D-4C1E-B459-B60219FAB484}" type="datetimeFigureOut">
               <a:rPr lang="ko-KR" altLang="en-US" smtClean="0"/>
-              <a:t>2022-02-27</a:t>
+              <a:t>2022-04-14</a:t>
             </a:fld>
             <a:endParaRPr lang="ko-KR" altLang="en-US"/>
           </a:p>
@@ -1001,7 +1001,7 @@
           <a:p>
             <a:fld id="{FB30EDBD-1C2D-4C1E-B459-B60219FAB484}" type="datetimeFigureOut">
               <a:rPr lang="ko-KR" altLang="en-US" smtClean="0"/>
-              <a:t>2022-02-27</a:t>
+              <a:t>2022-04-14</a:t>
             </a:fld>
             <a:endParaRPr lang="ko-KR" altLang="en-US"/>
           </a:p>
@@ -1164,7 +1164,7 @@
           <a:p>
             <a:fld id="{FB30EDBD-1C2D-4C1E-B459-B60219FAB484}" type="datetimeFigureOut">
               <a:rPr lang="ko-KR" altLang="en-US" smtClean="0"/>
-              <a:t>2022-02-27</a:t>
+              <a:t>2022-04-14</a:t>
             </a:fld>
             <a:endParaRPr lang="ko-KR" altLang="en-US"/>
           </a:p>
@@ -1404,7 +1404,7 @@
           <a:p>
             <a:fld id="{FB30EDBD-1C2D-4C1E-B459-B60219FAB484}" type="datetimeFigureOut">
               <a:rPr lang="ko-KR" altLang="en-US" smtClean="0"/>
-              <a:t>2022-02-27</a:t>
+              <a:t>2022-04-14</a:t>
             </a:fld>
             <a:endParaRPr lang="ko-KR" altLang="en-US"/>
           </a:p>
@@ -1684,7 +1684,7 @@
           <a:p>
             <a:fld id="{FB30EDBD-1C2D-4C1E-B459-B60219FAB484}" type="datetimeFigureOut">
               <a:rPr lang="ko-KR" altLang="en-US" smtClean="0"/>
-              <a:t>2022-02-27</a:t>
+              <a:t>2022-04-14</a:t>
             </a:fld>
             <a:endParaRPr lang="ko-KR" altLang="en-US"/>
           </a:p>
@@ -2098,7 +2098,7 @@
           <a:p>
             <a:fld id="{FB30EDBD-1C2D-4C1E-B459-B60219FAB484}" type="datetimeFigureOut">
               <a:rPr lang="ko-KR" altLang="en-US" smtClean="0"/>
-              <a:t>2022-02-27</a:t>
+              <a:t>2022-04-14</a:t>
             </a:fld>
             <a:endParaRPr lang="ko-KR" altLang="en-US"/>
           </a:p>
@@ -2210,7 +2210,7 @@
           <a:p>
             <a:fld id="{FB30EDBD-1C2D-4C1E-B459-B60219FAB484}" type="datetimeFigureOut">
               <a:rPr lang="ko-KR" altLang="en-US" smtClean="0"/>
-              <a:t>2022-02-27</a:t>
+              <a:t>2022-04-14</a:t>
             </a:fld>
             <a:endParaRPr lang="ko-KR" altLang="en-US"/>
           </a:p>
@@ -2300,7 +2300,7 @@
           <a:p>
             <a:fld id="{FB30EDBD-1C2D-4C1E-B459-B60219FAB484}" type="datetimeFigureOut">
               <a:rPr lang="ko-KR" altLang="en-US" smtClean="0"/>
-              <a:t>2022-02-27</a:t>
+              <a:t>2022-04-14</a:t>
             </a:fld>
             <a:endParaRPr lang="ko-KR" altLang="en-US"/>
           </a:p>
@@ -2570,7 +2570,7 @@
           <a:p>
             <a:fld id="{FB30EDBD-1C2D-4C1E-B459-B60219FAB484}" type="datetimeFigureOut">
               <a:rPr lang="ko-KR" altLang="en-US" smtClean="0"/>
-              <a:t>2022-02-27</a:t>
+              <a:t>2022-04-14</a:t>
             </a:fld>
             <a:endParaRPr lang="ko-KR" altLang="en-US"/>
           </a:p>
@@ -2817,7 +2817,7 @@
           <a:p>
             <a:fld id="{FB30EDBD-1C2D-4C1E-B459-B60219FAB484}" type="datetimeFigureOut">
               <a:rPr lang="ko-KR" altLang="en-US" smtClean="0"/>
-              <a:t>2022-02-27</a:t>
+              <a:t>2022-04-14</a:t>
             </a:fld>
             <a:endParaRPr lang="ko-KR" altLang="en-US"/>
           </a:p>
@@ -3023,7 +3023,7 @@
           <a:p>
             <a:fld id="{FB30EDBD-1C2D-4C1E-B459-B60219FAB484}" type="datetimeFigureOut">
               <a:rPr lang="ko-KR" altLang="en-US" smtClean="0"/>
-              <a:t>2022-02-27</a:t>
+              <a:t>2022-04-14</a:t>
             </a:fld>
             <a:endParaRPr lang="ko-KR" altLang="en-US"/>
           </a:p>
@@ -3440,7 +3440,14 @@
             <a:pPr algn="r"/>
             <a:r>
               <a:rPr lang="en-US" altLang="ko-KR" sz="1200" b="1"/>
-              <a:t>Identity Provider</a:t>
+              <a:t>Identity (OIDC) </a:t>
+            </a:r>
+            <a:br>
+              <a:rPr lang="en-US" altLang="ko-KR" sz="1200" b="1"/>
+            </a:br>
+            <a:r>
+              <a:rPr lang="en-US" altLang="ko-KR" sz="1200" b="1"/>
+              <a:t>Provider</a:t>
             </a:r>
           </a:p>
         </p:txBody>
